--- a/decks and posters/spring 2019 final.pptx
+++ b/decks and posters/spring 2019 final.pptx
@@ -5,7 +5,7 @@
     <p:sldMasterId id="2147483660" r:id="rId1"/>
   </p:sldMasterIdLst>
   <p:notesMasterIdLst>
-    <p:notesMasterId r:id="rId26"/>
+    <p:notesMasterId r:id="rId27"/>
   </p:notesMasterIdLst>
   <p:sldIdLst>
     <p:sldId id="263" r:id="rId2"/>
@@ -15,8 +15,8 @@
     <p:sldId id="266" r:id="rId6"/>
     <p:sldId id="267" r:id="rId7"/>
     <p:sldId id="262" r:id="rId8"/>
-    <p:sldId id="268" r:id="rId9"/>
-    <p:sldId id="269" r:id="rId10"/>
+    <p:sldId id="269" r:id="rId9"/>
+    <p:sldId id="268" r:id="rId10"/>
     <p:sldId id="270" r:id="rId11"/>
     <p:sldId id="271" r:id="rId12"/>
     <p:sldId id="272" r:id="rId13"/>
@@ -30,8 +30,9 @@
     <p:sldId id="280" r:id="rId21"/>
     <p:sldId id="281" r:id="rId22"/>
     <p:sldId id="282" r:id="rId23"/>
-    <p:sldId id="283" r:id="rId24"/>
-    <p:sldId id="284" r:id="rId25"/>
+    <p:sldId id="285" r:id="rId24"/>
+    <p:sldId id="283" r:id="rId25"/>
+    <p:sldId id="284" r:id="rId26"/>
   </p:sldIdLst>
   <p:sldSz cx="12192000" cy="6858000"/>
   <p:notesSz cx="6858000" cy="9144000"/>
@@ -231,7 +232,7 @@
           <a:p>
             <a:fld id="{049E8D39-52C2-4133-AFB3-FC7652AB8598}" type="datetimeFigureOut">
               <a:rPr lang="en-CA" smtClean="0"/>
-              <a:t>2019-04-02</a:t>
+              <a:t>2019-04-04</a:t>
             </a:fld>
             <a:endParaRPr lang="en-CA"/>
           </a:p>
@@ -765,7 +766,7 @@
           <a:p>
             <a:fld id="{80D1DFD4-8CCF-4660-9690-3F41EE146443}" type="slidenum">
               <a:rPr lang="en-CA" smtClean="0"/>
-              <a:t>8</a:t>
+              <a:t>9</a:t>
             </a:fld>
             <a:endParaRPr lang="en-CA"/>
           </a:p>
@@ -1286,7 +1287,7 @@
           <a:p>
             <a:fld id="{E5913C49-45AE-4926-BFC9-EBF79FA12E5C}" type="datetimeFigureOut">
               <a:rPr lang="en-US" smtClean="0"/>
-              <a:t>4/2/2019</a:t>
+              <a:t>4/4/2019</a:t>
             </a:fld>
             <a:endParaRPr lang="en-US"/>
           </a:p>
@@ -1582,7 +1583,7 @@
           <a:p>
             <a:fld id="{E5913C49-45AE-4926-BFC9-EBF79FA12E5C}" type="datetimeFigureOut">
               <a:rPr lang="en-US" smtClean="0"/>
-              <a:t>4/2/2019</a:t>
+              <a:t>4/4/2019</a:t>
             </a:fld>
             <a:endParaRPr lang="en-US"/>
           </a:p>
@@ -1830,7 +1831,7 @@
           <a:p>
             <a:fld id="{E5913C49-45AE-4926-BFC9-EBF79FA12E5C}" type="datetimeFigureOut">
               <a:rPr lang="en-US" smtClean="0"/>
-              <a:t>4/2/2019</a:t>
+              <a:t>4/4/2019</a:t>
             </a:fld>
             <a:endParaRPr lang="en-US"/>
           </a:p>
@@ -2370,7 +2371,7 @@
           <a:p>
             <a:fld id="{E5913C49-45AE-4926-BFC9-EBF79FA12E5C}" type="datetimeFigureOut">
               <a:rPr lang="en-US" smtClean="0"/>
-              <a:t>4/2/2019</a:t>
+              <a:t>4/4/2019</a:t>
             </a:fld>
             <a:endParaRPr lang="en-US"/>
           </a:p>
@@ -2618,7 +2619,7 @@
           <a:p>
             <a:fld id="{E5913C49-45AE-4926-BFC9-EBF79FA12E5C}" type="datetimeFigureOut">
               <a:rPr lang="en-US" smtClean="0"/>
-              <a:t>4/2/2019</a:t>
+              <a:t>4/4/2019</a:t>
             </a:fld>
             <a:endParaRPr lang="en-US"/>
           </a:p>
@@ -3150,7 +3151,7 @@
           <a:p>
             <a:fld id="{E5913C49-45AE-4926-BFC9-EBF79FA12E5C}" type="datetimeFigureOut">
               <a:rPr lang="en-US" smtClean="0"/>
-              <a:t>4/2/2019</a:t>
+              <a:t>4/4/2019</a:t>
             </a:fld>
             <a:endParaRPr lang="en-US"/>
           </a:p>
@@ -3447,7 +3448,7 @@
           <a:p>
             <a:fld id="{E5913C49-45AE-4926-BFC9-EBF79FA12E5C}" type="datetimeFigureOut">
               <a:rPr lang="en-US" smtClean="0"/>
-              <a:t>4/2/2019</a:t>
+              <a:t>4/4/2019</a:t>
             </a:fld>
             <a:endParaRPr lang="en-US"/>
           </a:p>
@@ -3621,7 +3622,7 @@
           <a:p>
             <a:fld id="{E5913C49-45AE-4926-BFC9-EBF79FA12E5C}" type="datetimeFigureOut">
               <a:rPr lang="en-US" smtClean="0"/>
-              <a:t>4/2/2019</a:t>
+              <a:t>4/4/2019</a:t>
             </a:fld>
             <a:endParaRPr lang="en-US"/>
           </a:p>
@@ -3801,7 +3802,7 @@
           <a:p>
             <a:fld id="{E5913C49-45AE-4926-BFC9-EBF79FA12E5C}" type="datetimeFigureOut">
               <a:rPr lang="en-US" smtClean="0"/>
-              <a:t>4/2/2019</a:t>
+              <a:t>4/4/2019</a:t>
             </a:fld>
             <a:endParaRPr lang="en-US"/>
           </a:p>
@@ -3971,7 +3972,7 @@
           <a:p>
             <a:fld id="{E5913C49-45AE-4926-BFC9-EBF79FA12E5C}" type="datetimeFigureOut">
               <a:rPr lang="en-US" smtClean="0"/>
-              <a:t>4/2/2019</a:t>
+              <a:t>4/4/2019</a:t>
             </a:fld>
             <a:endParaRPr lang="en-US"/>
           </a:p>
@@ -4222,7 +4223,7 @@
           <a:p>
             <a:fld id="{E5913C49-45AE-4926-BFC9-EBF79FA12E5C}" type="datetimeFigureOut">
               <a:rPr lang="en-US" smtClean="0"/>
-              <a:t>4/2/2019</a:t>
+              <a:t>4/4/2019</a:t>
             </a:fld>
             <a:endParaRPr lang="en-US"/>
           </a:p>
@@ -4519,7 +4520,7 @@
           <a:p>
             <a:fld id="{E5913C49-45AE-4926-BFC9-EBF79FA12E5C}" type="datetimeFigureOut">
               <a:rPr lang="en-US" smtClean="0"/>
-              <a:t>4/2/2019</a:t>
+              <a:t>4/4/2019</a:t>
             </a:fld>
             <a:endParaRPr lang="en-US"/>
           </a:p>
@@ -4961,7 +4962,7 @@
           <a:p>
             <a:fld id="{E5913C49-45AE-4926-BFC9-EBF79FA12E5C}" type="datetimeFigureOut">
               <a:rPr lang="en-US" smtClean="0"/>
-              <a:t>4/2/2019</a:t>
+              <a:t>4/4/2019</a:t>
             </a:fld>
             <a:endParaRPr lang="en-US"/>
           </a:p>
@@ -5079,7 +5080,7 @@
           <a:p>
             <a:fld id="{E5913C49-45AE-4926-BFC9-EBF79FA12E5C}" type="datetimeFigureOut">
               <a:rPr lang="en-US" smtClean="0"/>
-              <a:t>4/2/2019</a:t>
+              <a:t>4/4/2019</a:t>
             </a:fld>
             <a:endParaRPr lang="en-US"/>
           </a:p>
@@ -5174,7 +5175,7 @@
           <a:p>
             <a:fld id="{E5913C49-45AE-4926-BFC9-EBF79FA12E5C}" type="datetimeFigureOut">
               <a:rPr lang="en-US" smtClean="0"/>
-              <a:t>4/2/2019</a:t>
+              <a:t>4/4/2019</a:t>
             </a:fld>
             <a:endParaRPr lang="en-US"/>
           </a:p>
@@ -5457,7 +5458,7 @@
           <a:p>
             <a:fld id="{E5913C49-45AE-4926-BFC9-EBF79FA12E5C}" type="datetimeFigureOut">
               <a:rPr lang="en-US" smtClean="0"/>
-              <a:t>4/2/2019</a:t>
+              <a:t>4/4/2019</a:t>
             </a:fld>
             <a:endParaRPr lang="en-US"/>
           </a:p>
@@ -5748,7 +5749,7 @@
           <a:p>
             <a:fld id="{E5913C49-45AE-4926-BFC9-EBF79FA12E5C}" type="datetimeFigureOut">
               <a:rPr lang="en-US" smtClean="0"/>
-              <a:t>4/2/2019</a:t>
+              <a:t>4/4/2019</a:t>
             </a:fld>
             <a:endParaRPr lang="en-US"/>
           </a:p>
@@ -6278,7 +6279,7 @@
           <a:p>
             <a:fld id="{E5913C49-45AE-4926-BFC9-EBF79FA12E5C}" type="datetimeFigureOut">
               <a:rPr lang="en-US" smtClean="0"/>
-              <a:t>4/2/2019</a:t>
+              <a:t>4/4/2019</a:t>
             </a:fld>
             <a:endParaRPr lang="en-US"/>
           </a:p>
@@ -6835,20 +6836,12 @@
               <a:rPr lang="en-CA" sz="4900" b="1" dirty="0"/>
               <a:t>Micro to macroclimatic scaling effects on foundation plant species interaction with vertebrate </a:t>
             </a:r>
-            <a:r>
-              <a:rPr lang="en-CA" sz="4900" b="1" dirty="0"/>
-              <a:t/>
-            </a:r>
             <a:br>
               <a:rPr lang="en-CA" sz="4900" b="1" dirty="0"/>
             </a:br>
             <a:r>
               <a:rPr lang="en-CA" sz="4900" b="1" dirty="0"/>
-              <a:t>protégé </a:t>
-            </a:r>
-            <a:r>
-              <a:rPr lang="en-CA" sz="4900" b="1" dirty="0"/>
-              <a:t>species</a:t>
+              <a:t>protégé species</a:t>
             </a:r>
             <a:r>
               <a:rPr lang="en-CA" b="1" dirty="0"/>
@@ -7202,6 +7195,13 @@
   <p:clrMapOvr>
     <a:masterClrMapping/>
   </p:clrMapOvr>
+  <p:timing>
+    <p:tnLst>
+      <p:par>
+        <p:cTn id="1" dur="indefinite" restart="never" nodeType="tmRoot"/>
+      </p:par>
+    </p:tnLst>
+  </p:timing>
 </p:sld>
 </file>
 
@@ -7496,6 +7496,13 @@
   <p:clrMapOvr>
     <a:masterClrMapping/>
   </p:clrMapOvr>
+  <p:timing>
+    <p:tnLst>
+      <p:par>
+        <p:cTn id="1" dur="indefinite" restart="never" nodeType="tmRoot"/>
+      </p:par>
+    </p:tnLst>
+  </p:timing>
 </p:sld>
 </file>
 
@@ -7627,6 +7634,13 @@
   <p:clrMapOvr>
     <a:masterClrMapping/>
   </p:clrMapOvr>
+  <p:timing>
+    <p:tnLst>
+      <p:par>
+        <p:cTn id="1" dur="indefinite" restart="never" nodeType="tmRoot"/>
+      </p:par>
+    </p:tnLst>
+  </p:timing>
 </p:sld>
 </file>
 
@@ -8109,6 +8123,13 @@
   <p:clrMapOvr>
     <a:masterClrMapping/>
   </p:clrMapOvr>
+  <p:timing>
+    <p:tnLst>
+      <p:par>
+        <p:cTn id="1" dur="indefinite" restart="never" nodeType="tmRoot"/>
+      </p:par>
+    </p:tnLst>
+  </p:timing>
 </p:sld>
 </file>
 
@@ -8500,6 +8521,13 @@
   <p:clrMapOvr>
     <a:masterClrMapping/>
   </p:clrMapOvr>
+  <p:timing>
+    <p:tnLst>
+      <p:par>
+        <p:cTn id="1" dur="indefinite" restart="never" nodeType="tmRoot"/>
+      </p:par>
+    </p:tnLst>
+  </p:timing>
 </p:sld>
 </file>
 
@@ -9082,6 +9110,13 @@
   <p:clrMapOvr>
     <a:masterClrMapping/>
   </p:clrMapOvr>
+  <p:timing>
+    <p:tnLst>
+      <p:par>
+        <p:cTn id="1" dur="indefinite" restart="never" nodeType="tmRoot"/>
+      </p:par>
+    </p:tnLst>
+  </p:timing>
 </p:sld>
 </file>
 
@@ -9767,6 +9802,13 @@
   <p:clrMapOvr>
     <a:masterClrMapping/>
   </p:clrMapOvr>
+  <p:timing>
+    <p:tnLst>
+      <p:par>
+        <p:cTn id="1" dur="indefinite" restart="never" nodeType="tmRoot"/>
+      </p:par>
+    </p:tnLst>
+  </p:timing>
 </p:sld>
 </file>
 
@@ -10394,6 +10436,13 @@
   <p:clrMapOvr>
     <a:masterClrMapping/>
   </p:clrMapOvr>
+  <p:timing>
+    <p:tnLst>
+      <p:par>
+        <p:cTn id="1" dur="indefinite" restart="never" nodeType="tmRoot"/>
+      </p:par>
+    </p:tnLst>
+  </p:timing>
 </p:sld>
 </file>
 
@@ -10503,6 +10552,13 @@
   <p:clrMapOvr>
     <a:masterClrMapping/>
   </p:clrMapOvr>
+  <p:timing>
+    <p:tnLst>
+      <p:par>
+        <p:cTn id="1" dur="indefinite" restart="never" nodeType="tmRoot"/>
+      </p:par>
+    </p:tnLst>
+  </p:timing>
 </p:sld>
 </file>
 
@@ -10737,10 +10793,161 @@
   <p:clrMapOvr>
     <a:masterClrMapping/>
   </p:clrMapOvr>
+  <p:timing>
+    <p:tnLst>
+      <p:par>
+        <p:cTn id="1" dur="indefinite" restart="never" nodeType="tmRoot"/>
+      </p:par>
+    </p:tnLst>
+  </p:timing>
 </p:sld>
 </file>
 
 <file path=ppt/slides/slide23.xml><?xml version="1.0" encoding="utf-8"?>
+<p:sld xmlns:a="http://schemas.openxmlformats.org/drawingml/2006/main" xmlns:r="http://schemas.openxmlformats.org/officeDocument/2006/relationships" xmlns:p="http://schemas.openxmlformats.org/presentationml/2006/main">
+  <p:cSld>
+    <p:spTree>
+      <p:nvGrpSpPr>
+        <p:cNvPr id="1" name=""/>
+        <p:cNvGrpSpPr/>
+        <p:nvPr/>
+      </p:nvGrpSpPr>
+      <p:grpSpPr>
+        <a:xfrm>
+          <a:off x="0" y="0"/>
+          <a:ext cx="0" cy="0"/>
+          <a:chOff x="0" y="0"/>
+          <a:chExt cx="0" cy="0"/>
+        </a:xfrm>
+      </p:grpSpPr>
+      <p:sp>
+        <p:nvSpPr>
+          <p:cNvPr id="2" name="Rectangle 1"/>
+          <p:cNvSpPr/>
+          <p:nvPr/>
+        </p:nvSpPr>
+        <p:spPr>
+          <a:xfrm>
+            <a:off x="1629333" y="270196"/>
+            <a:ext cx="3828292" cy="646331"/>
+          </a:xfrm>
+          <a:prstGeom prst="rect">
+            <a:avLst/>
+          </a:prstGeom>
+        </p:spPr>
+        <p:txBody>
+          <a:bodyPr wrap="none">
+            <a:spAutoFit/>
+          </a:bodyPr>
+          <a:lstStyle/>
+          <a:p>
+            <a:r>
+              <a:rPr lang="en-CA" sz="3600" b="1" dirty="0" smtClean="0"/>
+              <a:t>Shelter prototype</a:t>
+            </a:r>
+            <a:endParaRPr lang="en-CA" sz="3600" dirty="0"/>
+          </a:p>
+        </p:txBody>
+      </p:sp>
+      <p:pic>
+        <p:nvPicPr>
+          <p:cNvPr id="1026" name="Picture 2" descr="https://scontent.fykz1-1.fna.fbcdn.net/v/t1.15752-9/56405501_272554706965284_3692824992908574720_n.jpg?_nc_cat=107&amp;_nc_ht=scontent.fykz1-1.fna&amp;oh=4dacd15ea95b8d2fafa0fe6ef1a796fd&amp;oe=5D08C1CC"/>
+          <p:cNvPicPr>
+            <a:picLocks noChangeAspect="1" noChangeArrowheads="1"/>
+          </p:cNvPicPr>
+          <p:nvPr/>
+        </p:nvPicPr>
+        <p:blipFill rotWithShape="1">
+          <a:blip r:embed="rId2">
+            <a:extLst>
+              <a:ext uri="{28A0092B-C50C-407E-A947-70E740481C1C}">
+                <a14:useLocalDpi xmlns:a14="http://schemas.microsoft.com/office/drawing/2010/main" val="0"/>
+              </a:ext>
+            </a:extLst>
+          </a:blip>
+          <a:srcRect l="25597" t="13767" b="7482"/>
+          <a:stretch/>
+        </p:blipFill>
+        <p:spPr bwMode="auto">
+          <a:xfrm>
+            <a:off x="2484119" y="1249680"/>
+            <a:ext cx="3401695" cy="4800600"/>
+          </a:xfrm>
+          <a:prstGeom prst="rect">
+            <a:avLst/>
+          </a:prstGeom>
+          <a:noFill/>
+          <a:extLst>
+            <a:ext uri="{909E8E84-426E-40DD-AFC4-6F175D3DCCD1}">
+              <a14:hiddenFill xmlns:a14="http://schemas.microsoft.com/office/drawing/2010/main">
+                <a:solidFill>
+                  <a:srgbClr val="FFFFFF"/>
+                </a:solidFill>
+              </a14:hiddenFill>
+            </a:ext>
+          </a:extLst>
+        </p:spPr>
+      </p:pic>
+      <p:pic>
+        <p:nvPicPr>
+          <p:cNvPr id="1028" name="Picture 4" descr="https://scontent.fykz1-1.fna.fbcdn.net/v/t1.15752-9/55945075_796870820691580_5137995116220252160_n.jpg?_nc_cat=109&amp;_nc_ht=scontent.fykz1-1.fna&amp;oh=95fecbfc43b0bd3920083e9a43a078e8&amp;oe=5D43174A"/>
+          <p:cNvPicPr>
+            <a:picLocks noChangeAspect="1" noChangeArrowheads="1"/>
+          </p:cNvPicPr>
+          <p:nvPr/>
+        </p:nvPicPr>
+        <p:blipFill rotWithShape="1">
+          <a:blip r:embed="rId3">
+            <a:extLst>
+              <a:ext uri="{28A0092B-C50C-407E-A947-70E740481C1C}">
+                <a14:useLocalDpi xmlns:a14="http://schemas.microsoft.com/office/drawing/2010/main" val="0"/>
+              </a:ext>
+            </a:extLst>
+          </a:blip>
+          <a:srcRect l="22931" t="36745" r="23736"/>
+          <a:stretch/>
+        </p:blipFill>
+        <p:spPr bwMode="auto">
+          <a:xfrm>
+            <a:off x="7101840" y="507225"/>
+            <a:ext cx="3505200" cy="5543055"/>
+          </a:xfrm>
+          <a:prstGeom prst="rect">
+            <a:avLst/>
+          </a:prstGeom>
+          <a:noFill/>
+          <a:extLst>
+            <a:ext uri="{909E8E84-426E-40DD-AFC4-6F175D3DCCD1}">
+              <a14:hiddenFill xmlns:a14="http://schemas.microsoft.com/office/drawing/2010/main">
+                <a:solidFill>
+                  <a:srgbClr val="FFFFFF"/>
+                </a:solidFill>
+              </a14:hiddenFill>
+            </a:ext>
+          </a:extLst>
+        </p:spPr>
+      </p:pic>
+    </p:spTree>
+    <p:extLst>
+      <p:ext uri="{BB962C8B-B14F-4D97-AF65-F5344CB8AC3E}">
+        <p14:creationId xmlns:p14="http://schemas.microsoft.com/office/powerpoint/2010/main" val="2782304877"/>
+      </p:ext>
+    </p:extLst>
+  </p:cSld>
+  <p:clrMapOvr>
+    <a:masterClrMapping/>
+  </p:clrMapOvr>
+  <p:timing>
+    <p:tnLst>
+      <p:par>
+        <p:cTn id="1" dur="indefinite" restart="never" nodeType="tmRoot"/>
+      </p:par>
+    </p:tnLst>
+  </p:timing>
+</p:sld>
+</file>
+
+<file path=ppt/slides/slide24.xml><?xml version="1.0" encoding="utf-8"?>
 <p:sld xmlns:a="http://schemas.openxmlformats.org/drawingml/2006/main" xmlns:r="http://schemas.openxmlformats.org/officeDocument/2006/relationships" xmlns:p="http://schemas.openxmlformats.org/presentationml/2006/main">
   <p:cSld>
     <p:spTree>
@@ -11076,8 +11283,22 @@
           <a:p>
             <a:r>
               <a:rPr lang="en-CA" dirty="0" smtClean="0"/>
-              <a:t>Or 2-3 shapes with sides and 1-2 material only</a:t>
-            </a:r>
+              <a:t>Or 2-3 shapes with sides and 1-2 material </a:t>
+            </a:r>
+            <a:r>
+              <a:rPr lang="en-CA" dirty="0" smtClean="0"/>
+              <a:t>only</a:t>
+            </a:r>
+          </a:p>
+          <a:p>
+            <a:endParaRPr lang="en-CA" dirty="0"/>
+          </a:p>
+          <a:p>
+            <a:r>
+              <a:rPr lang="en-CA" dirty="0" smtClean="0"/>
+              <a:t>Pan trapping </a:t>
+            </a:r>
+            <a:endParaRPr lang="en-CA" dirty="0" smtClean="0"/>
           </a:p>
           <a:p>
             <a:pPr marL="0" indent="0">
@@ -11103,10 +11324,17 @@
   <p:clrMapOvr>
     <a:masterClrMapping/>
   </p:clrMapOvr>
+  <p:timing>
+    <p:tnLst>
+      <p:par>
+        <p:cTn id="1" dur="indefinite" restart="never" nodeType="tmRoot"/>
+      </p:par>
+    </p:tnLst>
+  </p:timing>
 </p:sld>
 </file>
 
-<file path=ppt/slides/slide24.xml><?xml version="1.0" encoding="utf-8"?>
+<file path=ppt/slides/slide25.xml><?xml version="1.0" encoding="utf-8"?>
 <p:sld xmlns:a="http://schemas.openxmlformats.org/drawingml/2006/main" xmlns:r="http://schemas.openxmlformats.org/officeDocument/2006/relationships" xmlns:p="http://schemas.openxmlformats.org/presentationml/2006/main">
   <p:cSld>
     <p:spTree>
@@ -11239,6 +11467,13 @@
   <p:clrMapOvr>
     <a:masterClrMapping/>
   </p:clrMapOvr>
+  <p:timing>
+    <p:tnLst>
+      <p:par>
+        <p:cTn id="1" dur="indefinite" restart="never" nodeType="tmRoot"/>
+      </p:par>
+    </p:tnLst>
+  </p:timing>
 </p:sld>
 </file>
 
@@ -11295,12 +11530,6 @@
               </a:rPr>
               <a:t>2020</a:t>
             </a:r>
-            <a:endParaRPr lang="en-CA" b="1" spc="-38" dirty="0">
-              <a:solidFill>
-                <a:srgbClr val="6E1E1E"/>
-              </a:solidFill>
-              <a:latin typeface="Calibri" panose="020F0502020204030204" pitchFamily="34" charset="0"/>
-            </a:endParaRPr>
           </a:p>
         </p:txBody>
       </p:sp>
@@ -11582,12 +11811,6 @@
               </a:rPr>
               <a:t>Today</a:t>
             </a:r>
-            <a:endParaRPr lang="en-CA" sz="1200" spc="-12">
-              <a:solidFill>
-                <a:schemeClr val="dk1"/>
-              </a:solidFill>
-              <a:latin typeface="Calibri" panose="020F0502020204030204" pitchFamily="34" charset="0"/>
-            </a:endParaRPr>
           </a:p>
         </p:txBody>
       </p:sp>
@@ -11626,12 +11849,6 @@
               </a:rPr>
               <a:t>Jan-Feb</a:t>
             </a:r>
-            <a:endParaRPr lang="en-CA" sz="1200" spc="-20" dirty="0">
-              <a:solidFill>
-                <a:schemeClr val="lt1"/>
-              </a:solidFill>
-              <a:latin typeface="Calibri" panose="020F0502020204030204" pitchFamily="34" charset="0"/>
-            </a:endParaRPr>
           </a:p>
         </p:txBody>
       </p:sp>
@@ -11715,12 +11932,6 @@
               </a:rPr>
               <a:t>Mar-Apr</a:t>
             </a:r>
-            <a:endParaRPr lang="en-CA" sz="1200" spc="-18" dirty="0">
-              <a:solidFill>
-                <a:schemeClr val="lt1"/>
-              </a:solidFill>
-              <a:latin typeface="Calibri" panose="020F0502020204030204" pitchFamily="34" charset="0"/>
-            </a:endParaRPr>
           </a:p>
         </p:txBody>
       </p:sp>
@@ -11887,12 +12098,6 @@
               </a:rPr>
               <a:t>Jul-Aug</a:t>
             </a:r>
-            <a:endParaRPr lang="en-CA" sz="1200" spc="-20" dirty="0">
-              <a:solidFill>
-                <a:schemeClr val="lt1"/>
-              </a:solidFill>
-              <a:latin typeface="Calibri" panose="020F0502020204030204" pitchFamily="34" charset="0"/>
-            </a:endParaRPr>
           </a:p>
         </p:txBody>
       </p:sp>
@@ -12059,12 +12264,6 @@
               </a:rPr>
               <a:t>Nov-Dec</a:t>
             </a:r>
-            <a:endParaRPr lang="en-CA" sz="1200" spc="-20" dirty="0">
-              <a:solidFill>
-                <a:schemeClr val="lt1"/>
-              </a:solidFill>
-              <a:latin typeface="Calibri" panose="020F0502020204030204" pitchFamily="34" charset="0"/>
-            </a:endParaRPr>
           </a:p>
         </p:txBody>
       </p:sp>
@@ -12148,12 +12347,6 @@
               </a:rPr>
               <a:t>2020</a:t>
             </a:r>
-            <a:endParaRPr lang="en-CA" sz="1200" spc="-20">
-              <a:solidFill>
-                <a:schemeClr val="lt1"/>
-              </a:solidFill>
-              <a:latin typeface="Calibri" panose="020F0502020204030204" pitchFamily="34" charset="0"/>
-            </a:endParaRPr>
           </a:p>
         </p:txBody>
       </p:sp>
@@ -12403,12 +12596,6 @@
               </a:rPr>
               <a:t>Jul</a:t>
             </a:r>
-            <a:endParaRPr lang="en-CA" sz="1200" spc="-20">
-              <a:solidFill>
-                <a:schemeClr val="lt1"/>
-              </a:solidFill>
-              <a:latin typeface="Calibri" panose="020F0502020204030204" pitchFamily="34" charset="0"/>
-            </a:endParaRPr>
           </a:p>
         </p:txBody>
       </p:sp>
@@ -12539,12 +12726,6 @@
               </a:rPr>
               <a:t>1/27/2019</a:t>
             </a:r>
-            <a:endParaRPr lang="en-CA" sz="1000" spc="-8">
-              <a:solidFill>
-                <a:schemeClr val="dk2"/>
-              </a:solidFill>
-              <a:latin typeface="Calibri" panose="020F0502020204030204" pitchFamily="34" charset="0"/>
-            </a:endParaRPr>
           </a:p>
         </p:txBody>
       </p:sp>
@@ -12583,12 +12764,6 @@
               </a:rPr>
               <a:t>Meta-analysis data extraction </a:t>
             </a:r>
-            <a:endParaRPr lang="en-CA" sz="1100" b="1" spc="-6">
-              <a:solidFill>
-                <a:schemeClr val="dk1"/>
-              </a:solidFill>
-              <a:latin typeface="Calibri" panose="020F0502020204030204" pitchFamily="34" charset="0"/>
-            </a:endParaRPr>
           </a:p>
         </p:txBody>
       </p:sp>
@@ -12628,12 +12803,6 @@
               </a:rPr>
               <a:t>2/8/2019</a:t>
             </a:r>
-            <a:endParaRPr lang="en-CA" sz="1000" spc="-8">
-              <a:solidFill>
-                <a:schemeClr val="dk2"/>
-              </a:solidFill>
-              <a:latin typeface="Calibri" panose="020F0502020204030204" pitchFamily="34" charset="0"/>
-            </a:endParaRPr>
           </a:p>
         </p:txBody>
       </p:sp>
@@ -12764,12 +12933,6 @@
               </a:rPr>
               <a:t>2/9/2019</a:t>
             </a:r>
-            <a:endParaRPr lang="en-CA" sz="1000" spc="-8">
-              <a:solidFill>
-                <a:schemeClr val="dk2"/>
-              </a:solidFill>
-              <a:latin typeface="Calibri" panose="020F0502020204030204" pitchFamily="34" charset="0"/>
-            </a:endParaRPr>
           </a:p>
         </p:txBody>
       </p:sp>
@@ -12808,12 +12971,6 @@
               </a:rPr>
               <a:t>Abstracts reviewed for eligiblity </a:t>
             </a:r>
-            <a:endParaRPr lang="en-CA" sz="1100" b="1" spc="-6">
-              <a:solidFill>
-                <a:schemeClr val="dk1"/>
-              </a:solidFill>
-              <a:latin typeface="Calibri" panose="020F0502020204030204" pitchFamily="34" charset="0"/>
-            </a:endParaRPr>
           </a:p>
         </p:txBody>
       </p:sp>
@@ -12853,12 +13010,6 @@
               </a:rPr>
               <a:t>3/4/2019</a:t>
             </a:r>
-            <a:endParaRPr lang="en-CA" sz="1000" spc="-8">
-              <a:solidFill>
-                <a:schemeClr val="dk2"/>
-              </a:solidFill>
-              <a:latin typeface="Calibri" panose="020F0502020204030204" pitchFamily="34" charset="0"/>
-            </a:endParaRPr>
           </a:p>
         </p:txBody>
       </p:sp>
@@ -12989,12 +13140,6 @@
               </a:rPr>
               <a:t>3/18/2019</a:t>
             </a:r>
-            <a:endParaRPr lang="en-CA" sz="1000" spc="-8">
-              <a:solidFill>
-                <a:schemeClr val="dk2"/>
-              </a:solidFill>
-              <a:latin typeface="Calibri" panose="020F0502020204030204" pitchFamily="34" charset="0"/>
-            </a:endParaRPr>
           </a:p>
         </p:txBody>
       </p:sp>
@@ -13034,12 +13179,6 @@
               </a:rPr>
               <a:t>6/30/2019</a:t>
             </a:r>
-            <a:endParaRPr lang="en-CA" sz="1000" spc="-8">
-              <a:solidFill>
-                <a:schemeClr val="dk2"/>
-              </a:solidFill>
-              <a:latin typeface="Calibri" panose="020F0502020204030204" pitchFamily="34" charset="0"/>
-            </a:endParaRPr>
           </a:p>
         </p:txBody>
       </p:sp>
@@ -13079,12 +13218,6 @@
               </a:rPr>
               <a:t>Full-text data extraction </a:t>
             </a:r>
-            <a:endParaRPr lang="en-CA" sz="1100" b="1" spc="-6">
-              <a:solidFill>
-                <a:schemeClr val="dk1"/>
-              </a:solidFill>
-              <a:latin typeface="Calibri" panose="020F0502020204030204" pitchFamily="34" charset="0"/>
-            </a:endParaRPr>
           </a:p>
         </p:txBody>
       </p:sp>
@@ -13215,12 +13348,6 @@
               </a:rPr>
               <a:t>7/1/2019</a:t>
             </a:r>
-            <a:endParaRPr lang="en-CA" sz="1000" spc="-8">
-              <a:solidFill>
-                <a:schemeClr val="dk2"/>
-              </a:solidFill>
-              <a:latin typeface="Calibri" panose="020F0502020204030204" pitchFamily="34" charset="0"/>
-            </a:endParaRPr>
           </a:p>
         </p:txBody>
       </p:sp>
@@ -13260,12 +13387,6 @@
               </a:rPr>
               <a:t>10/1/2019</a:t>
             </a:r>
-            <a:endParaRPr lang="en-CA" sz="1000" spc="-8">
-              <a:solidFill>
-                <a:schemeClr val="dk2"/>
-              </a:solidFill>
-              <a:latin typeface="Calibri" panose="020F0502020204030204" pitchFamily="34" charset="0"/>
-            </a:endParaRPr>
           </a:p>
         </p:txBody>
       </p:sp>
@@ -13305,12 +13426,6 @@
               </a:rPr>
               <a:t>Chapter 1 Draft</a:t>
             </a:r>
-            <a:endParaRPr lang="en-CA" sz="1100" b="1" spc="-8" dirty="0">
-              <a:solidFill>
-                <a:schemeClr val="dk1"/>
-              </a:solidFill>
-              <a:latin typeface="Calibri" panose="020F0502020204030204" pitchFamily="34" charset="0"/>
-            </a:endParaRPr>
           </a:p>
         </p:txBody>
       </p:sp>
@@ -13441,12 +13556,6 @@
               </a:rPr>
               <a:t>5/15/2019</a:t>
             </a:r>
-            <a:endParaRPr lang="en-CA" sz="1000" spc="-8">
-              <a:solidFill>
-                <a:schemeClr val="dk2"/>
-              </a:solidFill>
-              <a:latin typeface="Calibri" panose="020F0502020204030204" pitchFamily="34" charset="0"/>
-            </a:endParaRPr>
           </a:p>
         </p:txBody>
       </p:sp>
@@ -13485,12 +13594,6 @@
               </a:rPr>
               <a:t>Field Season </a:t>
             </a:r>
-            <a:endParaRPr lang="en-CA" sz="1100" b="1" spc="-4">
-              <a:solidFill>
-                <a:schemeClr val="dk1"/>
-              </a:solidFill>
-              <a:latin typeface="Calibri" panose="020F0502020204030204" pitchFamily="34" charset="0"/>
-            </a:endParaRPr>
           </a:p>
         </p:txBody>
       </p:sp>
@@ -13530,12 +13633,6 @@
               </a:rPr>
               <a:t>6/15/2019</a:t>
             </a:r>
-            <a:endParaRPr lang="en-CA" sz="1000" spc="-8">
-              <a:solidFill>
-                <a:schemeClr val="dk2"/>
-              </a:solidFill>
-              <a:latin typeface="Calibri" panose="020F0502020204030204" pitchFamily="34" charset="0"/>
-            </a:endParaRPr>
           </a:p>
         </p:txBody>
       </p:sp>
@@ -13666,12 +13763,6 @@
               </a:rPr>
               <a:t>10/2/2019</a:t>
             </a:r>
-            <a:endParaRPr lang="en-CA" sz="1000" spc="-8">
-              <a:solidFill>
-                <a:schemeClr val="dk2"/>
-              </a:solidFill>
-              <a:latin typeface="Calibri" panose="020F0502020204030204" pitchFamily="34" charset="0"/>
-            </a:endParaRPr>
           </a:p>
         </p:txBody>
       </p:sp>
@@ -13710,12 +13801,6 @@
               </a:rPr>
               <a:t>Camera trap data analysis and chapter 2 draft</a:t>
             </a:r>
-            <a:endParaRPr lang="en-CA" sz="1100" b="1" spc="-6" dirty="0">
-              <a:solidFill>
-                <a:schemeClr val="dk1"/>
-              </a:solidFill>
-              <a:latin typeface="Calibri" panose="020F0502020204030204" pitchFamily="34" charset="0"/>
-            </a:endParaRPr>
           </a:p>
         </p:txBody>
       </p:sp>
@@ -13755,12 +13840,6 @@
               </a:rPr>
               <a:t>12/31/2019</a:t>
             </a:r>
-            <a:endParaRPr lang="en-CA" sz="1000" spc="-8">
-              <a:solidFill>
-                <a:schemeClr val="dk2"/>
-              </a:solidFill>
-              <a:latin typeface="Calibri" panose="020F0502020204030204" pitchFamily="34" charset="0"/>
-            </a:endParaRPr>
           </a:p>
         </p:txBody>
       </p:sp>
@@ -13891,12 +13970,6 @@
               </a:rPr>
               <a:t>8/12/2019</a:t>
             </a:r>
-            <a:endParaRPr lang="en-CA" sz="1000" spc="-8">
-              <a:solidFill>
-                <a:schemeClr val="dk2"/>
-              </a:solidFill>
-              <a:latin typeface="Calibri" panose="020F0502020204030204" pitchFamily="34" charset="0"/>
-            </a:endParaRPr>
           </a:p>
         </p:txBody>
       </p:sp>
@@ -13935,12 +14008,6 @@
               </a:rPr>
               <a:t>Shelter data extracted </a:t>
             </a:r>
-            <a:endParaRPr lang="en-CA" sz="1100" b="1" spc="-6">
-              <a:solidFill>
-                <a:schemeClr val="dk1"/>
-              </a:solidFill>
-              <a:latin typeface="Calibri" panose="020F0502020204030204" pitchFamily="34" charset="0"/>
-            </a:endParaRPr>
           </a:p>
         </p:txBody>
       </p:sp>
@@ -14107,12 +14174,6 @@
               </a:rPr>
               <a:t>1/5/2019</a:t>
             </a:r>
-            <a:endParaRPr lang="en-CA" sz="1000" spc="-8">
-              <a:solidFill>
-                <a:schemeClr val="dk2"/>
-              </a:solidFill>
-              <a:latin typeface="Calibri" panose="020F0502020204030204" pitchFamily="34" charset="0"/>
-            </a:endParaRPr>
           </a:p>
         </p:txBody>
       </p:sp>
@@ -14151,12 +14212,6 @@
               </a:rPr>
               <a:t>Prelim. data collection </a:t>
             </a:r>
-            <a:endParaRPr lang="en-CA" sz="1100" b="1" spc="-6">
-              <a:solidFill>
-                <a:schemeClr val="dk1"/>
-              </a:solidFill>
-              <a:latin typeface="Calibri" panose="020F0502020204030204" pitchFamily="34" charset="0"/>
-            </a:endParaRPr>
           </a:p>
         </p:txBody>
       </p:sp>
@@ -14196,12 +14251,6 @@
               </a:rPr>
               <a:t>1/21/2019</a:t>
             </a:r>
-            <a:endParaRPr lang="en-CA" sz="1000" spc="-8">
-              <a:solidFill>
-                <a:schemeClr val="dk2"/>
-              </a:solidFill>
-              <a:latin typeface="Calibri" panose="020F0502020204030204" pitchFamily="34" charset="0"/>
-            </a:endParaRPr>
           </a:p>
         </p:txBody>
       </p:sp>
@@ -14332,12 +14381,6 @@
               </a:rPr>
               <a:t>1/1/2020</a:t>
             </a:r>
-            <a:endParaRPr lang="en-CA" sz="1000" spc="-8">
-              <a:solidFill>
-                <a:schemeClr val="dk2"/>
-              </a:solidFill>
-              <a:latin typeface="Calibri" panose="020F0502020204030204" pitchFamily="34" charset="0"/>
-            </a:endParaRPr>
           </a:p>
         </p:txBody>
       </p:sp>
@@ -14377,12 +14420,6 @@
               </a:rPr>
               <a:t>7/1/2020</a:t>
             </a:r>
-            <a:endParaRPr lang="en-CA" sz="1000" spc="-8">
-              <a:solidFill>
-                <a:schemeClr val="dk2"/>
-              </a:solidFill>
-              <a:latin typeface="Calibri" panose="020F0502020204030204" pitchFamily="34" charset="0"/>
-            </a:endParaRPr>
           </a:p>
         </p:txBody>
       </p:sp>
@@ -14422,12 +14459,6 @@
               </a:rPr>
               <a:t>Chapter 3 data analysis and draft</a:t>
             </a:r>
-            <a:endParaRPr lang="en-CA" sz="1100" b="1" spc="-4" dirty="0">
-              <a:solidFill>
-                <a:schemeClr val="dk1"/>
-              </a:solidFill>
-              <a:latin typeface="Calibri" panose="020F0502020204030204" pitchFamily="34" charset="0"/>
-            </a:endParaRPr>
           </a:p>
         </p:txBody>
       </p:sp>
@@ -14634,11 +14665,7 @@
             <a:pPr algn="r"/>
             <a:r>
               <a:rPr lang="en-CA" i="1" dirty="0"/>
-              <a:t>Ephedra </a:t>
-            </a:r>
-            <a:r>
-              <a:rPr lang="en-CA" i="1" dirty="0"/>
-              <a:t>californica </a:t>
+              <a:t>Ephedra californica </a:t>
             </a:r>
             <a:endParaRPr lang="en-CA" dirty="0"/>
           </a:p>
@@ -15019,52 +15046,22 @@
                 <a:ea typeface="Calibri" panose="020F0502020204030204" pitchFamily="34" charset="0"/>
                 <a:cs typeface="Times New Roman" panose="02020603050405020304" pitchFamily="18" charset="0"/>
               </a:rPr>
-              <a:t>(n= 515)</a:t>
-            </a:r>
-            <a:endParaRPr kumimoji="0" lang="en-US" altLang="en-US" sz="1200" b="0" i="0" u="none" strike="noStrike" cap="none" normalizeH="0" baseline="0" dirty="0" smtClean="0">
-              <a:ln>
-                <a:noFill/>
-              </a:ln>
-              <a:solidFill>
-                <a:schemeClr val="tx1"/>
-              </a:solidFill>
-              <a:effectLst/>
-              <a:latin typeface="Times New Roman" panose="02020603050405020304" pitchFamily="18" charset="0"/>
-              <a:ea typeface="Calibri" panose="020F0502020204030204" pitchFamily="34" charset="0"/>
-              <a:cs typeface="Times New Roman" panose="02020603050405020304" pitchFamily="18" charset="0"/>
-            </a:endParaRPr>
-          </a:p>
-          <a:p>
-            <a:pPr marL="0" marR="0" lvl="0" indent="0" algn="ctr" defTabSz="914400" rtl="0" eaLnBrk="0" fontAlgn="base" latinLnBrk="0" hangingPunct="0">
-              <a:lnSpc>
-                <a:spcPct val="100000"/>
-              </a:lnSpc>
-              <a:spcBef>
-                <a:spcPct val="0"/>
-              </a:spcBef>
-              <a:spcAft>
-                <a:spcPct val="0"/>
-              </a:spcAft>
-              <a:buClrTx/>
-              <a:buSzTx/>
-              <a:buFontTx/>
-              <a:buNone/>
-              <a:tabLst/>
-            </a:pPr>
+              <a:t>(n</a:t>
+            </a:r>
             <a:r>
               <a:rPr kumimoji="0" lang="en-US" altLang="en-US" sz="1100" b="0" i="0" u="none" strike="noStrike" cap="none" normalizeH="0" baseline="0" dirty="0" smtClean="0">
                 <a:ln>
                   <a:noFill/>
                 </a:ln>
                 <a:solidFill>
-                  <a:schemeClr val="tx1"/>
+                  <a:srgbClr val="000000"/>
                 </a:solidFill>
                 <a:effectLst/>
-                <a:latin typeface="Calibri" panose="020F0502020204030204" pitchFamily="34" charset="0"/>
+                <a:latin typeface="Times New Roman" panose="02020603050405020304" pitchFamily="18" charset="0"/>
                 <a:ea typeface="Calibri" panose="020F0502020204030204" pitchFamily="34" charset="0"/>
-                <a:cs typeface="Calibri" panose="020F0502020204030204" pitchFamily="34" charset="0"/>
+                <a:cs typeface="Times New Roman" panose="02020603050405020304" pitchFamily="18" charset="0"/>
               </a:rPr>
-              <a:t>(n = 1090)</a:t>
+              <a:t>= 515)</a:t>
             </a:r>
             <a:endParaRPr kumimoji="0" lang="en-US" altLang="en-US" sz="1200" b="0" i="0" u="none" strike="noStrike" cap="none" normalizeH="0" baseline="0" dirty="0" smtClean="0">
               <a:ln>
@@ -15164,7 +15161,7 @@
               <a:tabLst/>
             </a:pPr>
             <a:r>
-              <a:rPr kumimoji="0" lang="en-US" altLang="en-US" sz="1100" b="0" i="0" u="none" strike="noStrike" cap="none" normalizeH="0" baseline="0" smtClean="0">
+              <a:rPr kumimoji="0" lang="en-US" altLang="en-US" sz="1100" b="0" i="0" u="none" strike="noStrike" cap="none" normalizeH="0" baseline="0" dirty="0" smtClean="0">
                 <a:ln>
                   <a:noFill/>
                 </a:ln>
@@ -15172,13 +15169,13 @@
                   <a:schemeClr val="tx1"/>
                 </a:solidFill>
                 <a:effectLst/>
-                <a:latin typeface="Calibri Light" panose="020F0302020204030204" pitchFamily="34" charset="0"/>
+                <a:latin typeface="Times New Roman" panose="02020603050405020304" pitchFamily="18" charset="0"/>
                 <a:ea typeface="Times New Roman" panose="02020603050405020304" pitchFamily="18" charset="0"/>
                 <a:cs typeface="Times New Roman" panose="02020603050405020304" pitchFamily="18" charset="0"/>
               </a:rPr>
               <a:t>Screening</a:t>
             </a:r>
-            <a:endParaRPr kumimoji="0" lang="en-US" altLang="en-US" sz="1300" b="0" i="0" u="none" strike="noStrike" cap="none" normalizeH="0" baseline="0" smtClean="0">
+            <a:endParaRPr kumimoji="0" lang="en-US" altLang="en-US" sz="1300" b="0" i="0" u="none" strike="noStrike" cap="none" normalizeH="0" baseline="0" dirty="0" smtClean="0">
               <a:ln>
                 <a:noFill/>
               </a:ln>
@@ -15186,10 +15183,565 @@
                 <a:srgbClr val="2E74B5"/>
               </a:solidFill>
               <a:effectLst/>
-              <a:latin typeface="Calibri Light" panose="020F0302020204030204" pitchFamily="34" charset="0"/>
+              <a:latin typeface="Times New Roman" panose="02020603050405020304" pitchFamily="18" charset="0"/>
               <a:ea typeface="Times New Roman" panose="02020603050405020304" pitchFamily="18" charset="0"/>
               <a:cs typeface="Times New Roman" panose="02020603050405020304" pitchFamily="18" charset="0"/>
             </a:endParaRPr>
+          </a:p>
+          <a:p>
+            <a:pPr marL="0" marR="0" lvl="0" indent="0" algn="l" defTabSz="914400" rtl="0" eaLnBrk="0" fontAlgn="base" latinLnBrk="0" hangingPunct="0">
+              <a:lnSpc>
+                <a:spcPct val="100000"/>
+              </a:lnSpc>
+              <a:spcBef>
+                <a:spcPct val="0"/>
+              </a:spcBef>
+              <a:spcAft>
+                <a:spcPct val="0"/>
+              </a:spcAft>
+              <a:buClrTx/>
+              <a:buSzTx/>
+              <a:buFontTx/>
+              <a:buNone/>
+              <a:tabLst/>
+            </a:pPr>
+            <a:endParaRPr kumimoji="0" lang="en-US" altLang="en-US" sz="1800" b="0" i="0" u="none" strike="noStrike" cap="none" normalizeH="0" baseline="0" dirty="0" smtClean="0">
+              <a:ln>
+                <a:noFill/>
+              </a:ln>
+              <a:solidFill>
+                <a:schemeClr val="tx1"/>
+              </a:solidFill>
+              <a:effectLst/>
+              <a:latin typeface="Arial" panose="020B0604020202020204" pitchFamily="34" charset="0"/>
+            </a:endParaRPr>
+          </a:p>
+        </p:txBody>
+      </p:sp>
+      <p:sp>
+        <p:nvSpPr>
+          <p:cNvPr id="29" name="AutoShape 4"/>
+          <p:cNvSpPr>
+            <a:spLocks noChangeArrowheads="1"/>
+          </p:cNvSpPr>
+          <p:nvPr/>
+        </p:nvSpPr>
+        <p:spPr bwMode="auto">
+          <a:xfrm rot="-5400000">
+            <a:off x="2052796" y="5740579"/>
+            <a:ext cx="1371600" cy="344488"/>
+          </a:xfrm>
+          <a:prstGeom prst="roundRect">
+            <a:avLst>
+              <a:gd name="adj" fmla="val 16667"/>
+            </a:avLst>
+          </a:prstGeom>
+          <a:solidFill>
+            <a:srgbClr val="CCECFF"/>
+          </a:solidFill>
+          <a:ln w="9525">
+            <a:solidFill>
+              <a:srgbClr val="000000"/>
+            </a:solidFill>
+            <a:round/>
+            <a:headEnd/>
+            <a:tailEnd/>
+          </a:ln>
+        </p:spPr>
+        <p:txBody>
+          <a:bodyPr vert="horz" wrap="square" lIns="45720" tIns="45720" rIns="45720" bIns="45720" numCol="1" anchor="t" anchorCtr="0" compatLnSpc="1">
+            <a:prstTxWarp prst="textNoShape">
+              <a:avLst/>
+            </a:prstTxWarp>
+          </a:bodyPr>
+          <a:lstStyle/>
+          <a:p>
+            <a:pPr marL="0" marR="0" lvl="0" indent="0" algn="ctr" defTabSz="914400" rtl="0" eaLnBrk="0" fontAlgn="base" latinLnBrk="0" hangingPunct="0">
+              <a:lnSpc>
+                <a:spcPct val="100000"/>
+              </a:lnSpc>
+              <a:spcBef>
+                <a:spcPct val="0"/>
+              </a:spcBef>
+              <a:spcAft>
+                <a:spcPct val="0"/>
+              </a:spcAft>
+              <a:buClrTx/>
+              <a:buSzTx/>
+              <a:buFontTx/>
+              <a:buNone/>
+              <a:tabLst/>
+            </a:pPr>
+            <a:r>
+              <a:rPr kumimoji="0" lang="en-US" altLang="en-US" sz="1100" b="0" i="0" u="none" strike="noStrike" cap="none" normalizeH="0" baseline="0" dirty="0" smtClean="0">
+                <a:ln>
+                  <a:noFill/>
+                </a:ln>
+                <a:solidFill>
+                  <a:schemeClr val="tx1"/>
+                </a:solidFill>
+                <a:effectLst/>
+                <a:latin typeface="Times New Roman" panose="02020603050405020304" pitchFamily="18" charset="0"/>
+                <a:ea typeface="Times New Roman" panose="02020603050405020304" pitchFamily="18" charset="0"/>
+                <a:cs typeface="Times New Roman" panose="02020603050405020304" pitchFamily="18" charset="0"/>
+              </a:rPr>
+              <a:t>Included</a:t>
+            </a:r>
+            <a:endParaRPr kumimoji="0" lang="en-US" altLang="en-US" sz="1300" b="0" i="0" u="none" strike="noStrike" cap="none" normalizeH="0" baseline="0" dirty="0" smtClean="0">
+              <a:ln>
+                <a:noFill/>
+              </a:ln>
+              <a:solidFill>
+                <a:srgbClr val="2E74B5"/>
+              </a:solidFill>
+              <a:effectLst/>
+              <a:latin typeface="Times New Roman" panose="02020603050405020304" pitchFamily="18" charset="0"/>
+              <a:ea typeface="Times New Roman" panose="02020603050405020304" pitchFamily="18" charset="0"/>
+              <a:cs typeface="Times New Roman" panose="02020603050405020304" pitchFamily="18" charset="0"/>
+            </a:endParaRPr>
+          </a:p>
+          <a:p>
+            <a:pPr marL="0" marR="0" lvl="0" indent="0" algn="l" defTabSz="914400" rtl="0" eaLnBrk="0" fontAlgn="base" latinLnBrk="0" hangingPunct="0">
+              <a:lnSpc>
+                <a:spcPct val="100000"/>
+              </a:lnSpc>
+              <a:spcBef>
+                <a:spcPct val="0"/>
+              </a:spcBef>
+              <a:spcAft>
+                <a:spcPct val="0"/>
+              </a:spcAft>
+              <a:buClrTx/>
+              <a:buSzTx/>
+              <a:buFontTx/>
+              <a:buNone/>
+              <a:tabLst/>
+            </a:pPr>
+            <a:endParaRPr kumimoji="0" lang="en-US" altLang="en-US" sz="1800" b="0" i="0" u="none" strike="noStrike" cap="none" normalizeH="0" baseline="0" dirty="0" smtClean="0">
+              <a:ln>
+                <a:noFill/>
+              </a:ln>
+              <a:solidFill>
+                <a:schemeClr val="tx1"/>
+              </a:solidFill>
+              <a:effectLst/>
+              <a:latin typeface="Arial" panose="020B0604020202020204" pitchFamily="34" charset="0"/>
+            </a:endParaRPr>
+          </a:p>
+        </p:txBody>
+      </p:sp>
+      <p:sp>
+        <p:nvSpPr>
+          <p:cNvPr id="30" name="AutoShape 5"/>
+          <p:cNvSpPr>
+            <a:spLocks noChangeArrowheads="1"/>
+          </p:cNvSpPr>
+          <p:nvPr/>
+        </p:nvSpPr>
+        <p:spPr bwMode="auto">
+          <a:xfrm rot="-5400000">
+            <a:off x="2049621" y="2208392"/>
+            <a:ext cx="1371600" cy="296862"/>
+          </a:xfrm>
+          <a:prstGeom prst="roundRect">
+            <a:avLst>
+              <a:gd name="adj" fmla="val 16667"/>
+            </a:avLst>
+          </a:prstGeom>
+          <a:solidFill>
+            <a:srgbClr val="CCECFF"/>
+          </a:solidFill>
+          <a:ln w="9525">
+            <a:solidFill>
+              <a:srgbClr val="000000"/>
+            </a:solidFill>
+            <a:round/>
+            <a:headEnd/>
+            <a:tailEnd/>
+          </a:ln>
+        </p:spPr>
+        <p:txBody>
+          <a:bodyPr vert="horz" wrap="square" lIns="45720" tIns="45720" rIns="45720" bIns="45720" numCol="1" anchor="t" anchorCtr="0" compatLnSpc="1">
+            <a:prstTxWarp prst="textNoShape">
+              <a:avLst/>
+            </a:prstTxWarp>
+          </a:bodyPr>
+          <a:lstStyle/>
+          <a:p>
+            <a:pPr marL="0" marR="0" lvl="0" indent="0" algn="ctr" defTabSz="914400" rtl="0" eaLnBrk="0" fontAlgn="base" latinLnBrk="0" hangingPunct="0">
+              <a:lnSpc>
+                <a:spcPct val="100000"/>
+              </a:lnSpc>
+              <a:spcBef>
+                <a:spcPct val="0"/>
+              </a:spcBef>
+              <a:spcAft>
+                <a:spcPct val="0"/>
+              </a:spcAft>
+              <a:buClrTx/>
+              <a:buSzTx/>
+              <a:buFontTx/>
+              <a:buNone/>
+              <a:tabLst/>
+            </a:pPr>
+            <a:r>
+              <a:rPr kumimoji="0" lang="en-US" altLang="en-US" sz="1100" b="0" i="0" u="none" strike="noStrike" cap="none" normalizeH="0" baseline="0" dirty="0" smtClean="0">
+                <a:ln>
+                  <a:noFill/>
+                </a:ln>
+                <a:solidFill>
+                  <a:schemeClr val="tx1"/>
+                </a:solidFill>
+                <a:effectLst/>
+                <a:latin typeface="Times New Roman" panose="02020603050405020304" pitchFamily="18" charset="0"/>
+                <a:ea typeface="Times New Roman" panose="02020603050405020304" pitchFamily="18" charset="0"/>
+                <a:cs typeface="Times New Roman" panose="02020603050405020304" pitchFamily="18" charset="0"/>
+              </a:rPr>
+              <a:t>Eligibility</a:t>
+            </a:r>
+            <a:endParaRPr kumimoji="0" lang="en-US" altLang="en-US" sz="1300" b="0" i="0" u="none" strike="noStrike" cap="none" normalizeH="0" baseline="0" dirty="0" smtClean="0">
+              <a:ln>
+                <a:noFill/>
+              </a:ln>
+              <a:solidFill>
+                <a:srgbClr val="2E74B5"/>
+              </a:solidFill>
+              <a:effectLst/>
+              <a:latin typeface="Times New Roman" panose="02020603050405020304" pitchFamily="18" charset="0"/>
+              <a:ea typeface="Times New Roman" panose="02020603050405020304" pitchFamily="18" charset="0"/>
+              <a:cs typeface="Times New Roman" panose="02020603050405020304" pitchFamily="18" charset="0"/>
+            </a:endParaRPr>
+          </a:p>
+          <a:p>
+            <a:pPr marL="0" marR="0" lvl="0" indent="0" algn="l" defTabSz="914400" rtl="0" eaLnBrk="0" fontAlgn="base" latinLnBrk="0" hangingPunct="0">
+              <a:lnSpc>
+                <a:spcPct val="100000"/>
+              </a:lnSpc>
+              <a:spcBef>
+                <a:spcPct val="0"/>
+              </a:spcBef>
+              <a:spcAft>
+                <a:spcPct val="0"/>
+              </a:spcAft>
+              <a:buClrTx/>
+              <a:buSzTx/>
+              <a:buFontTx/>
+              <a:buNone/>
+              <a:tabLst/>
+            </a:pPr>
+            <a:endParaRPr kumimoji="0" lang="en-US" altLang="en-US" sz="1800" b="0" i="0" u="none" strike="noStrike" cap="none" normalizeH="0" baseline="0" dirty="0" smtClean="0">
+              <a:ln>
+                <a:noFill/>
+              </a:ln>
+              <a:solidFill>
+                <a:schemeClr val="tx1"/>
+              </a:solidFill>
+              <a:effectLst/>
+              <a:latin typeface="Arial" panose="020B0604020202020204" pitchFamily="34" charset="0"/>
+            </a:endParaRPr>
+          </a:p>
+        </p:txBody>
+      </p:sp>
+      <p:cxnSp>
+        <p:nvCxnSpPr>
+          <p:cNvPr id="31" name="AutoShape 6"/>
+          <p:cNvCxnSpPr>
+            <a:cxnSpLocks noChangeShapeType="1"/>
+          </p:cNvCxnSpPr>
+          <p:nvPr/>
+        </p:nvCxnSpPr>
+        <p:spPr bwMode="auto">
+          <a:xfrm>
+            <a:off x="5530215" y="2049165"/>
+            <a:ext cx="0" cy="457200"/>
+          </a:xfrm>
+          <a:prstGeom prst="straightConnector1">
+            <a:avLst/>
+          </a:prstGeom>
+          <a:noFill/>
+          <a:ln w="9525">
+            <a:solidFill>
+              <a:srgbClr val="000000"/>
+            </a:solidFill>
+            <a:round/>
+            <a:headEnd/>
+            <a:tailEnd type="triangle" w="med" len="med"/>
+          </a:ln>
+          <a:effectLst/>
+          <a:extLst>
+            <a:ext uri="{909E8E84-426E-40dd-AFC4-6F175D3DCCD1}">
+              <a14:hiddenFill xmlns:lc="http://schemas.openxmlformats.org/drawingml/2006/lockedCanvas" xmlns="" xmlns:mo="http://schemas.microsoft.com/office/mac/office/2008/main" xmlns:mv="urn:schemas-microsoft-com:mac:vml" xmlns:o="urn:schemas-microsoft-com:office:office" xmlns:v="urn:schemas-microsoft-com:vml" xmlns:w10="urn:schemas-microsoft-com:office:word" xmlns:w="http://schemas.openxmlformats.org/wordprocessingml/2006/main" xmlns:a14="http://schemas.microsoft.com/office/drawing/2010/main" xmlns:wps="http://schemas.microsoft.com/office/word/2010/wordprocessingShape" xmlns:wne="http://schemas.microsoft.com/office/word/2006/wordml" xmlns:wpi="http://schemas.microsoft.com/office/word/2010/wordprocessingInk" xmlns:wpg="http://schemas.microsoft.com/office/word/2010/wordprocessingGroup" xmlns:w15="http://schemas.microsoft.com/office/word/2012/wordml" xmlns:w14="http://schemas.microsoft.com/office/word/2010/wordml" xmlns:wp="http://schemas.openxmlformats.org/drawingml/2006/wordprocessingDrawing" xmlns:wp14="http://schemas.microsoft.com/office/word/2010/wordprocessingDrawing" xmlns:m="http://schemas.openxmlformats.org/officeDocument/2006/math" xmlns:mc="http://schemas.openxmlformats.org/markup-compatibility/2006" xmlns:wpc="http://schemas.microsoft.com/office/word/2010/wordprocessingCanvas">
+                <a:noFill/>
+              </a14:hiddenFill>
+            </a:ext>
+            <a:ext uri="{AF507438-7753-43e0-B8FC-AC1667EBCBE1}">
+              <a14:hiddenEffects xmlns:lc="http://schemas.openxmlformats.org/drawingml/2006/lockedCanvas" xmlns="" xmlns:mo="http://schemas.microsoft.com/office/mac/office/2008/main" xmlns:mv="urn:schemas-microsoft-com:mac:vml" xmlns:o="urn:schemas-microsoft-com:office:office" xmlns:v="urn:schemas-microsoft-com:vml" xmlns:w10="urn:schemas-microsoft-com:office:word" xmlns:w="http://schemas.openxmlformats.org/wordprocessingml/2006/main" xmlns:a14="http://schemas.microsoft.com/office/drawing/2010/main" xmlns:wps="http://schemas.microsoft.com/office/word/2010/wordprocessingShape" xmlns:wne="http://schemas.microsoft.com/office/word/2006/wordml" xmlns:wpi="http://schemas.microsoft.com/office/word/2010/wordprocessingInk" xmlns:wpg="http://schemas.microsoft.com/office/word/2010/wordprocessingGroup" xmlns:w15="http://schemas.microsoft.com/office/word/2012/wordml" xmlns:w14="http://schemas.microsoft.com/office/word/2010/wordml" xmlns:wp="http://schemas.openxmlformats.org/drawingml/2006/wordprocessingDrawing" xmlns:wp14="http://schemas.microsoft.com/office/word/2010/wordprocessingDrawing" xmlns:m="http://schemas.openxmlformats.org/officeDocument/2006/math" xmlns:mc="http://schemas.openxmlformats.org/markup-compatibility/2006" xmlns:wpc="http://schemas.microsoft.com/office/word/2010/wordprocessingCanvas">
+                <a:effectLst>
+                  <a:outerShdw dist="35921" dir="2700000" algn="ctr" rotWithShape="0">
+                    <a:srgbClr val="CCCCCC"/>
+                  </a:outerShdw>
+                </a:effectLst>
+              </a14:hiddenEffects>
+            </a:ext>
+          </a:extLst>
+        </p:spPr>
+      </p:cxnSp>
+      <p:cxnSp>
+        <p:nvCxnSpPr>
+          <p:cNvPr id="32" name="AutoShape 7"/>
+          <p:cNvCxnSpPr>
+            <a:cxnSpLocks noChangeShapeType="1"/>
+          </p:cNvCxnSpPr>
+          <p:nvPr/>
+        </p:nvCxnSpPr>
+        <p:spPr bwMode="auto">
+          <a:xfrm>
+            <a:off x="6673215" y="1237635"/>
+            <a:ext cx="0" cy="457200"/>
+          </a:xfrm>
+          <a:prstGeom prst="straightConnector1">
+            <a:avLst/>
+          </a:prstGeom>
+          <a:noFill/>
+          <a:ln w="9525">
+            <a:solidFill>
+              <a:srgbClr val="000000"/>
+            </a:solidFill>
+            <a:round/>
+            <a:headEnd/>
+            <a:tailEnd type="triangle" w="med" len="med"/>
+          </a:ln>
+          <a:effectLst/>
+          <a:extLst>
+            <a:ext uri="{909E8E84-426E-40dd-AFC4-6F175D3DCCD1}">
+              <a14:hiddenFill xmlns:lc="http://schemas.openxmlformats.org/drawingml/2006/lockedCanvas" xmlns="" xmlns:mo="http://schemas.microsoft.com/office/mac/office/2008/main" xmlns:mv="urn:schemas-microsoft-com:mac:vml" xmlns:o="urn:schemas-microsoft-com:office:office" xmlns:v="urn:schemas-microsoft-com:vml" xmlns:w10="urn:schemas-microsoft-com:office:word" xmlns:w="http://schemas.openxmlformats.org/wordprocessingml/2006/main" xmlns:a14="http://schemas.microsoft.com/office/drawing/2010/main" xmlns:wps="http://schemas.microsoft.com/office/word/2010/wordprocessingShape" xmlns:wne="http://schemas.microsoft.com/office/word/2006/wordml" xmlns:wpi="http://schemas.microsoft.com/office/word/2010/wordprocessingInk" xmlns:wpg="http://schemas.microsoft.com/office/word/2010/wordprocessingGroup" xmlns:w15="http://schemas.microsoft.com/office/word/2012/wordml" xmlns:w14="http://schemas.microsoft.com/office/word/2010/wordml" xmlns:wp="http://schemas.openxmlformats.org/drawingml/2006/wordprocessingDrawing" xmlns:wp14="http://schemas.microsoft.com/office/word/2010/wordprocessingDrawing" xmlns:m="http://schemas.openxmlformats.org/officeDocument/2006/math" xmlns:mc="http://schemas.openxmlformats.org/markup-compatibility/2006" xmlns:wpc="http://schemas.microsoft.com/office/word/2010/wordprocessingCanvas">
+                <a:noFill/>
+              </a14:hiddenFill>
+            </a:ext>
+            <a:ext uri="{AF507438-7753-43e0-B8FC-AC1667EBCBE1}">
+              <a14:hiddenEffects xmlns:lc="http://schemas.openxmlformats.org/drawingml/2006/lockedCanvas" xmlns="" xmlns:mo="http://schemas.microsoft.com/office/mac/office/2008/main" xmlns:mv="urn:schemas-microsoft-com:mac:vml" xmlns:o="urn:schemas-microsoft-com:office:office" xmlns:v="urn:schemas-microsoft-com:vml" xmlns:w10="urn:schemas-microsoft-com:office:word" xmlns:w="http://schemas.openxmlformats.org/wordprocessingml/2006/main" xmlns:a14="http://schemas.microsoft.com/office/drawing/2010/main" xmlns:wps="http://schemas.microsoft.com/office/word/2010/wordprocessingShape" xmlns:wne="http://schemas.microsoft.com/office/word/2006/wordml" xmlns:wpi="http://schemas.microsoft.com/office/word/2010/wordprocessingInk" xmlns:wpg="http://schemas.microsoft.com/office/word/2010/wordprocessingGroup" xmlns:w15="http://schemas.microsoft.com/office/word/2012/wordml" xmlns:w14="http://schemas.microsoft.com/office/word/2010/wordml" xmlns:wp="http://schemas.openxmlformats.org/drawingml/2006/wordprocessingDrawing" xmlns:wp14="http://schemas.microsoft.com/office/word/2010/wordprocessingDrawing" xmlns:m="http://schemas.openxmlformats.org/officeDocument/2006/math" xmlns:mc="http://schemas.openxmlformats.org/markup-compatibility/2006" xmlns:wpc="http://schemas.microsoft.com/office/word/2010/wordprocessingCanvas">
+                <a:effectLst>
+                  <a:outerShdw dist="35921" dir="2700000" algn="ctr" rotWithShape="0">
+                    <a:srgbClr val="CCCCCC"/>
+                  </a:outerShdw>
+                </a:effectLst>
+              </a14:hiddenEffects>
+            </a:ext>
+          </a:extLst>
+        </p:spPr>
+      </p:cxnSp>
+      <p:sp>
+        <p:nvSpPr>
+          <p:cNvPr id="33" name="AutoShape 8"/>
+          <p:cNvSpPr>
+            <a:spLocks noChangeArrowheads="1"/>
+          </p:cNvSpPr>
+          <p:nvPr/>
+        </p:nvSpPr>
+        <p:spPr bwMode="auto">
+          <a:xfrm rot="-5400000">
+            <a:off x="2049621" y="632004"/>
+            <a:ext cx="1371600" cy="296862"/>
+          </a:xfrm>
+          <a:prstGeom prst="roundRect">
+            <a:avLst>
+              <a:gd name="adj" fmla="val 16667"/>
+            </a:avLst>
+          </a:prstGeom>
+          <a:solidFill>
+            <a:srgbClr val="CCECFF"/>
+          </a:solidFill>
+          <a:ln w="9525">
+            <a:solidFill>
+              <a:srgbClr val="000000"/>
+            </a:solidFill>
+            <a:round/>
+            <a:headEnd/>
+            <a:tailEnd/>
+          </a:ln>
+        </p:spPr>
+        <p:txBody>
+          <a:bodyPr vert="horz" wrap="square" lIns="45720" tIns="45720" rIns="45720" bIns="45720" numCol="1" anchor="t" anchorCtr="0" compatLnSpc="1">
+            <a:prstTxWarp prst="textNoShape">
+              <a:avLst/>
+            </a:prstTxWarp>
+          </a:bodyPr>
+          <a:lstStyle/>
+          <a:p>
+            <a:pPr marL="0" marR="0" lvl="0" indent="0" algn="ctr" defTabSz="914400" rtl="0" eaLnBrk="0" fontAlgn="base" latinLnBrk="0" hangingPunct="0">
+              <a:lnSpc>
+                <a:spcPct val="100000"/>
+              </a:lnSpc>
+              <a:spcBef>
+                <a:spcPct val="0"/>
+              </a:spcBef>
+              <a:spcAft>
+                <a:spcPct val="0"/>
+              </a:spcAft>
+              <a:buClrTx/>
+              <a:buSzTx/>
+              <a:buFontTx/>
+              <a:buNone/>
+              <a:tabLst/>
+            </a:pPr>
+            <a:r>
+              <a:rPr kumimoji="0" lang="en-US" altLang="en-US" sz="1100" b="0" i="0" u="none" strike="noStrike" cap="none" normalizeH="0" baseline="0" dirty="0" smtClean="0">
+                <a:ln>
+                  <a:noFill/>
+                </a:ln>
+                <a:solidFill>
+                  <a:schemeClr val="tx1"/>
+                </a:solidFill>
+                <a:effectLst/>
+                <a:latin typeface="Times New Roman" panose="02020603050405020304" pitchFamily="18" charset="0"/>
+                <a:ea typeface="Times New Roman" panose="02020603050405020304" pitchFamily="18" charset="0"/>
+                <a:cs typeface="Times New Roman" panose="02020603050405020304" pitchFamily="18" charset="0"/>
+              </a:rPr>
+              <a:t>Identification</a:t>
+            </a:r>
+            <a:endParaRPr kumimoji="0" lang="en-US" altLang="en-US" sz="1300" b="0" i="0" u="none" strike="noStrike" cap="none" normalizeH="0" baseline="0" dirty="0" smtClean="0">
+              <a:ln>
+                <a:noFill/>
+              </a:ln>
+              <a:solidFill>
+                <a:srgbClr val="2E74B5"/>
+              </a:solidFill>
+              <a:effectLst/>
+              <a:latin typeface="Times New Roman" panose="02020603050405020304" pitchFamily="18" charset="0"/>
+              <a:ea typeface="Times New Roman" panose="02020603050405020304" pitchFamily="18" charset="0"/>
+              <a:cs typeface="Times New Roman" panose="02020603050405020304" pitchFamily="18" charset="0"/>
+            </a:endParaRPr>
+          </a:p>
+          <a:p>
+            <a:pPr marL="0" marR="0" lvl="0" indent="0" algn="l" defTabSz="914400" rtl="0" eaLnBrk="0" fontAlgn="base" latinLnBrk="0" hangingPunct="0">
+              <a:lnSpc>
+                <a:spcPct val="100000"/>
+              </a:lnSpc>
+              <a:spcBef>
+                <a:spcPct val="0"/>
+              </a:spcBef>
+              <a:spcAft>
+                <a:spcPct val="0"/>
+              </a:spcAft>
+              <a:buClrTx/>
+              <a:buSzTx/>
+              <a:buFontTx/>
+              <a:buNone/>
+              <a:tabLst/>
+            </a:pPr>
+            <a:endParaRPr kumimoji="0" lang="en-US" altLang="en-US" sz="1800" b="0" i="0" u="none" strike="noStrike" cap="none" normalizeH="0" baseline="0" dirty="0" smtClean="0">
+              <a:ln>
+                <a:noFill/>
+              </a:ln>
+              <a:solidFill>
+                <a:schemeClr val="tx1"/>
+              </a:solidFill>
+              <a:effectLst/>
+              <a:latin typeface="Arial" panose="020B0604020202020204" pitchFamily="34" charset="0"/>
+            </a:endParaRPr>
+          </a:p>
+        </p:txBody>
+      </p:sp>
+      <p:sp>
+        <p:nvSpPr>
+          <p:cNvPr id="34" name="Rectangle 9"/>
+          <p:cNvSpPr>
+            <a:spLocks noChangeArrowheads="1"/>
+          </p:cNvSpPr>
+          <p:nvPr/>
+        </p:nvSpPr>
+        <p:spPr bwMode="auto">
+          <a:xfrm>
+            <a:off x="5931853" y="548660"/>
+            <a:ext cx="2484437" cy="747713"/>
+          </a:xfrm>
+          <a:prstGeom prst="rect">
+            <a:avLst/>
+          </a:prstGeom>
+          <a:solidFill>
+            <a:srgbClr val="FFFFFF"/>
+          </a:solidFill>
+          <a:ln w="9525">
+            <a:solidFill>
+              <a:srgbClr val="000000"/>
+            </a:solidFill>
+            <a:miter lim="800000"/>
+            <a:headEnd/>
+            <a:tailEnd/>
+          </a:ln>
+        </p:spPr>
+        <p:txBody>
+          <a:bodyPr vert="horz" wrap="square" lIns="91440" tIns="91440" rIns="91440" bIns="91440" numCol="1" anchor="t" anchorCtr="0" compatLnSpc="1">
+            <a:prstTxWarp prst="textNoShape">
+              <a:avLst/>
+            </a:prstTxWarp>
+          </a:bodyPr>
+          <a:lstStyle/>
+          <a:p>
+            <a:pPr marL="0" marR="0" lvl="0" indent="0" algn="ctr" defTabSz="914400" rtl="0" eaLnBrk="0" fontAlgn="base" latinLnBrk="0" hangingPunct="0">
+              <a:lnSpc>
+                <a:spcPct val="100000"/>
+              </a:lnSpc>
+              <a:spcBef>
+                <a:spcPct val="0"/>
+              </a:spcBef>
+              <a:spcAft>
+                <a:spcPct val="0"/>
+              </a:spcAft>
+              <a:buClrTx/>
+              <a:buSzTx/>
+              <a:buFontTx/>
+              <a:buNone/>
+              <a:tabLst/>
+            </a:pPr>
+            <a:r>
+              <a:rPr kumimoji="0" lang="en-US" altLang="en-US" sz="1200" b="0" i="0" u="none" strike="noStrike" cap="none" normalizeH="0" baseline="0" smtClean="0">
+                <a:ln>
+                  <a:noFill/>
+                </a:ln>
+                <a:solidFill>
+                  <a:schemeClr val="tx1"/>
+                </a:solidFill>
+                <a:effectLst/>
+                <a:latin typeface="Times New Roman" panose="02020603050405020304" pitchFamily="18" charset="0"/>
+                <a:ea typeface="Calibri" panose="020F0502020204030204" pitchFamily="34" charset="0"/>
+                <a:cs typeface="Times New Roman" panose="02020603050405020304" pitchFamily="18" charset="0"/>
+              </a:rPr>
+              <a:t>Papers obtained from other sources, such as book chapter bibliographies</a:t>
+            </a:r>
+          </a:p>
+          <a:p>
+            <a:pPr marL="0" marR="0" lvl="0" indent="0" algn="ctr" defTabSz="914400" rtl="0" eaLnBrk="0" fontAlgn="base" latinLnBrk="0" hangingPunct="0">
+              <a:lnSpc>
+                <a:spcPct val="100000"/>
+              </a:lnSpc>
+              <a:spcBef>
+                <a:spcPct val="0"/>
+              </a:spcBef>
+              <a:spcAft>
+                <a:spcPct val="0"/>
+              </a:spcAft>
+              <a:buClrTx/>
+              <a:buSzTx/>
+              <a:buFontTx/>
+              <a:buNone/>
+              <a:tabLst/>
+            </a:pPr>
+            <a:r>
+              <a:rPr kumimoji="0" lang="en-US" altLang="en-US" sz="1200" b="0" i="0" u="none" strike="noStrike" cap="none" normalizeH="0" baseline="0" smtClean="0">
+                <a:ln>
+                  <a:noFill/>
+                </a:ln>
+                <a:solidFill>
+                  <a:schemeClr val="tx1"/>
+                </a:solidFill>
+                <a:effectLst/>
+                <a:latin typeface="Times New Roman" panose="02020603050405020304" pitchFamily="18" charset="0"/>
+                <a:ea typeface="Calibri" panose="020F0502020204030204" pitchFamily="34" charset="0"/>
+                <a:cs typeface="Times New Roman" panose="02020603050405020304" pitchFamily="18" charset="0"/>
+              </a:rPr>
+              <a:t>(n= 0)</a:t>
+            </a:r>
           </a:p>
           <a:p>
             <a:pPr marL="0" marR="0" lvl="0" indent="0" algn="l" defTabSz="914400" rtl="0" eaLnBrk="0" fontAlgn="base" latinLnBrk="0" hangingPunct="0">
@@ -15223,36 +15775,34 @@
       </p:sp>
       <p:sp>
         <p:nvSpPr>
-          <p:cNvPr id="29" name="AutoShape 4"/>
+          <p:cNvPr id="35" name="Rectangle 10"/>
           <p:cNvSpPr>
             <a:spLocks noChangeArrowheads="1"/>
           </p:cNvSpPr>
           <p:nvPr/>
         </p:nvSpPr>
         <p:spPr bwMode="auto">
-          <a:xfrm rot="-5400000">
-            <a:off x="2052796" y="5740579"/>
-            <a:ext cx="1371600" cy="344488"/>
-          </a:xfrm>
-          <a:prstGeom prst="roundRect">
-            <a:avLst>
-              <a:gd name="adj" fmla="val 16667"/>
-            </a:avLst>
+          <a:xfrm>
+            <a:off x="4372927" y="1942485"/>
+            <a:ext cx="2771775" cy="571500"/>
+          </a:xfrm>
+          <a:prstGeom prst="rect">
+            <a:avLst/>
           </a:prstGeom>
           <a:solidFill>
-            <a:srgbClr val="CCECFF"/>
+            <a:srgbClr val="FFFFFF"/>
           </a:solidFill>
           <a:ln w="9525">
             <a:solidFill>
               <a:srgbClr val="000000"/>
             </a:solidFill>
-            <a:round/>
+            <a:miter lim="800000"/>
             <a:headEnd/>
             <a:tailEnd/>
           </a:ln>
         </p:spPr>
         <p:txBody>
-          <a:bodyPr vert="horz" wrap="square" lIns="45720" tIns="45720" rIns="45720" bIns="45720" numCol="1" anchor="t" anchorCtr="0" compatLnSpc="1">
+          <a:bodyPr vert="horz" wrap="square" lIns="91440" tIns="91440" rIns="91440" bIns="91440" numCol="1" anchor="t" anchorCtr="0" compatLnSpc="1">
             <a:prstTxWarp prst="textNoShape">
               <a:avLst/>
             </a:prstTxWarp>
@@ -15276,7 +15826,7 @@
               <a:tabLst/>
             </a:pPr>
             <a:r>
-              <a:rPr kumimoji="0" lang="en-US" altLang="en-US" sz="1100" b="0" i="0" u="none" strike="noStrike" cap="none" normalizeH="0" baseline="0" smtClean="0">
+              <a:rPr kumimoji="0" lang="en-US" altLang="en-US" sz="1200" b="0" i="0" u="none" strike="noStrike" cap="none" normalizeH="0" baseline="0" smtClean="0">
                 <a:ln>
                   <a:noFill/>
                 </a:ln>
@@ -15284,24 +15834,244 @@
                   <a:schemeClr val="tx1"/>
                 </a:solidFill>
                 <a:effectLst/>
-                <a:latin typeface="Calibri Light" panose="020F0302020204030204" pitchFamily="34" charset="0"/>
-                <a:ea typeface="Times New Roman" panose="02020603050405020304" pitchFamily="18" charset="0"/>
+                <a:latin typeface="Times New Roman" panose="02020603050405020304" pitchFamily="18" charset="0"/>
+                <a:ea typeface="Calibri" panose="020F0502020204030204" pitchFamily="34" charset="0"/>
                 <a:cs typeface="Times New Roman" panose="02020603050405020304" pitchFamily="18" charset="0"/>
               </a:rPr>
-              <a:t>Included</a:t>
-            </a:r>
-            <a:endParaRPr kumimoji="0" lang="en-US" altLang="en-US" sz="1300" b="0" i="0" u="none" strike="noStrike" cap="none" normalizeH="0" baseline="0" smtClean="0">
+              <a:t>Records after duplicates removed </a:t>
+            </a:r>
+            <a:br>
+              <a:rPr kumimoji="0" lang="en-US" altLang="en-US" sz="1200" b="0" i="0" u="none" strike="noStrike" cap="none" normalizeH="0" baseline="0" smtClean="0">
+                <a:ln>
+                  <a:noFill/>
+                </a:ln>
+                <a:solidFill>
+                  <a:schemeClr val="tx1"/>
+                </a:solidFill>
+                <a:effectLst/>
+                <a:latin typeface="Times New Roman" panose="02020603050405020304" pitchFamily="18" charset="0"/>
+                <a:ea typeface="Calibri" panose="020F0502020204030204" pitchFamily="34" charset="0"/>
+                <a:cs typeface="Times New Roman" panose="02020603050405020304" pitchFamily="18" charset="0"/>
+              </a:rPr>
+            </a:br>
+            <a:r>
+              <a:rPr kumimoji="0" lang="en-US" altLang="en-US" sz="1200" b="0" i="0" u="none" strike="noStrike" cap="none" normalizeH="0" baseline="0" smtClean="0">
+                <a:ln>
+                  <a:noFill/>
+                </a:ln>
+                <a:solidFill>
+                  <a:schemeClr val="tx1"/>
+                </a:solidFill>
+                <a:effectLst/>
+                <a:latin typeface="Times New Roman" panose="02020603050405020304" pitchFamily="18" charset="0"/>
+                <a:ea typeface="Calibri" panose="020F0502020204030204" pitchFamily="34" charset="0"/>
+                <a:cs typeface="Times New Roman" panose="02020603050405020304" pitchFamily="18" charset="0"/>
+              </a:rPr>
+              <a:t>(n = 397)</a:t>
+            </a:r>
+            <a:endParaRPr kumimoji="0" lang="en-US" altLang="en-US" sz="1800" b="0" i="0" u="none" strike="noStrike" cap="none" normalizeH="0" baseline="0" smtClean="0">
               <a:ln>
                 <a:noFill/>
               </a:ln>
               <a:solidFill>
-                <a:srgbClr val="2E74B5"/>
+                <a:schemeClr val="tx1"/>
               </a:solidFill>
               <a:effectLst/>
-              <a:latin typeface="Calibri Light" panose="020F0302020204030204" pitchFamily="34" charset="0"/>
-              <a:ea typeface="Times New Roman" panose="02020603050405020304" pitchFamily="18" charset="0"/>
-              <a:cs typeface="Times New Roman" panose="02020603050405020304" pitchFamily="18" charset="0"/>
+              <a:latin typeface="Arial" panose="020B0604020202020204" pitchFamily="34" charset="0"/>
             </a:endParaRPr>
+          </a:p>
+        </p:txBody>
+      </p:sp>
+      <p:sp>
+        <p:nvSpPr>
+          <p:cNvPr id="36" name="Rectangle 11"/>
+          <p:cNvSpPr>
+            <a:spLocks noChangeArrowheads="1"/>
+          </p:cNvSpPr>
+          <p:nvPr/>
+        </p:nvSpPr>
+        <p:spPr bwMode="auto">
+          <a:xfrm>
+            <a:off x="4914265" y="2826088"/>
+            <a:ext cx="1670050" cy="704850"/>
+          </a:xfrm>
+          <a:prstGeom prst="rect">
+            <a:avLst/>
+          </a:prstGeom>
+          <a:solidFill>
+            <a:srgbClr val="FFFFFF"/>
+          </a:solidFill>
+          <a:ln w="9525">
+            <a:solidFill>
+              <a:srgbClr val="000000"/>
+            </a:solidFill>
+            <a:miter lim="800000"/>
+            <a:headEnd/>
+            <a:tailEnd/>
+          </a:ln>
+        </p:spPr>
+        <p:txBody>
+          <a:bodyPr vert="horz" wrap="square" lIns="91440" tIns="91440" rIns="91440" bIns="91440" numCol="1" anchor="t" anchorCtr="0" compatLnSpc="1">
+            <a:prstTxWarp prst="textNoShape">
+              <a:avLst/>
+            </a:prstTxWarp>
+          </a:bodyPr>
+          <a:lstStyle/>
+          <a:p>
+            <a:pPr marL="0" marR="0" lvl="0" indent="0" algn="ctr" defTabSz="914400" rtl="0" eaLnBrk="0" fontAlgn="base" latinLnBrk="0" hangingPunct="0">
+              <a:lnSpc>
+                <a:spcPct val="100000"/>
+              </a:lnSpc>
+              <a:spcBef>
+                <a:spcPct val="0"/>
+              </a:spcBef>
+              <a:spcAft>
+                <a:spcPct val="0"/>
+              </a:spcAft>
+              <a:buClrTx/>
+              <a:buSzTx/>
+              <a:buFontTx/>
+              <a:buNone/>
+              <a:tabLst/>
+            </a:pPr>
+            <a:r>
+              <a:rPr kumimoji="0" lang="en-US" altLang="en-US" sz="1200" b="0" i="0" u="none" strike="noStrike" cap="none" normalizeH="0" baseline="0" dirty="0" smtClean="0">
+                <a:ln>
+                  <a:noFill/>
+                </a:ln>
+                <a:solidFill>
+                  <a:schemeClr val="tx1"/>
+                </a:solidFill>
+                <a:effectLst/>
+                <a:latin typeface="Times New Roman" panose="02020603050405020304" pitchFamily="18" charset="0"/>
+                <a:ea typeface="Calibri" panose="020F0502020204030204" pitchFamily="34" charset="0"/>
+                <a:cs typeface="Times New Roman" panose="02020603050405020304" pitchFamily="18" charset="0"/>
+              </a:rPr>
+              <a:t>Records screened by abstract (n = 397)</a:t>
+            </a:r>
+            <a:br>
+              <a:rPr kumimoji="0" lang="en-US" altLang="en-US" sz="1200" b="0" i="0" u="none" strike="noStrike" cap="none" normalizeH="0" baseline="0" dirty="0" smtClean="0">
+                <a:ln>
+                  <a:noFill/>
+                </a:ln>
+                <a:solidFill>
+                  <a:schemeClr val="tx1"/>
+                </a:solidFill>
+                <a:effectLst/>
+                <a:latin typeface="Times New Roman" panose="02020603050405020304" pitchFamily="18" charset="0"/>
+                <a:ea typeface="Calibri" panose="020F0502020204030204" pitchFamily="34" charset="0"/>
+                <a:cs typeface="Times New Roman" panose="02020603050405020304" pitchFamily="18" charset="0"/>
+              </a:rPr>
+            </a:br>
+            <a:r>
+              <a:rPr kumimoji="0" lang="en-US" altLang="en-US" sz="1200" b="0" i="0" u="none" strike="noStrike" cap="none" normalizeH="0" baseline="0" dirty="0" smtClean="0">
+                <a:ln>
+                  <a:noFill/>
+                </a:ln>
+                <a:solidFill>
+                  <a:schemeClr val="tx1"/>
+                </a:solidFill>
+                <a:effectLst/>
+                <a:latin typeface="Times New Roman" panose="02020603050405020304" pitchFamily="18" charset="0"/>
+                <a:ea typeface="Calibri" panose="020F0502020204030204" pitchFamily="34" charset="0"/>
+                <a:cs typeface="Times New Roman" panose="02020603050405020304" pitchFamily="18" charset="0"/>
+              </a:rPr>
+              <a:t/>
+            </a:r>
+            <a:br>
+              <a:rPr kumimoji="0" lang="en-US" altLang="en-US" sz="1200" b="0" i="0" u="none" strike="noStrike" cap="none" normalizeH="0" baseline="0" dirty="0" smtClean="0">
+                <a:ln>
+                  <a:noFill/>
+                </a:ln>
+                <a:solidFill>
+                  <a:schemeClr val="tx1"/>
+                </a:solidFill>
+                <a:effectLst/>
+                <a:latin typeface="Times New Roman" panose="02020603050405020304" pitchFamily="18" charset="0"/>
+                <a:ea typeface="Calibri" panose="020F0502020204030204" pitchFamily="34" charset="0"/>
+                <a:cs typeface="Times New Roman" panose="02020603050405020304" pitchFamily="18" charset="0"/>
+              </a:rPr>
+            </a:br>
+            <a:endParaRPr kumimoji="0" lang="en-US" altLang="en-US" sz="1800" b="0" i="0" u="none" strike="noStrike" cap="none" normalizeH="0" baseline="0" dirty="0" smtClean="0">
+              <a:ln>
+                <a:noFill/>
+              </a:ln>
+              <a:solidFill>
+                <a:schemeClr val="tx1"/>
+              </a:solidFill>
+              <a:effectLst/>
+              <a:latin typeface="Arial" panose="020B0604020202020204" pitchFamily="34" charset="0"/>
+            </a:endParaRPr>
+          </a:p>
+        </p:txBody>
+      </p:sp>
+      <p:sp>
+        <p:nvSpPr>
+          <p:cNvPr id="37" name="Rectangle 12"/>
+          <p:cNvSpPr>
+            <a:spLocks noChangeArrowheads="1"/>
+          </p:cNvSpPr>
+          <p:nvPr/>
+        </p:nvSpPr>
+        <p:spPr bwMode="auto">
+          <a:xfrm>
+            <a:off x="7277100" y="2764810"/>
+            <a:ext cx="1866900" cy="1066800"/>
+          </a:xfrm>
+          <a:prstGeom prst="rect">
+            <a:avLst/>
+          </a:prstGeom>
+          <a:solidFill>
+            <a:srgbClr val="FFFFFF"/>
+          </a:solidFill>
+          <a:ln w="9525">
+            <a:solidFill>
+              <a:srgbClr val="000000"/>
+            </a:solidFill>
+            <a:miter lim="800000"/>
+            <a:headEnd/>
+            <a:tailEnd/>
+          </a:ln>
+        </p:spPr>
+        <p:txBody>
+          <a:bodyPr vert="horz" wrap="square" lIns="91440" tIns="91440" rIns="91440" bIns="91440" numCol="1" anchor="t" anchorCtr="0" compatLnSpc="1">
+            <a:prstTxWarp prst="textNoShape">
+              <a:avLst/>
+            </a:prstTxWarp>
+          </a:bodyPr>
+          <a:lstStyle/>
+          <a:p>
+            <a:pPr marL="0" marR="0" lvl="0" indent="0" algn="ctr" defTabSz="914400" rtl="0" eaLnBrk="0" fontAlgn="base" latinLnBrk="0" hangingPunct="0">
+              <a:lnSpc>
+                <a:spcPct val="100000"/>
+              </a:lnSpc>
+              <a:spcBef>
+                <a:spcPct val="0"/>
+              </a:spcBef>
+              <a:spcAft>
+                <a:spcPct val="0"/>
+              </a:spcAft>
+              <a:buClrTx/>
+              <a:buSzTx/>
+              <a:buFontTx/>
+              <a:buNone/>
+              <a:tabLst/>
+            </a:pPr>
+            <a:r>
+              <a:rPr kumimoji="0" lang="en-US" altLang="en-US" sz="1200" b="0" i="0" u="none" strike="noStrike" cap="none" normalizeH="0" baseline="0" smtClean="0">
+                <a:ln>
+                  <a:noFill/>
+                </a:ln>
+                <a:solidFill>
+                  <a:schemeClr val="tx1"/>
+                </a:solidFill>
+                <a:effectLst/>
+                <a:latin typeface="Times New Roman" panose="02020603050405020304" pitchFamily="18" charset="0"/>
+                <a:ea typeface="Calibri" panose="020F0502020204030204" pitchFamily="34" charset="0"/>
+                <a:cs typeface="Times New Roman" panose="02020603050405020304" pitchFamily="18" charset="0"/>
+              </a:rPr>
+              <a:t>Records excluded for: relevance, review, opinion or idea paper, focus on one spices, qualitative, not English.</a:t>
+            </a:r>
           </a:p>
           <a:p>
             <a:pPr marL="0" marR="0" lvl="0" indent="0" algn="l" defTabSz="914400" rtl="0" eaLnBrk="0" fontAlgn="base" latinLnBrk="0" hangingPunct="0">
@@ -15335,36 +16105,34 @@
       </p:sp>
       <p:sp>
         <p:nvSpPr>
-          <p:cNvPr id="30" name="AutoShape 5"/>
+          <p:cNvPr id="38" name="Rectangle 13"/>
           <p:cNvSpPr>
             <a:spLocks noChangeArrowheads="1"/>
           </p:cNvSpPr>
           <p:nvPr/>
         </p:nvSpPr>
         <p:spPr bwMode="auto">
-          <a:xfrm rot="-5400000">
-            <a:off x="2049621" y="2208392"/>
-            <a:ext cx="1371600" cy="296862"/>
-          </a:xfrm>
-          <a:prstGeom prst="roundRect">
-            <a:avLst>
-              <a:gd name="adj" fmla="val 16667"/>
-            </a:avLst>
+          <a:xfrm>
+            <a:off x="4901565" y="3886855"/>
+            <a:ext cx="1714500" cy="685800"/>
+          </a:xfrm>
+          <a:prstGeom prst="rect">
+            <a:avLst/>
           </a:prstGeom>
           <a:solidFill>
-            <a:srgbClr val="CCECFF"/>
+            <a:srgbClr val="FFFFFF"/>
           </a:solidFill>
           <a:ln w="9525">
             <a:solidFill>
               <a:srgbClr val="000000"/>
             </a:solidFill>
-            <a:round/>
+            <a:miter lim="800000"/>
             <a:headEnd/>
             <a:tailEnd/>
           </a:ln>
         </p:spPr>
         <p:txBody>
-          <a:bodyPr vert="horz" wrap="square" lIns="45720" tIns="45720" rIns="45720" bIns="45720" numCol="1" anchor="t" anchorCtr="0" compatLnSpc="1">
+          <a:bodyPr vert="horz" wrap="square" lIns="91440" tIns="91440" rIns="91440" bIns="91440" numCol="1" anchor="t" anchorCtr="0" compatLnSpc="1">
             <a:prstTxWarp prst="textNoShape">
               <a:avLst/>
             </a:prstTxWarp>
@@ -15388,7 +16156,7 @@
               <a:tabLst/>
             </a:pPr>
             <a:r>
-              <a:rPr kumimoji="0" lang="en-US" altLang="en-US" sz="1100" b="0" i="0" u="none" strike="noStrike" cap="none" normalizeH="0" baseline="0" smtClean="0">
+              <a:rPr kumimoji="0" lang="en-US" altLang="en-US" sz="1200" b="0" i="0" u="none" strike="noStrike" cap="none" normalizeH="0" baseline="0" dirty="0" smtClean="0">
                 <a:ln>
                   <a:noFill/>
                 </a:ln>
@@ -15396,24 +16164,633 @@
                   <a:schemeClr val="tx1"/>
                 </a:solidFill>
                 <a:effectLst/>
-                <a:latin typeface="Calibri Light" panose="020F0302020204030204" pitchFamily="34" charset="0"/>
-                <a:ea typeface="Times New Roman" panose="02020603050405020304" pitchFamily="18" charset="0"/>
+                <a:latin typeface="Times New Roman" panose="02020603050405020304" pitchFamily="18" charset="0"/>
+                <a:ea typeface="Calibri" panose="020F0502020204030204" pitchFamily="34" charset="0"/>
                 <a:cs typeface="Times New Roman" panose="02020603050405020304" pitchFamily="18" charset="0"/>
               </a:rPr>
-              <a:t>Eligibility</a:t>
-            </a:r>
-            <a:endParaRPr kumimoji="0" lang="en-US" altLang="en-US" sz="1300" b="0" i="0" u="none" strike="noStrike" cap="none" normalizeH="0" baseline="0" smtClean="0">
+              <a:t>Full-text articles assessed for eligibility (n = 252)</a:t>
+            </a:r>
+          </a:p>
+          <a:p>
+            <a:pPr marL="0" marR="0" lvl="0" indent="0" algn="ctr" defTabSz="914400" rtl="0" eaLnBrk="0" fontAlgn="base" latinLnBrk="0" hangingPunct="0">
+              <a:lnSpc>
+                <a:spcPct val="100000"/>
+              </a:lnSpc>
+              <a:spcBef>
+                <a:spcPct val="0"/>
+              </a:spcBef>
+              <a:spcAft>
+                <a:spcPct val="0"/>
+              </a:spcAft>
+              <a:buClrTx/>
+              <a:buSzTx/>
+              <a:buFontTx/>
+              <a:buNone/>
+              <a:tabLst/>
+            </a:pPr>
+            <a:endParaRPr kumimoji="0" lang="en-US" altLang="en-US" sz="1800" b="0" i="0" u="none" strike="noStrike" cap="none" normalizeH="0" baseline="0" dirty="0" smtClean="0">
               <a:ln>
                 <a:noFill/>
               </a:ln>
               <a:solidFill>
-                <a:srgbClr val="2E74B5"/>
+                <a:schemeClr val="tx1"/>
               </a:solidFill>
               <a:effectLst/>
-              <a:latin typeface="Calibri Light" panose="020F0302020204030204" pitchFamily="34" charset="0"/>
-              <a:ea typeface="Times New Roman" panose="02020603050405020304" pitchFamily="18" charset="0"/>
-              <a:cs typeface="Times New Roman" panose="02020603050405020304" pitchFamily="18" charset="0"/>
+              <a:latin typeface="Arial" panose="020B0604020202020204" pitchFamily="34" charset="0"/>
             </a:endParaRPr>
+          </a:p>
+        </p:txBody>
+      </p:sp>
+      <p:sp>
+        <p:nvSpPr>
+          <p:cNvPr id="39" name="Rectangle 14"/>
+          <p:cNvSpPr>
+            <a:spLocks noChangeArrowheads="1"/>
+          </p:cNvSpPr>
+          <p:nvPr/>
+        </p:nvSpPr>
+        <p:spPr bwMode="auto">
+          <a:xfrm>
+            <a:off x="7277100" y="4036396"/>
+            <a:ext cx="1866900" cy="1093789"/>
+          </a:xfrm>
+          <a:prstGeom prst="rect">
+            <a:avLst/>
+          </a:prstGeom>
+          <a:solidFill>
+            <a:srgbClr val="FFFFFF"/>
+          </a:solidFill>
+          <a:ln w="9525">
+            <a:solidFill>
+              <a:srgbClr val="000000"/>
+            </a:solidFill>
+            <a:miter lim="800000"/>
+            <a:headEnd/>
+            <a:tailEnd/>
+          </a:ln>
+        </p:spPr>
+        <p:txBody>
+          <a:bodyPr vert="horz" wrap="square" lIns="91440" tIns="91440" rIns="91440" bIns="91440" numCol="1" anchor="t" anchorCtr="0" compatLnSpc="1">
+            <a:prstTxWarp prst="textNoShape">
+              <a:avLst/>
+            </a:prstTxWarp>
+          </a:bodyPr>
+          <a:lstStyle/>
+          <a:p>
+            <a:pPr marL="0" marR="0" lvl="0" indent="0" algn="ctr" defTabSz="914400" rtl="0" eaLnBrk="0" fontAlgn="base" latinLnBrk="0" hangingPunct="0">
+              <a:lnSpc>
+                <a:spcPct val="100000"/>
+              </a:lnSpc>
+              <a:spcBef>
+                <a:spcPct val="0"/>
+              </a:spcBef>
+              <a:spcAft>
+                <a:spcPct val="0"/>
+              </a:spcAft>
+              <a:buClrTx/>
+              <a:buSzTx/>
+              <a:buFontTx/>
+              <a:buNone/>
+              <a:tabLst/>
+            </a:pPr>
+            <a:r>
+              <a:rPr kumimoji="0" lang="en-US" altLang="en-US" sz="1200" b="0" i="0" u="none" strike="noStrike" cap="none" normalizeH="0" baseline="0" smtClean="0">
+                <a:ln>
+                  <a:noFill/>
+                </a:ln>
+                <a:solidFill>
+                  <a:schemeClr val="tx1"/>
+                </a:solidFill>
+                <a:effectLst/>
+                <a:latin typeface="Times New Roman" panose="02020603050405020304" pitchFamily="18" charset="0"/>
+                <a:ea typeface="Calibri" panose="020F0502020204030204" pitchFamily="34" charset="0"/>
+                <a:cs typeface="Times New Roman" panose="02020603050405020304" pitchFamily="18" charset="0"/>
+              </a:rPr>
+              <a:t>Full-text articles excluded:</a:t>
+            </a:r>
+          </a:p>
+          <a:p>
+            <a:pPr marL="0" marR="0" lvl="0" indent="0" algn="l" defTabSz="914400" rtl="0" eaLnBrk="0" fontAlgn="base" latinLnBrk="0" hangingPunct="0">
+              <a:lnSpc>
+                <a:spcPct val="100000"/>
+              </a:lnSpc>
+              <a:spcBef>
+                <a:spcPct val="0"/>
+              </a:spcBef>
+              <a:spcAft>
+                <a:spcPct val="0"/>
+              </a:spcAft>
+              <a:buClrTx/>
+              <a:buSzTx/>
+              <a:buFontTx/>
+              <a:buNone/>
+              <a:tabLst/>
+            </a:pPr>
+            <a:r>
+              <a:rPr kumimoji="0" lang="en-US" altLang="en-US" sz="1200" b="0" i="0" u="none" strike="noStrike" cap="none" normalizeH="0" baseline="0" smtClean="0">
+                <a:ln>
+                  <a:noFill/>
+                </a:ln>
+                <a:solidFill>
+                  <a:schemeClr val="tx1"/>
+                </a:solidFill>
+                <a:effectLst/>
+                <a:latin typeface="Times New Roman" panose="02020603050405020304" pitchFamily="18" charset="0"/>
+                <a:ea typeface="Calibri" panose="020F0502020204030204" pitchFamily="34" charset="0"/>
+                <a:cs typeface="Times New Roman" panose="02020603050405020304" pitchFamily="18" charset="0"/>
+              </a:rPr>
+              <a:t>Not reporting richness or diversity, number of records, and any measure of duration. </a:t>
+            </a:r>
+            <a:endParaRPr kumimoji="0" lang="en-US" altLang="en-US" sz="1800" b="0" i="0" u="none" strike="noStrike" cap="none" normalizeH="0" baseline="0" smtClean="0">
+              <a:ln>
+                <a:noFill/>
+              </a:ln>
+              <a:solidFill>
+                <a:schemeClr val="tx1"/>
+              </a:solidFill>
+              <a:effectLst/>
+              <a:latin typeface="Arial" panose="020B0604020202020204" pitchFamily="34" charset="0"/>
+            </a:endParaRPr>
+          </a:p>
+        </p:txBody>
+      </p:sp>
+      <p:sp>
+        <p:nvSpPr>
+          <p:cNvPr id="40" name="Rectangle 15"/>
+          <p:cNvSpPr>
+            <a:spLocks noChangeArrowheads="1"/>
+          </p:cNvSpPr>
+          <p:nvPr/>
+        </p:nvSpPr>
+        <p:spPr bwMode="auto">
+          <a:xfrm>
+            <a:off x="4901565" y="4884122"/>
+            <a:ext cx="1714500" cy="638175"/>
+          </a:xfrm>
+          <a:prstGeom prst="rect">
+            <a:avLst/>
+          </a:prstGeom>
+          <a:solidFill>
+            <a:srgbClr val="FFFFFF"/>
+          </a:solidFill>
+          <a:ln w="9525">
+            <a:solidFill>
+              <a:srgbClr val="000000"/>
+            </a:solidFill>
+            <a:miter lim="800000"/>
+            <a:headEnd/>
+            <a:tailEnd/>
+          </a:ln>
+        </p:spPr>
+        <p:txBody>
+          <a:bodyPr vert="horz" wrap="square" lIns="91440" tIns="91440" rIns="91440" bIns="91440" numCol="1" anchor="t" anchorCtr="0" compatLnSpc="1">
+            <a:prstTxWarp prst="textNoShape">
+              <a:avLst/>
+            </a:prstTxWarp>
+          </a:bodyPr>
+          <a:lstStyle/>
+          <a:p>
+            <a:pPr marL="0" marR="0" lvl="0" indent="0" algn="ctr" defTabSz="914400" rtl="0" eaLnBrk="0" fontAlgn="base" latinLnBrk="0" hangingPunct="0">
+              <a:lnSpc>
+                <a:spcPct val="100000"/>
+              </a:lnSpc>
+              <a:spcBef>
+                <a:spcPct val="0"/>
+              </a:spcBef>
+              <a:spcAft>
+                <a:spcPct val="0"/>
+              </a:spcAft>
+              <a:buClrTx/>
+              <a:buSzTx/>
+              <a:buFontTx/>
+              <a:buNone/>
+              <a:tabLst/>
+            </a:pPr>
+            <a:r>
+              <a:rPr kumimoji="0" lang="en-US" altLang="en-US" sz="1200" b="0" i="0" u="none" strike="noStrike" cap="none" normalizeH="0" baseline="0" smtClean="0">
+                <a:ln>
+                  <a:noFill/>
+                </a:ln>
+                <a:solidFill>
+                  <a:schemeClr val="tx1"/>
+                </a:solidFill>
+                <a:effectLst/>
+                <a:latin typeface="Times New Roman" panose="02020603050405020304" pitchFamily="18" charset="0"/>
+                <a:ea typeface="Calibri" panose="020F0502020204030204" pitchFamily="34" charset="0"/>
+                <a:cs typeface="Times New Roman" panose="02020603050405020304" pitchFamily="18" charset="0"/>
+              </a:rPr>
+              <a:t>Include in synthesis </a:t>
+            </a:r>
+          </a:p>
+          <a:p>
+            <a:pPr marL="0" marR="0" lvl="0" indent="0" algn="ctr" defTabSz="914400" rtl="0" eaLnBrk="0" fontAlgn="base" latinLnBrk="0" hangingPunct="0">
+              <a:lnSpc>
+                <a:spcPct val="100000"/>
+              </a:lnSpc>
+              <a:spcBef>
+                <a:spcPct val="0"/>
+              </a:spcBef>
+              <a:spcAft>
+                <a:spcPct val="0"/>
+              </a:spcAft>
+              <a:buClrTx/>
+              <a:buSzTx/>
+              <a:buFontTx/>
+              <a:buNone/>
+              <a:tabLst/>
+            </a:pPr>
+            <a:r>
+              <a:rPr kumimoji="0" lang="en-US" altLang="en-US" sz="1200" b="0" i="0" u="none" strike="noStrike" cap="none" normalizeH="0" baseline="0" smtClean="0">
+                <a:ln>
+                  <a:noFill/>
+                </a:ln>
+                <a:solidFill>
+                  <a:schemeClr val="tx1"/>
+                </a:solidFill>
+                <a:effectLst/>
+                <a:latin typeface="Times New Roman" panose="02020603050405020304" pitchFamily="18" charset="0"/>
+                <a:ea typeface="Calibri" panose="020F0502020204030204" pitchFamily="34" charset="0"/>
+                <a:cs typeface="Times New Roman" panose="02020603050405020304" pitchFamily="18" charset="0"/>
+              </a:rPr>
+              <a:t>(n = )</a:t>
+            </a:r>
+            <a:endParaRPr kumimoji="0" lang="en-US" altLang="en-US" sz="1800" b="0" i="0" u="none" strike="noStrike" cap="none" normalizeH="0" baseline="0" smtClean="0">
+              <a:ln>
+                <a:noFill/>
+              </a:ln>
+              <a:solidFill>
+                <a:schemeClr val="tx1"/>
+              </a:solidFill>
+              <a:effectLst/>
+              <a:latin typeface="Arial" panose="020B0604020202020204" pitchFamily="34" charset="0"/>
+            </a:endParaRPr>
+          </a:p>
+        </p:txBody>
+      </p:sp>
+      <p:cxnSp>
+        <p:nvCxnSpPr>
+          <p:cNvPr id="41" name="AutoShape 17"/>
+          <p:cNvCxnSpPr>
+            <a:cxnSpLocks noChangeShapeType="1"/>
+          </p:cNvCxnSpPr>
+          <p:nvPr/>
+        </p:nvCxnSpPr>
+        <p:spPr bwMode="auto">
+          <a:xfrm>
+            <a:off x="4631055" y="1561485"/>
+            <a:ext cx="0" cy="381000"/>
+          </a:xfrm>
+          <a:prstGeom prst="straightConnector1">
+            <a:avLst/>
+          </a:prstGeom>
+          <a:noFill/>
+          <a:ln w="9525">
+            <a:solidFill>
+              <a:srgbClr val="000000"/>
+            </a:solidFill>
+            <a:round/>
+            <a:headEnd/>
+            <a:tailEnd type="triangle" w="med" len="med"/>
+          </a:ln>
+          <a:effectLst/>
+          <a:extLst>
+            <a:ext uri="{909E8E84-426E-40dd-AFC4-6F175D3DCCD1}">
+              <a14:hiddenFill xmlns:lc="http://schemas.openxmlformats.org/drawingml/2006/lockedCanvas" xmlns="" xmlns:mo="http://schemas.microsoft.com/office/mac/office/2008/main" xmlns:mv="urn:schemas-microsoft-com:mac:vml" xmlns:o="urn:schemas-microsoft-com:office:office" xmlns:v="urn:schemas-microsoft-com:vml" xmlns:w10="urn:schemas-microsoft-com:office:word" xmlns:w="http://schemas.openxmlformats.org/wordprocessingml/2006/main" xmlns:a14="http://schemas.microsoft.com/office/drawing/2010/main" xmlns:wps="http://schemas.microsoft.com/office/word/2010/wordprocessingShape" xmlns:wne="http://schemas.microsoft.com/office/word/2006/wordml" xmlns:wpi="http://schemas.microsoft.com/office/word/2010/wordprocessingInk" xmlns:wpg="http://schemas.microsoft.com/office/word/2010/wordprocessingGroup" xmlns:w15="http://schemas.microsoft.com/office/word/2012/wordml" xmlns:w14="http://schemas.microsoft.com/office/word/2010/wordml" xmlns:wp="http://schemas.openxmlformats.org/drawingml/2006/wordprocessingDrawing" xmlns:wp14="http://schemas.microsoft.com/office/word/2010/wordprocessingDrawing" xmlns:m="http://schemas.openxmlformats.org/officeDocument/2006/math" xmlns:mc="http://schemas.openxmlformats.org/markup-compatibility/2006" xmlns:wpc="http://schemas.microsoft.com/office/word/2010/wordprocessingCanvas">
+                <a:noFill/>
+              </a14:hiddenFill>
+            </a:ext>
+            <a:ext uri="{AF507438-7753-43e0-B8FC-AC1667EBCBE1}">
+              <a14:hiddenEffects xmlns:lc="http://schemas.openxmlformats.org/drawingml/2006/lockedCanvas" xmlns="" xmlns:mo="http://schemas.microsoft.com/office/mac/office/2008/main" xmlns:mv="urn:schemas-microsoft-com:mac:vml" xmlns:o="urn:schemas-microsoft-com:office:office" xmlns:v="urn:schemas-microsoft-com:vml" xmlns:w10="urn:schemas-microsoft-com:office:word" xmlns:w="http://schemas.openxmlformats.org/wordprocessingml/2006/main" xmlns:a14="http://schemas.microsoft.com/office/drawing/2010/main" xmlns:wps="http://schemas.microsoft.com/office/word/2010/wordprocessingShape" xmlns:wne="http://schemas.microsoft.com/office/word/2006/wordml" xmlns:wpi="http://schemas.microsoft.com/office/word/2010/wordprocessingInk" xmlns:wpg="http://schemas.microsoft.com/office/word/2010/wordprocessingGroup" xmlns:w15="http://schemas.microsoft.com/office/word/2012/wordml" xmlns:w14="http://schemas.microsoft.com/office/word/2010/wordml" xmlns:wp="http://schemas.openxmlformats.org/drawingml/2006/wordprocessingDrawing" xmlns:wp14="http://schemas.microsoft.com/office/word/2010/wordprocessingDrawing" xmlns:m="http://schemas.openxmlformats.org/officeDocument/2006/math" xmlns:mc="http://schemas.openxmlformats.org/markup-compatibility/2006" xmlns:wpc="http://schemas.microsoft.com/office/word/2010/wordprocessingCanvas">
+                <a:effectLst>
+                  <a:outerShdw dist="35921" dir="2700000" algn="ctr" rotWithShape="0">
+                    <a:srgbClr val="CCCCCC"/>
+                  </a:outerShdw>
+                </a:effectLst>
+              </a14:hiddenEffects>
+            </a:ext>
+          </a:extLst>
+        </p:spPr>
+      </p:cxnSp>
+      <p:cxnSp>
+        <p:nvCxnSpPr>
+          <p:cNvPr id="42" name="AutoShape 18"/>
+          <p:cNvCxnSpPr>
+            <a:cxnSpLocks noChangeShapeType="1"/>
+          </p:cNvCxnSpPr>
+          <p:nvPr/>
+        </p:nvCxnSpPr>
+        <p:spPr bwMode="auto">
+          <a:xfrm>
+            <a:off x="5749290" y="2513985"/>
+            <a:ext cx="0" cy="276225"/>
+          </a:xfrm>
+          <a:prstGeom prst="straightConnector1">
+            <a:avLst/>
+          </a:prstGeom>
+          <a:noFill/>
+          <a:ln w="9525">
+            <a:solidFill>
+              <a:srgbClr val="000000"/>
+            </a:solidFill>
+            <a:round/>
+            <a:headEnd/>
+            <a:tailEnd type="triangle" w="med" len="med"/>
+          </a:ln>
+          <a:effectLst/>
+          <a:extLst>
+            <a:ext uri="{909E8E84-426E-40dd-AFC4-6F175D3DCCD1}">
+              <a14:hiddenFill xmlns:lc="http://schemas.openxmlformats.org/drawingml/2006/lockedCanvas" xmlns="" xmlns:mo="http://schemas.microsoft.com/office/mac/office/2008/main" xmlns:mv="urn:schemas-microsoft-com:mac:vml" xmlns:o="urn:schemas-microsoft-com:office:office" xmlns:v="urn:schemas-microsoft-com:vml" xmlns:w10="urn:schemas-microsoft-com:office:word" xmlns:w="http://schemas.openxmlformats.org/wordprocessingml/2006/main" xmlns:a14="http://schemas.microsoft.com/office/drawing/2010/main" xmlns:wps="http://schemas.microsoft.com/office/word/2010/wordprocessingShape" xmlns:wne="http://schemas.microsoft.com/office/word/2006/wordml" xmlns:wpi="http://schemas.microsoft.com/office/word/2010/wordprocessingInk" xmlns:wpg="http://schemas.microsoft.com/office/word/2010/wordprocessingGroup" xmlns:w15="http://schemas.microsoft.com/office/word/2012/wordml" xmlns:w14="http://schemas.microsoft.com/office/word/2010/wordml" xmlns:wp="http://schemas.openxmlformats.org/drawingml/2006/wordprocessingDrawing" xmlns:wp14="http://schemas.microsoft.com/office/word/2010/wordprocessingDrawing" xmlns:m="http://schemas.openxmlformats.org/officeDocument/2006/math" xmlns:mc="http://schemas.openxmlformats.org/markup-compatibility/2006" xmlns:wpc="http://schemas.microsoft.com/office/word/2010/wordprocessingCanvas">
+                <a:noFill/>
+              </a14:hiddenFill>
+            </a:ext>
+            <a:ext uri="{AF507438-7753-43e0-B8FC-AC1667EBCBE1}">
+              <a14:hiddenEffects xmlns:lc="http://schemas.openxmlformats.org/drawingml/2006/lockedCanvas" xmlns="" xmlns:mo="http://schemas.microsoft.com/office/mac/office/2008/main" xmlns:mv="urn:schemas-microsoft-com:mac:vml" xmlns:o="urn:schemas-microsoft-com:office:office" xmlns:v="urn:schemas-microsoft-com:vml" xmlns:w10="urn:schemas-microsoft-com:office:word" xmlns:w="http://schemas.openxmlformats.org/wordprocessingml/2006/main" xmlns:a14="http://schemas.microsoft.com/office/drawing/2010/main" xmlns:wps="http://schemas.microsoft.com/office/word/2010/wordprocessingShape" xmlns:wne="http://schemas.microsoft.com/office/word/2006/wordml" xmlns:wpi="http://schemas.microsoft.com/office/word/2010/wordprocessingInk" xmlns:wpg="http://schemas.microsoft.com/office/word/2010/wordprocessingGroup" xmlns:w15="http://schemas.microsoft.com/office/word/2012/wordml" xmlns:w14="http://schemas.microsoft.com/office/word/2010/wordml" xmlns:wp="http://schemas.openxmlformats.org/drawingml/2006/wordprocessingDrawing" xmlns:wp14="http://schemas.microsoft.com/office/word/2010/wordprocessingDrawing" xmlns:m="http://schemas.openxmlformats.org/officeDocument/2006/math" xmlns:mc="http://schemas.openxmlformats.org/markup-compatibility/2006" xmlns:wpc="http://schemas.microsoft.com/office/word/2010/wordprocessingCanvas">
+                <a:effectLst>
+                  <a:outerShdw dist="35921" dir="2700000" algn="ctr" rotWithShape="0">
+                    <a:srgbClr val="CCCCCC"/>
+                  </a:outerShdw>
+                </a:effectLst>
+              </a14:hiddenEffects>
+            </a:ext>
+          </a:extLst>
+        </p:spPr>
+      </p:cxnSp>
+      <p:cxnSp>
+        <p:nvCxnSpPr>
+          <p:cNvPr id="43" name="AutoShape 19"/>
+          <p:cNvCxnSpPr>
+            <a:cxnSpLocks noChangeShapeType="1"/>
+          </p:cNvCxnSpPr>
+          <p:nvPr/>
+        </p:nvCxnSpPr>
+        <p:spPr bwMode="auto">
+          <a:xfrm>
+            <a:off x="5749290" y="3530938"/>
+            <a:ext cx="0" cy="342900"/>
+          </a:xfrm>
+          <a:prstGeom prst="straightConnector1">
+            <a:avLst/>
+          </a:prstGeom>
+          <a:noFill/>
+          <a:ln w="9525">
+            <a:solidFill>
+              <a:srgbClr val="000000"/>
+            </a:solidFill>
+            <a:round/>
+            <a:headEnd/>
+            <a:tailEnd type="triangle" w="med" len="med"/>
+          </a:ln>
+          <a:effectLst/>
+          <a:extLst>
+            <a:ext uri="{909E8E84-426E-40dd-AFC4-6F175D3DCCD1}">
+              <a14:hiddenFill xmlns:lc="http://schemas.openxmlformats.org/drawingml/2006/lockedCanvas" xmlns="" xmlns:mo="http://schemas.microsoft.com/office/mac/office/2008/main" xmlns:mv="urn:schemas-microsoft-com:mac:vml" xmlns:o="urn:schemas-microsoft-com:office:office" xmlns:v="urn:schemas-microsoft-com:vml" xmlns:w10="urn:schemas-microsoft-com:office:word" xmlns:w="http://schemas.openxmlformats.org/wordprocessingml/2006/main" xmlns:a14="http://schemas.microsoft.com/office/drawing/2010/main" xmlns:wps="http://schemas.microsoft.com/office/word/2010/wordprocessingShape" xmlns:wne="http://schemas.microsoft.com/office/word/2006/wordml" xmlns:wpi="http://schemas.microsoft.com/office/word/2010/wordprocessingInk" xmlns:wpg="http://schemas.microsoft.com/office/word/2010/wordprocessingGroup" xmlns:w15="http://schemas.microsoft.com/office/word/2012/wordml" xmlns:w14="http://schemas.microsoft.com/office/word/2010/wordml" xmlns:wp="http://schemas.openxmlformats.org/drawingml/2006/wordprocessingDrawing" xmlns:wp14="http://schemas.microsoft.com/office/word/2010/wordprocessingDrawing" xmlns:m="http://schemas.openxmlformats.org/officeDocument/2006/math" xmlns:mc="http://schemas.openxmlformats.org/markup-compatibility/2006" xmlns:wpc="http://schemas.microsoft.com/office/word/2010/wordprocessingCanvas">
+                <a:noFill/>
+              </a14:hiddenFill>
+            </a:ext>
+            <a:ext uri="{AF507438-7753-43e0-B8FC-AC1667EBCBE1}">
+              <a14:hiddenEffects xmlns:lc="http://schemas.openxmlformats.org/drawingml/2006/lockedCanvas" xmlns="" xmlns:mo="http://schemas.microsoft.com/office/mac/office/2008/main" xmlns:mv="urn:schemas-microsoft-com:mac:vml" xmlns:o="urn:schemas-microsoft-com:office:office" xmlns:v="urn:schemas-microsoft-com:vml" xmlns:w10="urn:schemas-microsoft-com:office:word" xmlns:w="http://schemas.openxmlformats.org/wordprocessingml/2006/main" xmlns:a14="http://schemas.microsoft.com/office/drawing/2010/main" xmlns:wps="http://schemas.microsoft.com/office/word/2010/wordprocessingShape" xmlns:wne="http://schemas.microsoft.com/office/word/2006/wordml" xmlns:wpi="http://schemas.microsoft.com/office/word/2010/wordprocessingInk" xmlns:wpg="http://schemas.microsoft.com/office/word/2010/wordprocessingGroup" xmlns:w15="http://schemas.microsoft.com/office/word/2012/wordml" xmlns:w14="http://schemas.microsoft.com/office/word/2010/wordml" xmlns:wp="http://schemas.openxmlformats.org/drawingml/2006/wordprocessingDrawing" xmlns:wp14="http://schemas.microsoft.com/office/word/2010/wordprocessingDrawing" xmlns:m="http://schemas.openxmlformats.org/officeDocument/2006/math" xmlns:mc="http://schemas.openxmlformats.org/markup-compatibility/2006" xmlns:wpc="http://schemas.microsoft.com/office/word/2010/wordprocessingCanvas">
+                <a:effectLst>
+                  <a:outerShdw dist="35921" dir="2700000" algn="ctr" rotWithShape="0">
+                    <a:srgbClr val="CCCCCC"/>
+                  </a:outerShdw>
+                </a:effectLst>
+              </a14:hiddenEffects>
+            </a:ext>
+          </a:extLst>
+        </p:spPr>
+      </p:cxnSp>
+      <p:cxnSp>
+        <p:nvCxnSpPr>
+          <p:cNvPr id="44" name="AutoShape 20"/>
+          <p:cNvCxnSpPr>
+            <a:cxnSpLocks noChangeShapeType="1"/>
+          </p:cNvCxnSpPr>
+          <p:nvPr/>
+        </p:nvCxnSpPr>
+        <p:spPr bwMode="auto">
+          <a:xfrm>
+            <a:off x="6673215" y="6040140"/>
+            <a:ext cx="0" cy="342900"/>
+          </a:xfrm>
+          <a:prstGeom prst="straightConnector1">
+            <a:avLst/>
+          </a:prstGeom>
+          <a:noFill/>
+          <a:ln w="9525">
+            <a:solidFill>
+              <a:srgbClr val="000000"/>
+            </a:solidFill>
+            <a:round/>
+            <a:headEnd/>
+            <a:tailEnd type="triangle" w="med" len="med"/>
+          </a:ln>
+          <a:effectLst/>
+          <a:extLst>
+            <a:ext uri="{909E8E84-426E-40dd-AFC4-6F175D3DCCD1}">
+              <a14:hiddenFill xmlns:lc="http://schemas.openxmlformats.org/drawingml/2006/lockedCanvas" xmlns="" xmlns:mo="http://schemas.microsoft.com/office/mac/office/2008/main" xmlns:mv="urn:schemas-microsoft-com:mac:vml" xmlns:o="urn:schemas-microsoft-com:office:office" xmlns:v="urn:schemas-microsoft-com:vml" xmlns:w10="urn:schemas-microsoft-com:office:word" xmlns:w="http://schemas.openxmlformats.org/wordprocessingml/2006/main" xmlns:a14="http://schemas.microsoft.com/office/drawing/2010/main" xmlns:wps="http://schemas.microsoft.com/office/word/2010/wordprocessingShape" xmlns:wne="http://schemas.microsoft.com/office/word/2006/wordml" xmlns:wpi="http://schemas.microsoft.com/office/word/2010/wordprocessingInk" xmlns:wpg="http://schemas.microsoft.com/office/word/2010/wordprocessingGroup" xmlns:w15="http://schemas.microsoft.com/office/word/2012/wordml" xmlns:w14="http://schemas.microsoft.com/office/word/2010/wordml" xmlns:wp="http://schemas.openxmlformats.org/drawingml/2006/wordprocessingDrawing" xmlns:wp14="http://schemas.microsoft.com/office/word/2010/wordprocessingDrawing" xmlns:m="http://schemas.openxmlformats.org/officeDocument/2006/math" xmlns:mc="http://schemas.openxmlformats.org/markup-compatibility/2006" xmlns:wpc="http://schemas.microsoft.com/office/word/2010/wordprocessingCanvas">
+                <a:noFill/>
+              </a14:hiddenFill>
+            </a:ext>
+            <a:ext uri="{AF507438-7753-43e0-B8FC-AC1667EBCBE1}">
+              <a14:hiddenEffects xmlns:lc="http://schemas.openxmlformats.org/drawingml/2006/lockedCanvas" xmlns="" xmlns:mo="http://schemas.microsoft.com/office/mac/office/2008/main" xmlns:mv="urn:schemas-microsoft-com:mac:vml" xmlns:o="urn:schemas-microsoft-com:office:office" xmlns:v="urn:schemas-microsoft-com:vml" xmlns:w10="urn:schemas-microsoft-com:office:word" xmlns:w="http://schemas.openxmlformats.org/wordprocessingml/2006/main" xmlns:a14="http://schemas.microsoft.com/office/drawing/2010/main" xmlns:wps="http://schemas.microsoft.com/office/word/2010/wordprocessingShape" xmlns:wne="http://schemas.microsoft.com/office/word/2006/wordml" xmlns:wpi="http://schemas.microsoft.com/office/word/2010/wordprocessingInk" xmlns:wpg="http://schemas.microsoft.com/office/word/2010/wordprocessingGroup" xmlns:w15="http://schemas.microsoft.com/office/word/2012/wordml" xmlns:w14="http://schemas.microsoft.com/office/word/2010/wordml" xmlns:wp="http://schemas.openxmlformats.org/drawingml/2006/wordprocessingDrawing" xmlns:wp14="http://schemas.microsoft.com/office/word/2010/wordprocessingDrawing" xmlns:m="http://schemas.openxmlformats.org/officeDocument/2006/math" xmlns:mc="http://schemas.openxmlformats.org/markup-compatibility/2006" xmlns:wpc="http://schemas.microsoft.com/office/word/2010/wordprocessingCanvas">
+                <a:effectLst>
+                  <a:outerShdw dist="35921" dir="2700000" algn="ctr" rotWithShape="0">
+                    <a:srgbClr val="CCCCCC"/>
+                  </a:outerShdw>
+                </a:effectLst>
+              </a14:hiddenEffects>
+            </a:ext>
+          </a:extLst>
+        </p:spPr>
+      </p:cxnSp>
+      <p:cxnSp>
+        <p:nvCxnSpPr>
+          <p:cNvPr id="45" name="AutoShape 21"/>
+          <p:cNvCxnSpPr>
+            <a:cxnSpLocks noChangeShapeType="1"/>
+          </p:cNvCxnSpPr>
+          <p:nvPr/>
+        </p:nvCxnSpPr>
+        <p:spPr bwMode="auto">
+          <a:xfrm>
+            <a:off x="6616700" y="3301385"/>
+            <a:ext cx="660400" cy="0"/>
+          </a:xfrm>
+          <a:prstGeom prst="straightConnector1">
+            <a:avLst/>
+          </a:prstGeom>
+          <a:noFill/>
+          <a:ln w="9525">
+            <a:solidFill>
+              <a:srgbClr val="000000"/>
+            </a:solidFill>
+            <a:round/>
+            <a:headEnd/>
+            <a:tailEnd type="triangle" w="med" len="med"/>
+          </a:ln>
+          <a:effectLst/>
+          <a:extLst>
+            <a:ext uri="{909E8E84-426E-40dd-AFC4-6F175D3DCCD1}">
+              <a14:hiddenFill xmlns:lc="http://schemas.openxmlformats.org/drawingml/2006/lockedCanvas" xmlns="" xmlns:mo="http://schemas.microsoft.com/office/mac/office/2008/main" xmlns:mv="urn:schemas-microsoft-com:mac:vml" xmlns:o="urn:schemas-microsoft-com:office:office" xmlns:v="urn:schemas-microsoft-com:vml" xmlns:w10="urn:schemas-microsoft-com:office:word" xmlns:w="http://schemas.openxmlformats.org/wordprocessingml/2006/main" xmlns:a14="http://schemas.microsoft.com/office/drawing/2010/main" xmlns:wps="http://schemas.microsoft.com/office/word/2010/wordprocessingShape" xmlns:wne="http://schemas.microsoft.com/office/word/2006/wordml" xmlns:wpi="http://schemas.microsoft.com/office/word/2010/wordprocessingInk" xmlns:wpg="http://schemas.microsoft.com/office/word/2010/wordprocessingGroup" xmlns:w15="http://schemas.microsoft.com/office/word/2012/wordml" xmlns:w14="http://schemas.microsoft.com/office/word/2010/wordml" xmlns:wp="http://schemas.openxmlformats.org/drawingml/2006/wordprocessingDrawing" xmlns:wp14="http://schemas.microsoft.com/office/word/2010/wordprocessingDrawing" xmlns:m="http://schemas.openxmlformats.org/officeDocument/2006/math" xmlns:mc="http://schemas.openxmlformats.org/markup-compatibility/2006" xmlns:wpc="http://schemas.microsoft.com/office/word/2010/wordprocessingCanvas">
+                <a:noFill/>
+              </a14:hiddenFill>
+            </a:ext>
+            <a:ext uri="{AF507438-7753-43e0-B8FC-AC1667EBCBE1}">
+              <a14:hiddenEffects xmlns:lc="http://schemas.openxmlformats.org/drawingml/2006/lockedCanvas" xmlns="" xmlns:mo="http://schemas.microsoft.com/office/mac/office/2008/main" xmlns:mv="urn:schemas-microsoft-com:mac:vml" xmlns:o="urn:schemas-microsoft-com:office:office" xmlns:v="urn:schemas-microsoft-com:vml" xmlns:w10="urn:schemas-microsoft-com:office:word" xmlns:w="http://schemas.openxmlformats.org/wordprocessingml/2006/main" xmlns:a14="http://schemas.microsoft.com/office/drawing/2010/main" xmlns:wps="http://schemas.microsoft.com/office/word/2010/wordprocessingShape" xmlns:wne="http://schemas.microsoft.com/office/word/2006/wordml" xmlns:wpi="http://schemas.microsoft.com/office/word/2010/wordprocessingInk" xmlns:wpg="http://schemas.microsoft.com/office/word/2010/wordprocessingGroup" xmlns:w15="http://schemas.microsoft.com/office/word/2012/wordml" xmlns:w14="http://schemas.microsoft.com/office/word/2010/wordml" xmlns:wp="http://schemas.openxmlformats.org/drawingml/2006/wordprocessingDrawing" xmlns:wp14="http://schemas.microsoft.com/office/word/2010/wordprocessingDrawing" xmlns:m="http://schemas.openxmlformats.org/officeDocument/2006/math" xmlns:mc="http://schemas.openxmlformats.org/markup-compatibility/2006" xmlns:wpc="http://schemas.microsoft.com/office/word/2010/wordprocessingCanvas">
+                <a:effectLst>
+                  <a:outerShdw dist="35921" dir="2700000" algn="ctr" rotWithShape="0">
+                    <a:srgbClr val="CCCCCC"/>
+                  </a:outerShdw>
+                </a:effectLst>
+              </a14:hiddenEffects>
+            </a:ext>
+          </a:extLst>
+        </p:spPr>
+      </p:cxnSp>
+      <p:cxnSp>
+        <p:nvCxnSpPr>
+          <p:cNvPr id="46" name="AutoShape 22"/>
+          <p:cNvCxnSpPr>
+            <a:cxnSpLocks noChangeShapeType="1"/>
+          </p:cNvCxnSpPr>
+          <p:nvPr/>
+        </p:nvCxnSpPr>
+        <p:spPr bwMode="auto">
+          <a:xfrm>
+            <a:off x="6616065" y="4336435"/>
+            <a:ext cx="600075" cy="635"/>
+          </a:xfrm>
+          <a:prstGeom prst="straightConnector1">
+            <a:avLst/>
+          </a:prstGeom>
+          <a:noFill/>
+          <a:ln w="9525">
+            <a:solidFill>
+              <a:srgbClr val="000000"/>
+            </a:solidFill>
+            <a:round/>
+            <a:headEnd/>
+            <a:tailEnd type="triangle" w="med" len="med"/>
+          </a:ln>
+          <a:effectLst/>
+          <a:extLst>
+            <a:ext uri="{909E8E84-426E-40dd-AFC4-6F175D3DCCD1}">
+              <a14:hiddenFill xmlns:lc="http://schemas.openxmlformats.org/drawingml/2006/lockedCanvas" xmlns="" xmlns:mo="http://schemas.microsoft.com/office/mac/office/2008/main" xmlns:mv="urn:schemas-microsoft-com:mac:vml" xmlns:o="urn:schemas-microsoft-com:office:office" xmlns:v="urn:schemas-microsoft-com:vml" xmlns:w10="urn:schemas-microsoft-com:office:word" xmlns:w="http://schemas.openxmlformats.org/wordprocessingml/2006/main" xmlns:a14="http://schemas.microsoft.com/office/drawing/2010/main" xmlns:wps="http://schemas.microsoft.com/office/word/2010/wordprocessingShape" xmlns:wne="http://schemas.microsoft.com/office/word/2006/wordml" xmlns:wpi="http://schemas.microsoft.com/office/word/2010/wordprocessingInk" xmlns:wpg="http://schemas.microsoft.com/office/word/2010/wordprocessingGroup" xmlns:w15="http://schemas.microsoft.com/office/word/2012/wordml" xmlns:w14="http://schemas.microsoft.com/office/word/2010/wordml" xmlns:wp="http://schemas.openxmlformats.org/drawingml/2006/wordprocessingDrawing" xmlns:wp14="http://schemas.microsoft.com/office/word/2010/wordprocessingDrawing" xmlns:m="http://schemas.openxmlformats.org/officeDocument/2006/math" xmlns:mc="http://schemas.openxmlformats.org/markup-compatibility/2006" xmlns:wpc="http://schemas.microsoft.com/office/word/2010/wordprocessingCanvas">
+                <a:noFill/>
+              </a14:hiddenFill>
+            </a:ext>
+            <a:ext uri="{AF507438-7753-43e0-B8FC-AC1667EBCBE1}">
+              <a14:hiddenEffects xmlns:lc="http://schemas.openxmlformats.org/drawingml/2006/lockedCanvas" xmlns="" xmlns:mo="http://schemas.microsoft.com/office/mac/office/2008/main" xmlns:mv="urn:schemas-microsoft-com:mac:vml" xmlns:o="urn:schemas-microsoft-com:office:office" xmlns:v="urn:schemas-microsoft-com:vml" xmlns:w10="urn:schemas-microsoft-com:office:word" xmlns:w="http://schemas.openxmlformats.org/wordprocessingml/2006/main" xmlns:a14="http://schemas.microsoft.com/office/drawing/2010/main" xmlns:wps="http://schemas.microsoft.com/office/word/2010/wordprocessingShape" xmlns:wne="http://schemas.microsoft.com/office/word/2006/wordml" xmlns:wpi="http://schemas.microsoft.com/office/word/2010/wordprocessingInk" xmlns:wpg="http://schemas.microsoft.com/office/word/2010/wordprocessingGroup" xmlns:w15="http://schemas.microsoft.com/office/word/2012/wordml" xmlns:w14="http://schemas.microsoft.com/office/word/2010/wordml" xmlns:wp="http://schemas.openxmlformats.org/drawingml/2006/wordprocessingDrawing" xmlns:wp14="http://schemas.microsoft.com/office/word/2010/wordprocessingDrawing" xmlns:m="http://schemas.openxmlformats.org/officeDocument/2006/math" xmlns:mc="http://schemas.openxmlformats.org/markup-compatibility/2006" xmlns:wpc="http://schemas.microsoft.com/office/word/2010/wordprocessingCanvas">
+                <a:effectLst>
+                  <a:outerShdw dist="35921" dir="2700000" algn="ctr" rotWithShape="0">
+                    <a:srgbClr val="CCCCCC"/>
+                  </a:outerShdw>
+                </a:effectLst>
+              </a14:hiddenEffects>
+            </a:ext>
+          </a:extLst>
+        </p:spPr>
+      </p:cxnSp>
+      <p:sp>
+        <p:nvSpPr>
+          <p:cNvPr id="47" name="Rectangle 26"/>
+          <p:cNvSpPr>
+            <a:spLocks noChangeArrowheads="1"/>
+          </p:cNvSpPr>
+          <p:nvPr/>
+        </p:nvSpPr>
+        <p:spPr bwMode="auto">
+          <a:xfrm>
+            <a:off x="3834765" y="5579765"/>
+            <a:ext cx="5105400" cy="1095375"/>
+          </a:xfrm>
+          <a:prstGeom prst="rect">
+            <a:avLst/>
+          </a:prstGeom>
+          <a:solidFill>
+            <a:srgbClr val="FFFFFF"/>
+          </a:solidFill>
+          <a:ln w="9525">
+            <a:solidFill>
+              <a:srgbClr val="000000"/>
+            </a:solidFill>
+            <a:miter lim="800000"/>
+            <a:headEnd/>
+            <a:tailEnd/>
+          </a:ln>
+        </p:spPr>
+        <p:txBody>
+          <a:bodyPr vert="horz" wrap="square" lIns="91440" tIns="91440" rIns="91440" bIns="91440" numCol="1" anchor="t" anchorCtr="0" compatLnSpc="1">
+            <a:prstTxWarp prst="textNoShape">
+              <a:avLst/>
+            </a:prstTxWarp>
+          </a:bodyPr>
+          <a:lstStyle/>
+          <a:p>
+            <a:pPr marL="0" marR="0" lvl="0" indent="0" algn="ctr" defTabSz="914400" rtl="0" eaLnBrk="0" fontAlgn="base" latinLnBrk="0" hangingPunct="0">
+              <a:lnSpc>
+                <a:spcPct val="100000"/>
+              </a:lnSpc>
+              <a:spcBef>
+                <a:spcPct val="0"/>
+              </a:spcBef>
+              <a:spcAft>
+                <a:spcPct val="0"/>
+              </a:spcAft>
+              <a:buClrTx/>
+              <a:buSzTx/>
+              <a:buFontTx/>
+              <a:buNone/>
+              <a:tabLst/>
+            </a:pPr>
+            <a:r>
+              <a:rPr kumimoji="0" lang="en-US" altLang="en-US" sz="1200" b="0" i="0" u="none" strike="noStrike" cap="none" normalizeH="0" baseline="0" smtClean="0">
+                <a:ln>
+                  <a:noFill/>
+                </a:ln>
+                <a:solidFill>
+                  <a:schemeClr val="tx1"/>
+                </a:solidFill>
+                <a:effectLst/>
+                <a:latin typeface="Times New Roman" panose="02020603050405020304" pitchFamily="18" charset="0"/>
+                <a:ea typeface="Calibri" panose="020F0502020204030204" pitchFamily="34" charset="0"/>
+                <a:cs typeface="Times New Roman" panose="02020603050405020304" pitchFamily="18" charset="0"/>
+              </a:rPr>
+              <a:t>Extracted data: </a:t>
+            </a:r>
+          </a:p>
+          <a:p>
+            <a:pPr marL="0" marR="0" lvl="0" indent="0" algn="ctr" defTabSz="914400" rtl="0" eaLnBrk="0" fontAlgn="base" latinLnBrk="0" hangingPunct="0">
+              <a:lnSpc>
+                <a:spcPct val="100000"/>
+              </a:lnSpc>
+              <a:spcBef>
+                <a:spcPct val="0"/>
+              </a:spcBef>
+              <a:spcAft>
+                <a:spcPct val="0"/>
+              </a:spcAft>
+              <a:buClrTx/>
+              <a:buSzTx/>
+              <a:buFontTx/>
+              <a:buNone/>
+              <a:tabLst/>
+            </a:pPr>
+            <a:r>
+              <a:rPr kumimoji="0" lang="en-US" altLang="en-US" sz="1200" b="0" i="0" u="none" strike="noStrike" cap="none" normalizeH="0" baseline="0" smtClean="0">
+                <a:ln>
+                  <a:noFill/>
+                </a:ln>
+                <a:solidFill>
+                  <a:schemeClr val="tx1"/>
+                </a:solidFill>
+                <a:effectLst/>
+                <a:latin typeface="Times New Roman" panose="02020603050405020304" pitchFamily="18" charset="0"/>
+                <a:ea typeface="Calibri" panose="020F0502020204030204" pitchFamily="34" charset="0"/>
+                <a:cs typeface="Times New Roman" panose="02020603050405020304" pitchFamily="18" charset="0"/>
+              </a:rPr>
+              <a:t>Location (lat, long), duration.hours, duration.months, camera trap days, number of records, animal richness, scientific name, year, number of cameras, number of sites, month of study, type of ecosystem, study design, and some measure of temperature for study period </a:t>
+            </a:r>
           </a:p>
           <a:p>
             <a:pPr marL="0" marR="0" lvl="0" indent="0" algn="l" defTabSz="914400" rtl="0" eaLnBrk="0" fontAlgn="base" latinLnBrk="0" hangingPunct="0">
@@ -15445,9 +16822,135 @@
           </a:p>
         </p:txBody>
       </p:sp>
+      <p:sp>
+        <p:nvSpPr>
+          <p:cNvPr id="48" name="Rectangle 58"/>
+          <p:cNvSpPr>
+            <a:spLocks noChangeArrowheads="1"/>
+          </p:cNvSpPr>
+          <p:nvPr/>
+        </p:nvSpPr>
+        <p:spPr bwMode="auto">
+          <a:xfrm>
+            <a:off x="3063240" y="-260350"/>
+            <a:ext cx="12192000" cy="457200"/>
+          </a:xfrm>
+          <a:prstGeom prst="rect">
+            <a:avLst/>
+          </a:prstGeom>
+          <a:noFill/>
+          <a:ln>
+            <a:noFill/>
+          </a:ln>
+          <a:effectLst/>
+          <a:extLst>
+            <a:ext uri="{909E8E84-426E-40DD-AFC4-6F175D3DCCD1}">
+              <a14:hiddenFill xmlns:a14="http://schemas.microsoft.com/office/drawing/2010/main">
+                <a:solidFill>
+                  <a:schemeClr val="accent1"/>
+                </a:solidFill>
+              </a14:hiddenFill>
+            </a:ext>
+            <a:ext uri="{91240B29-F687-4F45-9708-019B960494DF}">
+              <a14:hiddenLine xmlns:a14="http://schemas.microsoft.com/office/drawing/2010/main" w="9525">
+                <a:solidFill>
+                  <a:schemeClr val="tx1"/>
+                </a:solidFill>
+                <a:miter lim="800000"/>
+                <a:headEnd/>
+                <a:tailEnd/>
+              </a14:hiddenLine>
+            </a:ext>
+            <a:ext uri="{AF507438-7753-43E0-B8FC-AC1667EBCBE1}">
+              <a14:hiddenEffects xmlns:a14="http://schemas.microsoft.com/office/drawing/2010/main">
+                <a:effectLst>
+                  <a:outerShdw dist="35921" dir="2700000" algn="ctr" rotWithShape="0">
+                    <a:schemeClr val="bg2"/>
+                  </a:outerShdw>
+                </a:effectLst>
+              </a14:hiddenEffects>
+            </a:ext>
+          </a:extLst>
+        </p:spPr>
+        <p:txBody>
+          <a:bodyPr vert="horz" wrap="none" lIns="91440" tIns="45720" rIns="91440" bIns="45720" numCol="1" anchor="ctr" anchorCtr="0" compatLnSpc="1">
+            <a:prstTxWarp prst="textNoShape">
+              <a:avLst/>
+            </a:prstTxWarp>
+            <a:spAutoFit/>
+          </a:bodyPr>
+          <a:lstStyle/>
+          <a:p>
+            <a:endParaRPr lang="en-CA"/>
+          </a:p>
+        </p:txBody>
+      </p:sp>
+      <p:sp>
+        <p:nvSpPr>
+          <p:cNvPr id="49" name="Rectangle 72"/>
+          <p:cNvSpPr>
+            <a:spLocks noChangeArrowheads="1"/>
+          </p:cNvSpPr>
+          <p:nvPr/>
+        </p:nvSpPr>
+        <p:spPr bwMode="auto">
+          <a:xfrm>
+            <a:off x="3063240" y="196850"/>
+            <a:ext cx="12192000" cy="457200"/>
+          </a:xfrm>
+          <a:prstGeom prst="rect">
+            <a:avLst/>
+          </a:prstGeom>
+          <a:noFill/>
+          <a:ln>
+            <a:noFill/>
+          </a:ln>
+          <a:effectLst/>
+          <a:extLst>
+            <a:ext uri="{909E8E84-426E-40DD-AFC4-6F175D3DCCD1}">
+              <a14:hiddenFill xmlns:a14="http://schemas.microsoft.com/office/drawing/2010/main">
+                <a:solidFill>
+                  <a:schemeClr val="accent1"/>
+                </a:solidFill>
+              </a14:hiddenFill>
+            </a:ext>
+            <a:ext uri="{91240B29-F687-4F45-9708-019B960494DF}">
+              <a14:hiddenLine xmlns:a14="http://schemas.microsoft.com/office/drawing/2010/main" w="9525">
+                <a:solidFill>
+                  <a:schemeClr val="tx1"/>
+                </a:solidFill>
+                <a:miter lim="800000"/>
+                <a:headEnd/>
+                <a:tailEnd/>
+              </a14:hiddenLine>
+            </a:ext>
+            <a:ext uri="{AF507438-7753-43E0-B8FC-AC1667EBCBE1}">
+              <a14:hiddenEffects xmlns:a14="http://schemas.microsoft.com/office/drawing/2010/main">
+                <a:effectLst>
+                  <a:outerShdw dist="35921" dir="2700000" algn="ctr" rotWithShape="0">
+                    <a:schemeClr val="bg2"/>
+                  </a:outerShdw>
+                </a:effectLst>
+              </a14:hiddenEffects>
+            </a:ext>
+          </a:extLst>
+        </p:spPr>
+        <p:txBody>
+          <a:bodyPr vert="horz" wrap="none" lIns="91440" tIns="45720" rIns="91440" bIns="45720" numCol="1" anchor="ctr" anchorCtr="0" compatLnSpc="1">
+            <a:prstTxWarp prst="textNoShape">
+              <a:avLst/>
+            </a:prstTxWarp>
+            <a:spAutoFit/>
+          </a:bodyPr>
+          <a:lstStyle/>
+          <a:p>
+            <a:endParaRPr lang="en-CA"/>
+          </a:p>
+        </p:txBody>
+      </p:sp>
       <p:cxnSp>
         <p:nvCxnSpPr>
-          <p:cNvPr id="31" name="AutoShape 6"/>
+          <p:cNvPr id="50" name="AutoShape 18"/>
           <p:cNvCxnSpPr>
             <a:cxnSpLocks noChangeShapeType="1"/>
           </p:cNvCxnSpPr>
@@ -15455,8 +16958,8 @@
         </p:nvCxnSpPr>
         <p:spPr bwMode="auto">
           <a:xfrm>
-            <a:off x="5530215" y="2049165"/>
-            <a:ext cx="0" cy="457200"/>
+            <a:off x="5749290" y="4583290"/>
+            <a:ext cx="0" cy="276225"/>
           </a:xfrm>
           <a:prstGeom prst="straightConnector1">
             <a:avLst/>
@@ -15473,12 +16976,12 @@
           <a:effectLst/>
           <a:extLst>
             <a:ext uri="{909E8E84-426E-40dd-AFC4-6F175D3DCCD1}">
-              <a14:hiddenFill xmlns:wpc="http://schemas.microsoft.com/office/word/2010/wordprocessingCanvas" xmlns:mc="http://schemas.openxmlformats.org/markup-compatibility/2006" xmlns:m="http://schemas.openxmlformats.org/officeDocument/2006/math" xmlns:wp14="http://schemas.microsoft.com/office/word/2010/wordprocessingDrawing" xmlns:wp="http://schemas.openxmlformats.org/drawingml/2006/wordprocessingDrawing" xmlns:w14="http://schemas.microsoft.com/office/word/2010/wordml" xmlns:w15="http://schemas.microsoft.com/office/word/2012/wordml" xmlns:wpg="http://schemas.microsoft.com/office/word/2010/wordprocessingGroup" xmlns:wpi="http://schemas.microsoft.com/office/word/2010/wordprocessingInk" xmlns:wne="http://schemas.microsoft.com/office/word/2006/wordml" xmlns:wps="http://schemas.microsoft.com/office/word/2010/wordprocessingShape" xmlns:a14="http://schemas.microsoft.com/office/drawing/2010/main" xmlns:w="http://schemas.openxmlformats.org/wordprocessingml/2006/main" xmlns:w10="urn:schemas-microsoft-com:office:word" xmlns:v="urn:schemas-microsoft-com:vml" xmlns:o="urn:schemas-microsoft-com:office:office" xmlns:mv="urn:schemas-microsoft-com:mac:vml" xmlns:mo="http://schemas.microsoft.com/office/mac/office/2008/main" xmlns="" xmlns:lc="http://schemas.openxmlformats.org/drawingml/2006/lockedCanvas">
+              <a14:hiddenFill xmlns:lc="http://schemas.openxmlformats.org/drawingml/2006/lockedCanvas" xmlns="" xmlns:mo="http://schemas.microsoft.com/office/mac/office/2008/main" xmlns:mv="urn:schemas-microsoft-com:mac:vml" xmlns:o="urn:schemas-microsoft-com:office:office" xmlns:v="urn:schemas-microsoft-com:vml" xmlns:w10="urn:schemas-microsoft-com:office:word" xmlns:w="http://schemas.openxmlformats.org/wordprocessingml/2006/main" xmlns:a14="http://schemas.microsoft.com/office/drawing/2010/main" xmlns:wps="http://schemas.microsoft.com/office/word/2010/wordprocessingShape" xmlns:wne="http://schemas.microsoft.com/office/word/2006/wordml" xmlns:wpi="http://schemas.microsoft.com/office/word/2010/wordprocessingInk" xmlns:wpg="http://schemas.microsoft.com/office/word/2010/wordprocessingGroup" xmlns:w15="http://schemas.microsoft.com/office/word/2012/wordml" xmlns:w14="http://schemas.microsoft.com/office/word/2010/wordml" xmlns:wp="http://schemas.openxmlformats.org/drawingml/2006/wordprocessingDrawing" xmlns:wp14="http://schemas.microsoft.com/office/word/2010/wordprocessingDrawing" xmlns:m="http://schemas.openxmlformats.org/officeDocument/2006/math" xmlns:mc="http://schemas.openxmlformats.org/markup-compatibility/2006" xmlns:wpc="http://schemas.microsoft.com/office/word/2010/wordprocessingCanvas">
                 <a:noFill/>
               </a14:hiddenFill>
             </a:ext>
             <a:ext uri="{AF507438-7753-43e0-B8FC-AC1667EBCBE1}">
-              <a14:hiddenEffects xmlns:wpc="http://schemas.microsoft.com/office/word/2010/wordprocessingCanvas" xmlns:mc="http://schemas.openxmlformats.org/markup-compatibility/2006" xmlns:m="http://schemas.openxmlformats.org/officeDocument/2006/math" xmlns:wp14="http://schemas.microsoft.com/office/word/2010/wordprocessingDrawing" xmlns:wp="http://schemas.openxmlformats.org/drawingml/2006/wordprocessingDrawing" xmlns:w14="http://schemas.microsoft.com/office/word/2010/wordml" xmlns:w15="http://schemas.microsoft.com/office/word/2012/wordml" xmlns:wpg="http://schemas.microsoft.com/office/word/2010/wordprocessingGroup" xmlns:wpi="http://schemas.microsoft.com/office/word/2010/wordprocessingInk" xmlns:wne="http://schemas.microsoft.com/office/word/2006/wordml" xmlns:wps="http://schemas.microsoft.com/office/word/2010/wordprocessingShape" xmlns:a14="http://schemas.microsoft.com/office/drawing/2010/main" xmlns:w="http://schemas.openxmlformats.org/wordprocessingml/2006/main" xmlns:w10="urn:schemas-microsoft-com:office:word" xmlns:v="urn:schemas-microsoft-com:vml" xmlns:o="urn:schemas-microsoft-com:office:office" xmlns:mv="urn:schemas-microsoft-com:mac:vml" xmlns:mo="http://schemas.microsoft.com/office/mac/office/2008/main" xmlns="" xmlns:lc="http://schemas.openxmlformats.org/drawingml/2006/lockedCanvas">
+              <a14:hiddenEffects xmlns:lc="http://schemas.openxmlformats.org/drawingml/2006/lockedCanvas" xmlns="" xmlns:mo="http://schemas.microsoft.com/office/mac/office/2008/main" xmlns:mv="urn:schemas-microsoft-com:mac:vml" xmlns:o="urn:schemas-microsoft-com:office:office" xmlns:v="urn:schemas-microsoft-com:vml" xmlns:w10="urn:schemas-microsoft-com:office:word" xmlns:w="http://schemas.openxmlformats.org/wordprocessingml/2006/main" xmlns:a14="http://schemas.microsoft.com/office/drawing/2010/main" xmlns:wps="http://schemas.microsoft.com/office/word/2010/wordprocessingShape" xmlns:wne="http://schemas.microsoft.com/office/word/2006/wordml" xmlns:wpi="http://schemas.microsoft.com/office/word/2010/wordprocessingInk" xmlns:wpg="http://schemas.microsoft.com/office/word/2010/wordprocessingGroup" xmlns:w15="http://schemas.microsoft.com/office/word/2012/wordml" xmlns:w14="http://schemas.microsoft.com/office/word/2010/wordml" xmlns:wp="http://schemas.openxmlformats.org/drawingml/2006/wordprocessingDrawing" xmlns:wp14="http://schemas.microsoft.com/office/word/2010/wordprocessingDrawing" xmlns:m="http://schemas.openxmlformats.org/officeDocument/2006/math" xmlns:mc="http://schemas.openxmlformats.org/markup-compatibility/2006" xmlns:wpc="http://schemas.microsoft.com/office/word/2010/wordprocessingCanvas">
                 <a:effectLst>
                   <a:outerShdw dist="35921" dir="2700000" algn="ctr" rotWithShape="0">
                     <a:srgbClr val="CCCCCC"/>
@@ -15489,1512 +16992,6 @@
           </a:extLst>
         </p:spPr>
       </p:cxnSp>
-      <p:cxnSp>
-        <p:nvCxnSpPr>
-          <p:cNvPr id="32" name="AutoShape 7"/>
-          <p:cNvCxnSpPr>
-            <a:cxnSpLocks noChangeShapeType="1"/>
-          </p:cNvCxnSpPr>
-          <p:nvPr/>
-        </p:nvCxnSpPr>
-        <p:spPr bwMode="auto">
-          <a:xfrm>
-            <a:off x="6673215" y="1237635"/>
-            <a:ext cx="0" cy="457200"/>
-          </a:xfrm>
-          <a:prstGeom prst="straightConnector1">
-            <a:avLst/>
-          </a:prstGeom>
-          <a:noFill/>
-          <a:ln w="9525">
-            <a:solidFill>
-              <a:srgbClr val="000000"/>
-            </a:solidFill>
-            <a:round/>
-            <a:headEnd/>
-            <a:tailEnd type="triangle" w="med" len="med"/>
-          </a:ln>
-          <a:effectLst/>
-          <a:extLst>
-            <a:ext uri="{909E8E84-426E-40dd-AFC4-6F175D3DCCD1}">
-              <a14:hiddenFill xmlns:wpc="http://schemas.microsoft.com/office/word/2010/wordprocessingCanvas" xmlns:mc="http://schemas.openxmlformats.org/markup-compatibility/2006" xmlns:m="http://schemas.openxmlformats.org/officeDocument/2006/math" xmlns:wp14="http://schemas.microsoft.com/office/word/2010/wordprocessingDrawing" xmlns:wp="http://schemas.openxmlformats.org/drawingml/2006/wordprocessingDrawing" xmlns:w14="http://schemas.microsoft.com/office/word/2010/wordml" xmlns:w15="http://schemas.microsoft.com/office/word/2012/wordml" xmlns:wpg="http://schemas.microsoft.com/office/word/2010/wordprocessingGroup" xmlns:wpi="http://schemas.microsoft.com/office/word/2010/wordprocessingInk" xmlns:wne="http://schemas.microsoft.com/office/word/2006/wordml" xmlns:wps="http://schemas.microsoft.com/office/word/2010/wordprocessingShape" xmlns:a14="http://schemas.microsoft.com/office/drawing/2010/main" xmlns:w="http://schemas.openxmlformats.org/wordprocessingml/2006/main" xmlns:w10="urn:schemas-microsoft-com:office:word" xmlns:v="urn:schemas-microsoft-com:vml" xmlns:o="urn:schemas-microsoft-com:office:office" xmlns:mv="urn:schemas-microsoft-com:mac:vml" xmlns:mo="http://schemas.microsoft.com/office/mac/office/2008/main" xmlns="" xmlns:lc="http://schemas.openxmlformats.org/drawingml/2006/lockedCanvas">
-                <a:noFill/>
-              </a14:hiddenFill>
-            </a:ext>
-            <a:ext uri="{AF507438-7753-43e0-B8FC-AC1667EBCBE1}">
-              <a14:hiddenEffects xmlns:wpc="http://schemas.microsoft.com/office/word/2010/wordprocessingCanvas" xmlns:mc="http://schemas.openxmlformats.org/markup-compatibility/2006" xmlns:m="http://schemas.openxmlformats.org/officeDocument/2006/math" xmlns:wp14="http://schemas.microsoft.com/office/word/2010/wordprocessingDrawing" xmlns:wp="http://schemas.openxmlformats.org/drawingml/2006/wordprocessingDrawing" xmlns:w14="http://schemas.microsoft.com/office/word/2010/wordml" xmlns:w15="http://schemas.microsoft.com/office/word/2012/wordml" xmlns:wpg="http://schemas.microsoft.com/office/word/2010/wordprocessingGroup" xmlns:wpi="http://schemas.microsoft.com/office/word/2010/wordprocessingInk" xmlns:wne="http://schemas.microsoft.com/office/word/2006/wordml" xmlns:wps="http://schemas.microsoft.com/office/word/2010/wordprocessingShape" xmlns:a14="http://schemas.microsoft.com/office/drawing/2010/main" xmlns:w="http://schemas.openxmlformats.org/wordprocessingml/2006/main" xmlns:w10="urn:schemas-microsoft-com:office:word" xmlns:v="urn:schemas-microsoft-com:vml" xmlns:o="urn:schemas-microsoft-com:office:office" xmlns:mv="urn:schemas-microsoft-com:mac:vml" xmlns:mo="http://schemas.microsoft.com/office/mac/office/2008/main" xmlns="" xmlns:lc="http://schemas.openxmlformats.org/drawingml/2006/lockedCanvas">
-                <a:effectLst>
-                  <a:outerShdw dist="35921" dir="2700000" algn="ctr" rotWithShape="0">
-                    <a:srgbClr val="CCCCCC"/>
-                  </a:outerShdw>
-                </a:effectLst>
-              </a14:hiddenEffects>
-            </a:ext>
-          </a:extLst>
-        </p:spPr>
-      </p:cxnSp>
-      <p:sp>
-        <p:nvSpPr>
-          <p:cNvPr id="33" name="AutoShape 8"/>
-          <p:cNvSpPr>
-            <a:spLocks noChangeArrowheads="1"/>
-          </p:cNvSpPr>
-          <p:nvPr/>
-        </p:nvSpPr>
-        <p:spPr bwMode="auto">
-          <a:xfrm rot="-5400000">
-            <a:off x="2049621" y="632004"/>
-            <a:ext cx="1371600" cy="296862"/>
-          </a:xfrm>
-          <a:prstGeom prst="roundRect">
-            <a:avLst>
-              <a:gd name="adj" fmla="val 16667"/>
-            </a:avLst>
-          </a:prstGeom>
-          <a:solidFill>
-            <a:srgbClr val="CCECFF"/>
-          </a:solidFill>
-          <a:ln w="9525">
-            <a:solidFill>
-              <a:srgbClr val="000000"/>
-            </a:solidFill>
-            <a:round/>
-            <a:headEnd/>
-            <a:tailEnd/>
-          </a:ln>
-        </p:spPr>
-        <p:txBody>
-          <a:bodyPr vert="horz" wrap="square" lIns="45720" tIns="45720" rIns="45720" bIns="45720" numCol="1" anchor="t" anchorCtr="0" compatLnSpc="1">
-            <a:prstTxWarp prst="textNoShape">
-              <a:avLst/>
-            </a:prstTxWarp>
-          </a:bodyPr>
-          <a:lstStyle/>
-          <a:p>
-            <a:pPr marL="0" marR="0" lvl="0" indent="0" algn="ctr" defTabSz="914400" rtl="0" eaLnBrk="0" fontAlgn="base" latinLnBrk="0" hangingPunct="0">
-              <a:lnSpc>
-                <a:spcPct val="100000"/>
-              </a:lnSpc>
-              <a:spcBef>
-                <a:spcPct val="0"/>
-              </a:spcBef>
-              <a:spcAft>
-                <a:spcPct val="0"/>
-              </a:spcAft>
-              <a:buClrTx/>
-              <a:buSzTx/>
-              <a:buFontTx/>
-              <a:buNone/>
-              <a:tabLst/>
-            </a:pPr>
-            <a:r>
-              <a:rPr kumimoji="0" lang="en-US" altLang="en-US" sz="1100" b="0" i="0" u="none" strike="noStrike" cap="none" normalizeH="0" baseline="0" smtClean="0">
-                <a:ln>
-                  <a:noFill/>
-                </a:ln>
-                <a:solidFill>
-                  <a:schemeClr val="tx1"/>
-                </a:solidFill>
-                <a:effectLst/>
-                <a:latin typeface="Calibri Light" panose="020F0302020204030204" pitchFamily="34" charset="0"/>
-                <a:ea typeface="Times New Roman" panose="02020603050405020304" pitchFamily="18" charset="0"/>
-                <a:cs typeface="Times New Roman" panose="02020603050405020304" pitchFamily="18" charset="0"/>
-              </a:rPr>
-              <a:t>Identification</a:t>
-            </a:r>
-            <a:endParaRPr kumimoji="0" lang="en-US" altLang="en-US" sz="1300" b="0" i="0" u="none" strike="noStrike" cap="none" normalizeH="0" baseline="0" smtClean="0">
-              <a:ln>
-                <a:noFill/>
-              </a:ln>
-              <a:solidFill>
-                <a:srgbClr val="2E74B5"/>
-              </a:solidFill>
-              <a:effectLst/>
-              <a:latin typeface="Calibri Light" panose="020F0302020204030204" pitchFamily="34" charset="0"/>
-              <a:ea typeface="Times New Roman" panose="02020603050405020304" pitchFamily="18" charset="0"/>
-              <a:cs typeface="Times New Roman" panose="02020603050405020304" pitchFamily="18" charset="0"/>
-            </a:endParaRPr>
-          </a:p>
-          <a:p>
-            <a:pPr marL="0" marR="0" lvl="0" indent="0" algn="l" defTabSz="914400" rtl="0" eaLnBrk="0" fontAlgn="base" latinLnBrk="0" hangingPunct="0">
-              <a:lnSpc>
-                <a:spcPct val="100000"/>
-              </a:lnSpc>
-              <a:spcBef>
-                <a:spcPct val="0"/>
-              </a:spcBef>
-              <a:spcAft>
-                <a:spcPct val="0"/>
-              </a:spcAft>
-              <a:buClrTx/>
-              <a:buSzTx/>
-              <a:buFontTx/>
-              <a:buNone/>
-              <a:tabLst/>
-            </a:pPr>
-            <a:endParaRPr kumimoji="0" lang="en-US" altLang="en-US" sz="1800" b="0" i="0" u="none" strike="noStrike" cap="none" normalizeH="0" baseline="0" smtClean="0">
-              <a:ln>
-                <a:noFill/>
-              </a:ln>
-              <a:solidFill>
-                <a:schemeClr val="tx1"/>
-              </a:solidFill>
-              <a:effectLst/>
-              <a:latin typeface="Arial" panose="020B0604020202020204" pitchFamily="34" charset="0"/>
-            </a:endParaRPr>
-          </a:p>
-        </p:txBody>
-      </p:sp>
-      <p:sp>
-        <p:nvSpPr>
-          <p:cNvPr id="34" name="Rectangle 9"/>
-          <p:cNvSpPr>
-            <a:spLocks noChangeArrowheads="1"/>
-          </p:cNvSpPr>
-          <p:nvPr/>
-        </p:nvSpPr>
-        <p:spPr bwMode="auto">
-          <a:xfrm>
-            <a:off x="5931853" y="548660"/>
-            <a:ext cx="2484437" cy="747713"/>
-          </a:xfrm>
-          <a:prstGeom prst="rect">
-            <a:avLst/>
-          </a:prstGeom>
-          <a:solidFill>
-            <a:srgbClr val="FFFFFF"/>
-          </a:solidFill>
-          <a:ln w="9525">
-            <a:solidFill>
-              <a:srgbClr val="000000"/>
-            </a:solidFill>
-            <a:miter lim="800000"/>
-            <a:headEnd/>
-            <a:tailEnd/>
-          </a:ln>
-        </p:spPr>
-        <p:txBody>
-          <a:bodyPr vert="horz" wrap="square" lIns="91440" tIns="91440" rIns="91440" bIns="91440" numCol="1" anchor="t" anchorCtr="0" compatLnSpc="1">
-            <a:prstTxWarp prst="textNoShape">
-              <a:avLst/>
-            </a:prstTxWarp>
-          </a:bodyPr>
-          <a:lstStyle/>
-          <a:p>
-            <a:pPr marL="0" marR="0" lvl="0" indent="0" algn="ctr" defTabSz="914400" rtl="0" eaLnBrk="0" fontAlgn="base" latinLnBrk="0" hangingPunct="0">
-              <a:lnSpc>
-                <a:spcPct val="100000"/>
-              </a:lnSpc>
-              <a:spcBef>
-                <a:spcPct val="0"/>
-              </a:spcBef>
-              <a:spcAft>
-                <a:spcPct val="0"/>
-              </a:spcAft>
-              <a:buClrTx/>
-              <a:buSzTx/>
-              <a:buFontTx/>
-              <a:buNone/>
-              <a:tabLst/>
-            </a:pPr>
-            <a:r>
-              <a:rPr kumimoji="0" lang="en-US" altLang="en-US" sz="1200" b="0" i="0" u="none" strike="noStrike" cap="none" normalizeH="0" baseline="0" smtClean="0">
-                <a:ln>
-                  <a:noFill/>
-                </a:ln>
-                <a:solidFill>
-                  <a:schemeClr val="tx1"/>
-                </a:solidFill>
-                <a:effectLst/>
-                <a:latin typeface="Times New Roman" panose="02020603050405020304" pitchFamily="18" charset="0"/>
-                <a:ea typeface="Calibri" panose="020F0502020204030204" pitchFamily="34" charset="0"/>
-                <a:cs typeface="Times New Roman" panose="02020603050405020304" pitchFamily="18" charset="0"/>
-              </a:rPr>
-              <a:t>Papers obtained from other sources, such as book chapter bibliographies</a:t>
-            </a:r>
-          </a:p>
-          <a:p>
-            <a:pPr marL="0" marR="0" lvl="0" indent="0" algn="ctr" defTabSz="914400" rtl="0" eaLnBrk="0" fontAlgn="base" latinLnBrk="0" hangingPunct="0">
-              <a:lnSpc>
-                <a:spcPct val="100000"/>
-              </a:lnSpc>
-              <a:spcBef>
-                <a:spcPct val="0"/>
-              </a:spcBef>
-              <a:spcAft>
-                <a:spcPct val="0"/>
-              </a:spcAft>
-              <a:buClrTx/>
-              <a:buSzTx/>
-              <a:buFontTx/>
-              <a:buNone/>
-              <a:tabLst/>
-            </a:pPr>
-            <a:r>
-              <a:rPr kumimoji="0" lang="en-US" altLang="en-US" sz="1200" b="0" i="0" u="none" strike="noStrike" cap="none" normalizeH="0" baseline="0" smtClean="0">
-                <a:ln>
-                  <a:noFill/>
-                </a:ln>
-                <a:solidFill>
-                  <a:schemeClr val="tx1"/>
-                </a:solidFill>
-                <a:effectLst/>
-                <a:latin typeface="Times New Roman" panose="02020603050405020304" pitchFamily="18" charset="0"/>
-                <a:ea typeface="Calibri" panose="020F0502020204030204" pitchFamily="34" charset="0"/>
-                <a:cs typeface="Times New Roman" panose="02020603050405020304" pitchFamily="18" charset="0"/>
-              </a:rPr>
-              <a:t>(n= 0)</a:t>
-            </a:r>
-          </a:p>
-          <a:p>
-            <a:pPr marL="0" marR="0" lvl="0" indent="0" algn="l" defTabSz="914400" rtl="0" eaLnBrk="0" fontAlgn="base" latinLnBrk="0" hangingPunct="0">
-              <a:lnSpc>
-                <a:spcPct val="100000"/>
-              </a:lnSpc>
-              <a:spcBef>
-                <a:spcPct val="0"/>
-              </a:spcBef>
-              <a:spcAft>
-                <a:spcPct val="0"/>
-              </a:spcAft>
-              <a:buClrTx/>
-              <a:buSzTx/>
-              <a:buFontTx/>
-              <a:buNone/>
-              <a:tabLst/>
-            </a:pPr>
-            <a:endParaRPr kumimoji="0" lang="en-US" altLang="en-US" sz="1800" b="0" i="0" u="none" strike="noStrike" cap="none" normalizeH="0" baseline="0" smtClean="0">
-              <a:ln>
-                <a:noFill/>
-              </a:ln>
-              <a:solidFill>
-                <a:schemeClr val="tx1"/>
-              </a:solidFill>
-              <a:effectLst/>
-              <a:latin typeface="Arial" panose="020B0604020202020204" pitchFamily="34" charset="0"/>
-            </a:endParaRPr>
-          </a:p>
-        </p:txBody>
-      </p:sp>
-      <p:sp>
-        <p:nvSpPr>
-          <p:cNvPr id="35" name="Rectangle 10"/>
-          <p:cNvSpPr>
-            <a:spLocks noChangeArrowheads="1"/>
-          </p:cNvSpPr>
-          <p:nvPr/>
-        </p:nvSpPr>
-        <p:spPr bwMode="auto">
-          <a:xfrm>
-            <a:off x="4372927" y="1942485"/>
-            <a:ext cx="2771775" cy="571500"/>
-          </a:xfrm>
-          <a:prstGeom prst="rect">
-            <a:avLst/>
-          </a:prstGeom>
-          <a:solidFill>
-            <a:srgbClr val="FFFFFF"/>
-          </a:solidFill>
-          <a:ln w="9525">
-            <a:solidFill>
-              <a:srgbClr val="000000"/>
-            </a:solidFill>
-            <a:miter lim="800000"/>
-            <a:headEnd/>
-            <a:tailEnd/>
-          </a:ln>
-        </p:spPr>
-        <p:txBody>
-          <a:bodyPr vert="horz" wrap="square" lIns="91440" tIns="91440" rIns="91440" bIns="91440" numCol="1" anchor="t" anchorCtr="0" compatLnSpc="1">
-            <a:prstTxWarp prst="textNoShape">
-              <a:avLst/>
-            </a:prstTxWarp>
-          </a:bodyPr>
-          <a:lstStyle/>
-          <a:p>
-            <a:pPr marL="0" marR="0" lvl="0" indent="0" algn="ctr" defTabSz="914400" rtl="0" eaLnBrk="0" fontAlgn="base" latinLnBrk="0" hangingPunct="0">
-              <a:lnSpc>
-                <a:spcPct val="100000"/>
-              </a:lnSpc>
-              <a:spcBef>
-                <a:spcPct val="0"/>
-              </a:spcBef>
-              <a:spcAft>
-                <a:spcPct val="0"/>
-              </a:spcAft>
-              <a:buClrTx/>
-              <a:buSzTx/>
-              <a:buFontTx/>
-              <a:buNone/>
-              <a:tabLst/>
-            </a:pPr>
-            <a:r>
-              <a:rPr kumimoji="0" lang="en-US" altLang="en-US" sz="1200" b="0" i="0" u="none" strike="noStrike" cap="none" normalizeH="0" baseline="0" smtClean="0">
-                <a:ln>
-                  <a:noFill/>
-                </a:ln>
-                <a:solidFill>
-                  <a:schemeClr val="tx1"/>
-                </a:solidFill>
-                <a:effectLst/>
-                <a:latin typeface="Times New Roman" panose="02020603050405020304" pitchFamily="18" charset="0"/>
-                <a:ea typeface="Calibri" panose="020F0502020204030204" pitchFamily="34" charset="0"/>
-                <a:cs typeface="Times New Roman" panose="02020603050405020304" pitchFamily="18" charset="0"/>
-              </a:rPr>
-              <a:t>Records after duplicates removed </a:t>
-            </a:r>
-            <a:br>
-              <a:rPr kumimoji="0" lang="en-US" altLang="en-US" sz="1200" b="0" i="0" u="none" strike="noStrike" cap="none" normalizeH="0" baseline="0" smtClean="0">
-                <a:ln>
-                  <a:noFill/>
-                </a:ln>
-                <a:solidFill>
-                  <a:schemeClr val="tx1"/>
-                </a:solidFill>
-                <a:effectLst/>
-                <a:latin typeface="Times New Roman" panose="02020603050405020304" pitchFamily="18" charset="0"/>
-                <a:ea typeface="Calibri" panose="020F0502020204030204" pitchFamily="34" charset="0"/>
-                <a:cs typeface="Times New Roman" panose="02020603050405020304" pitchFamily="18" charset="0"/>
-              </a:rPr>
-            </a:br>
-            <a:r>
-              <a:rPr kumimoji="0" lang="en-US" altLang="en-US" sz="1200" b="0" i="0" u="none" strike="noStrike" cap="none" normalizeH="0" baseline="0" smtClean="0">
-                <a:ln>
-                  <a:noFill/>
-                </a:ln>
-                <a:solidFill>
-                  <a:schemeClr val="tx1"/>
-                </a:solidFill>
-                <a:effectLst/>
-                <a:latin typeface="Times New Roman" panose="02020603050405020304" pitchFamily="18" charset="0"/>
-                <a:ea typeface="Calibri" panose="020F0502020204030204" pitchFamily="34" charset="0"/>
-                <a:cs typeface="Times New Roman" panose="02020603050405020304" pitchFamily="18" charset="0"/>
-              </a:rPr>
-              <a:t>(n = 397)</a:t>
-            </a:r>
-            <a:endParaRPr kumimoji="0" lang="en-US" altLang="en-US" sz="1800" b="0" i="0" u="none" strike="noStrike" cap="none" normalizeH="0" baseline="0" smtClean="0">
-              <a:ln>
-                <a:noFill/>
-              </a:ln>
-              <a:solidFill>
-                <a:schemeClr val="tx1"/>
-              </a:solidFill>
-              <a:effectLst/>
-              <a:latin typeface="Arial" panose="020B0604020202020204" pitchFamily="34" charset="0"/>
-            </a:endParaRPr>
-          </a:p>
-        </p:txBody>
-      </p:sp>
-      <p:sp>
-        <p:nvSpPr>
-          <p:cNvPr id="36" name="Rectangle 11"/>
-          <p:cNvSpPr>
-            <a:spLocks noChangeArrowheads="1"/>
-          </p:cNvSpPr>
-          <p:nvPr/>
-        </p:nvSpPr>
-        <p:spPr bwMode="auto">
-          <a:xfrm>
-            <a:off x="4914265" y="2826088"/>
-            <a:ext cx="1670050" cy="704850"/>
-          </a:xfrm>
-          <a:prstGeom prst="rect">
-            <a:avLst/>
-          </a:prstGeom>
-          <a:solidFill>
-            <a:srgbClr val="FFFFFF"/>
-          </a:solidFill>
-          <a:ln w="9525">
-            <a:solidFill>
-              <a:srgbClr val="000000"/>
-            </a:solidFill>
-            <a:miter lim="800000"/>
-            <a:headEnd/>
-            <a:tailEnd/>
-          </a:ln>
-        </p:spPr>
-        <p:txBody>
-          <a:bodyPr vert="horz" wrap="square" lIns="91440" tIns="91440" rIns="91440" bIns="91440" numCol="1" anchor="t" anchorCtr="0" compatLnSpc="1">
-            <a:prstTxWarp prst="textNoShape">
-              <a:avLst/>
-            </a:prstTxWarp>
-          </a:bodyPr>
-          <a:lstStyle/>
-          <a:p>
-            <a:pPr marL="0" marR="0" lvl="0" indent="0" algn="ctr" defTabSz="914400" rtl="0" eaLnBrk="0" fontAlgn="base" latinLnBrk="0" hangingPunct="0">
-              <a:lnSpc>
-                <a:spcPct val="100000"/>
-              </a:lnSpc>
-              <a:spcBef>
-                <a:spcPct val="0"/>
-              </a:spcBef>
-              <a:spcAft>
-                <a:spcPct val="0"/>
-              </a:spcAft>
-              <a:buClrTx/>
-              <a:buSzTx/>
-              <a:buFontTx/>
-              <a:buNone/>
-              <a:tabLst/>
-            </a:pPr>
-            <a:r>
-              <a:rPr kumimoji="0" lang="en-US" altLang="en-US" sz="1200" b="0" i="0" u="none" strike="noStrike" cap="none" normalizeH="0" baseline="0" dirty="0" smtClean="0">
-                <a:ln>
-                  <a:noFill/>
-                </a:ln>
-                <a:solidFill>
-                  <a:schemeClr val="tx1"/>
-                </a:solidFill>
-                <a:effectLst/>
-                <a:latin typeface="Times New Roman" panose="02020603050405020304" pitchFamily="18" charset="0"/>
-                <a:ea typeface="Calibri" panose="020F0502020204030204" pitchFamily="34" charset="0"/>
-                <a:cs typeface="Times New Roman" panose="02020603050405020304" pitchFamily="18" charset="0"/>
-              </a:rPr>
-              <a:t>Records screened by abstract (n = 397)</a:t>
-            </a:r>
-            <a:br>
-              <a:rPr kumimoji="0" lang="en-US" altLang="en-US" sz="1200" b="0" i="0" u="none" strike="noStrike" cap="none" normalizeH="0" baseline="0" dirty="0" smtClean="0">
-                <a:ln>
-                  <a:noFill/>
-                </a:ln>
-                <a:solidFill>
-                  <a:schemeClr val="tx1"/>
-                </a:solidFill>
-                <a:effectLst/>
-                <a:latin typeface="Times New Roman" panose="02020603050405020304" pitchFamily="18" charset="0"/>
-                <a:ea typeface="Calibri" panose="020F0502020204030204" pitchFamily="34" charset="0"/>
-                <a:cs typeface="Times New Roman" panose="02020603050405020304" pitchFamily="18" charset="0"/>
-              </a:rPr>
-            </a:br>
-            <a:r>
-              <a:rPr kumimoji="0" lang="en-US" altLang="en-US" sz="1200" b="0" i="0" u="none" strike="noStrike" cap="none" normalizeH="0" baseline="0" dirty="0" smtClean="0">
-                <a:ln>
-                  <a:noFill/>
-                </a:ln>
-                <a:solidFill>
-                  <a:schemeClr val="tx1"/>
-                </a:solidFill>
-                <a:effectLst/>
-                <a:latin typeface="Times New Roman" panose="02020603050405020304" pitchFamily="18" charset="0"/>
-                <a:ea typeface="Calibri" panose="020F0502020204030204" pitchFamily="34" charset="0"/>
-                <a:cs typeface="Times New Roman" panose="02020603050405020304" pitchFamily="18" charset="0"/>
-              </a:rPr>
-              <a:t/>
-            </a:r>
-            <a:br>
-              <a:rPr kumimoji="0" lang="en-US" altLang="en-US" sz="1200" b="0" i="0" u="none" strike="noStrike" cap="none" normalizeH="0" baseline="0" dirty="0" smtClean="0">
-                <a:ln>
-                  <a:noFill/>
-                </a:ln>
-                <a:solidFill>
-                  <a:schemeClr val="tx1"/>
-                </a:solidFill>
-                <a:effectLst/>
-                <a:latin typeface="Times New Roman" panose="02020603050405020304" pitchFamily="18" charset="0"/>
-                <a:ea typeface="Calibri" panose="020F0502020204030204" pitchFamily="34" charset="0"/>
-                <a:cs typeface="Times New Roman" panose="02020603050405020304" pitchFamily="18" charset="0"/>
-              </a:rPr>
-            </a:br>
-            <a:endParaRPr kumimoji="0" lang="en-US" altLang="en-US" sz="1800" b="0" i="0" u="none" strike="noStrike" cap="none" normalizeH="0" baseline="0" dirty="0" smtClean="0">
-              <a:ln>
-                <a:noFill/>
-              </a:ln>
-              <a:solidFill>
-                <a:schemeClr val="tx1"/>
-              </a:solidFill>
-              <a:effectLst/>
-              <a:latin typeface="Arial" panose="020B0604020202020204" pitchFamily="34" charset="0"/>
-            </a:endParaRPr>
-          </a:p>
-        </p:txBody>
-      </p:sp>
-      <p:sp>
-        <p:nvSpPr>
-          <p:cNvPr id="37" name="Rectangle 12"/>
-          <p:cNvSpPr>
-            <a:spLocks noChangeArrowheads="1"/>
-          </p:cNvSpPr>
-          <p:nvPr/>
-        </p:nvSpPr>
-        <p:spPr bwMode="auto">
-          <a:xfrm>
-            <a:off x="7277100" y="2764810"/>
-            <a:ext cx="1866900" cy="1066800"/>
-          </a:xfrm>
-          <a:prstGeom prst="rect">
-            <a:avLst/>
-          </a:prstGeom>
-          <a:solidFill>
-            <a:srgbClr val="FFFFFF"/>
-          </a:solidFill>
-          <a:ln w="9525">
-            <a:solidFill>
-              <a:srgbClr val="000000"/>
-            </a:solidFill>
-            <a:miter lim="800000"/>
-            <a:headEnd/>
-            <a:tailEnd/>
-          </a:ln>
-        </p:spPr>
-        <p:txBody>
-          <a:bodyPr vert="horz" wrap="square" lIns="91440" tIns="91440" rIns="91440" bIns="91440" numCol="1" anchor="t" anchorCtr="0" compatLnSpc="1">
-            <a:prstTxWarp prst="textNoShape">
-              <a:avLst/>
-            </a:prstTxWarp>
-          </a:bodyPr>
-          <a:lstStyle/>
-          <a:p>
-            <a:pPr marL="0" marR="0" lvl="0" indent="0" algn="ctr" defTabSz="914400" rtl="0" eaLnBrk="0" fontAlgn="base" latinLnBrk="0" hangingPunct="0">
-              <a:lnSpc>
-                <a:spcPct val="100000"/>
-              </a:lnSpc>
-              <a:spcBef>
-                <a:spcPct val="0"/>
-              </a:spcBef>
-              <a:spcAft>
-                <a:spcPct val="0"/>
-              </a:spcAft>
-              <a:buClrTx/>
-              <a:buSzTx/>
-              <a:buFontTx/>
-              <a:buNone/>
-              <a:tabLst/>
-            </a:pPr>
-            <a:r>
-              <a:rPr kumimoji="0" lang="en-US" altLang="en-US" sz="1200" b="0" i="0" u="none" strike="noStrike" cap="none" normalizeH="0" baseline="0" smtClean="0">
-                <a:ln>
-                  <a:noFill/>
-                </a:ln>
-                <a:solidFill>
-                  <a:schemeClr val="tx1"/>
-                </a:solidFill>
-                <a:effectLst/>
-                <a:latin typeface="Times New Roman" panose="02020603050405020304" pitchFamily="18" charset="0"/>
-                <a:ea typeface="Calibri" panose="020F0502020204030204" pitchFamily="34" charset="0"/>
-                <a:cs typeface="Times New Roman" panose="02020603050405020304" pitchFamily="18" charset="0"/>
-              </a:rPr>
-              <a:t>Records excluded for: relevance, review, opinion or idea paper, focus on one spices, qualitative, not English.</a:t>
-            </a:r>
-          </a:p>
-          <a:p>
-            <a:pPr marL="0" marR="0" lvl="0" indent="0" algn="l" defTabSz="914400" rtl="0" eaLnBrk="0" fontAlgn="base" latinLnBrk="0" hangingPunct="0">
-              <a:lnSpc>
-                <a:spcPct val="100000"/>
-              </a:lnSpc>
-              <a:spcBef>
-                <a:spcPct val="0"/>
-              </a:spcBef>
-              <a:spcAft>
-                <a:spcPct val="0"/>
-              </a:spcAft>
-              <a:buClrTx/>
-              <a:buSzTx/>
-              <a:buFontTx/>
-              <a:buNone/>
-              <a:tabLst/>
-            </a:pPr>
-            <a:endParaRPr kumimoji="0" lang="en-US" altLang="en-US" sz="1800" b="0" i="0" u="none" strike="noStrike" cap="none" normalizeH="0" baseline="0" smtClean="0">
-              <a:ln>
-                <a:noFill/>
-              </a:ln>
-              <a:solidFill>
-                <a:schemeClr val="tx1"/>
-              </a:solidFill>
-              <a:effectLst/>
-              <a:latin typeface="Arial" panose="020B0604020202020204" pitchFamily="34" charset="0"/>
-            </a:endParaRPr>
-          </a:p>
-        </p:txBody>
-      </p:sp>
-      <p:sp>
-        <p:nvSpPr>
-          <p:cNvPr id="38" name="Rectangle 13"/>
-          <p:cNvSpPr>
-            <a:spLocks noChangeArrowheads="1"/>
-          </p:cNvSpPr>
-          <p:nvPr/>
-        </p:nvSpPr>
-        <p:spPr bwMode="auto">
-          <a:xfrm>
-            <a:off x="4901565" y="3886855"/>
-            <a:ext cx="1714500" cy="685800"/>
-          </a:xfrm>
-          <a:prstGeom prst="rect">
-            <a:avLst/>
-          </a:prstGeom>
-          <a:solidFill>
-            <a:srgbClr val="FFFFFF"/>
-          </a:solidFill>
-          <a:ln w="9525">
-            <a:solidFill>
-              <a:srgbClr val="000000"/>
-            </a:solidFill>
-            <a:miter lim="800000"/>
-            <a:headEnd/>
-            <a:tailEnd/>
-          </a:ln>
-        </p:spPr>
-        <p:txBody>
-          <a:bodyPr vert="horz" wrap="square" lIns="91440" tIns="91440" rIns="91440" bIns="91440" numCol="1" anchor="t" anchorCtr="0" compatLnSpc="1">
-            <a:prstTxWarp prst="textNoShape">
-              <a:avLst/>
-            </a:prstTxWarp>
-          </a:bodyPr>
-          <a:lstStyle/>
-          <a:p>
-            <a:pPr marL="0" marR="0" lvl="0" indent="0" algn="ctr" defTabSz="914400" rtl="0" eaLnBrk="0" fontAlgn="base" latinLnBrk="0" hangingPunct="0">
-              <a:lnSpc>
-                <a:spcPct val="100000"/>
-              </a:lnSpc>
-              <a:spcBef>
-                <a:spcPct val="0"/>
-              </a:spcBef>
-              <a:spcAft>
-                <a:spcPct val="0"/>
-              </a:spcAft>
-              <a:buClrTx/>
-              <a:buSzTx/>
-              <a:buFontTx/>
-              <a:buNone/>
-              <a:tabLst/>
-            </a:pPr>
-            <a:r>
-              <a:rPr kumimoji="0" lang="en-US" altLang="en-US" sz="1200" b="0" i="0" u="none" strike="noStrike" cap="none" normalizeH="0" baseline="0" dirty="0" smtClean="0">
-                <a:ln>
-                  <a:noFill/>
-                </a:ln>
-                <a:solidFill>
-                  <a:schemeClr val="tx1"/>
-                </a:solidFill>
-                <a:effectLst/>
-                <a:latin typeface="Times New Roman" panose="02020603050405020304" pitchFamily="18" charset="0"/>
-                <a:ea typeface="Calibri" panose="020F0502020204030204" pitchFamily="34" charset="0"/>
-                <a:cs typeface="Times New Roman" panose="02020603050405020304" pitchFamily="18" charset="0"/>
-              </a:rPr>
-              <a:t>Full-text articles assessed for eligibility (n = 252)</a:t>
-            </a:r>
-          </a:p>
-          <a:p>
-            <a:pPr marL="0" marR="0" lvl="0" indent="0" algn="ctr" defTabSz="914400" rtl="0" eaLnBrk="0" fontAlgn="base" latinLnBrk="0" hangingPunct="0">
-              <a:lnSpc>
-                <a:spcPct val="100000"/>
-              </a:lnSpc>
-              <a:spcBef>
-                <a:spcPct val="0"/>
-              </a:spcBef>
-              <a:spcAft>
-                <a:spcPct val="0"/>
-              </a:spcAft>
-              <a:buClrTx/>
-              <a:buSzTx/>
-              <a:buFontTx/>
-              <a:buNone/>
-              <a:tabLst/>
-            </a:pPr>
-            <a:endParaRPr kumimoji="0" lang="en-US" altLang="en-US" sz="1800" b="0" i="0" u="none" strike="noStrike" cap="none" normalizeH="0" baseline="0" dirty="0" smtClean="0">
-              <a:ln>
-                <a:noFill/>
-              </a:ln>
-              <a:solidFill>
-                <a:schemeClr val="tx1"/>
-              </a:solidFill>
-              <a:effectLst/>
-              <a:latin typeface="Arial" panose="020B0604020202020204" pitchFamily="34" charset="0"/>
-            </a:endParaRPr>
-          </a:p>
-        </p:txBody>
-      </p:sp>
-      <p:sp>
-        <p:nvSpPr>
-          <p:cNvPr id="39" name="Rectangle 14"/>
-          <p:cNvSpPr>
-            <a:spLocks noChangeArrowheads="1"/>
-          </p:cNvSpPr>
-          <p:nvPr/>
-        </p:nvSpPr>
-        <p:spPr bwMode="auto">
-          <a:xfrm>
-            <a:off x="7277100" y="4036396"/>
-            <a:ext cx="1866900" cy="1093789"/>
-          </a:xfrm>
-          <a:prstGeom prst="rect">
-            <a:avLst/>
-          </a:prstGeom>
-          <a:solidFill>
-            <a:srgbClr val="FFFFFF"/>
-          </a:solidFill>
-          <a:ln w="9525">
-            <a:solidFill>
-              <a:srgbClr val="000000"/>
-            </a:solidFill>
-            <a:miter lim="800000"/>
-            <a:headEnd/>
-            <a:tailEnd/>
-          </a:ln>
-        </p:spPr>
-        <p:txBody>
-          <a:bodyPr vert="horz" wrap="square" lIns="91440" tIns="91440" rIns="91440" bIns="91440" numCol="1" anchor="t" anchorCtr="0" compatLnSpc="1">
-            <a:prstTxWarp prst="textNoShape">
-              <a:avLst/>
-            </a:prstTxWarp>
-          </a:bodyPr>
-          <a:lstStyle/>
-          <a:p>
-            <a:pPr marL="0" marR="0" lvl="0" indent="0" algn="ctr" defTabSz="914400" rtl="0" eaLnBrk="0" fontAlgn="base" latinLnBrk="0" hangingPunct="0">
-              <a:lnSpc>
-                <a:spcPct val="100000"/>
-              </a:lnSpc>
-              <a:spcBef>
-                <a:spcPct val="0"/>
-              </a:spcBef>
-              <a:spcAft>
-                <a:spcPct val="0"/>
-              </a:spcAft>
-              <a:buClrTx/>
-              <a:buSzTx/>
-              <a:buFontTx/>
-              <a:buNone/>
-              <a:tabLst/>
-            </a:pPr>
-            <a:r>
-              <a:rPr kumimoji="0" lang="en-US" altLang="en-US" sz="1200" b="0" i="0" u="none" strike="noStrike" cap="none" normalizeH="0" baseline="0" smtClean="0">
-                <a:ln>
-                  <a:noFill/>
-                </a:ln>
-                <a:solidFill>
-                  <a:schemeClr val="tx1"/>
-                </a:solidFill>
-                <a:effectLst/>
-                <a:latin typeface="Times New Roman" panose="02020603050405020304" pitchFamily="18" charset="0"/>
-                <a:ea typeface="Calibri" panose="020F0502020204030204" pitchFamily="34" charset="0"/>
-                <a:cs typeface="Times New Roman" panose="02020603050405020304" pitchFamily="18" charset="0"/>
-              </a:rPr>
-              <a:t>Full-text articles excluded:</a:t>
-            </a:r>
-          </a:p>
-          <a:p>
-            <a:pPr marL="0" marR="0" lvl="0" indent="0" algn="l" defTabSz="914400" rtl="0" eaLnBrk="0" fontAlgn="base" latinLnBrk="0" hangingPunct="0">
-              <a:lnSpc>
-                <a:spcPct val="100000"/>
-              </a:lnSpc>
-              <a:spcBef>
-                <a:spcPct val="0"/>
-              </a:spcBef>
-              <a:spcAft>
-                <a:spcPct val="0"/>
-              </a:spcAft>
-              <a:buClrTx/>
-              <a:buSzTx/>
-              <a:buFontTx/>
-              <a:buNone/>
-              <a:tabLst/>
-            </a:pPr>
-            <a:r>
-              <a:rPr kumimoji="0" lang="en-US" altLang="en-US" sz="1200" b="0" i="0" u="none" strike="noStrike" cap="none" normalizeH="0" baseline="0" smtClean="0">
-                <a:ln>
-                  <a:noFill/>
-                </a:ln>
-                <a:solidFill>
-                  <a:schemeClr val="tx1"/>
-                </a:solidFill>
-                <a:effectLst/>
-                <a:latin typeface="Times New Roman" panose="02020603050405020304" pitchFamily="18" charset="0"/>
-                <a:ea typeface="Calibri" panose="020F0502020204030204" pitchFamily="34" charset="0"/>
-                <a:cs typeface="Times New Roman" panose="02020603050405020304" pitchFamily="18" charset="0"/>
-              </a:rPr>
-              <a:t>Not reporting richness or diversity, number of records, and any measure of duration. </a:t>
-            </a:r>
-            <a:endParaRPr kumimoji="0" lang="en-US" altLang="en-US" sz="1800" b="0" i="0" u="none" strike="noStrike" cap="none" normalizeH="0" baseline="0" smtClean="0">
-              <a:ln>
-                <a:noFill/>
-              </a:ln>
-              <a:solidFill>
-                <a:schemeClr val="tx1"/>
-              </a:solidFill>
-              <a:effectLst/>
-              <a:latin typeface="Arial" panose="020B0604020202020204" pitchFamily="34" charset="0"/>
-            </a:endParaRPr>
-          </a:p>
-        </p:txBody>
-      </p:sp>
-      <p:sp>
-        <p:nvSpPr>
-          <p:cNvPr id="40" name="Rectangle 15"/>
-          <p:cNvSpPr>
-            <a:spLocks noChangeArrowheads="1"/>
-          </p:cNvSpPr>
-          <p:nvPr/>
-        </p:nvSpPr>
-        <p:spPr bwMode="auto">
-          <a:xfrm>
-            <a:off x="4901565" y="4884122"/>
-            <a:ext cx="1714500" cy="638175"/>
-          </a:xfrm>
-          <a:prstGeom prst="rect">
-            <a:avLst/>
-          </a:prstGeom>
-          <a:solidFill>
-            <a:srgbClr val="FFFFFF"/>
-          </a:solidFill>
-          <a:ln w="9525">
-            <a:solidFill>
-              <a:srgbClr val="000000"/>
-            </a:solidFill>
-            <a:miter lim="800000"/>
-            <a:headEnd/>
-            <a:tailEnd/>
-          </a:ln>
-        </p:spPr>
-        <p:txBody>
-          <a:bodyPr vert="horz" wrap="square" lIns="91440" tIns="91440" rIns="91440" bIns="91440" numCol="1" anchor="t" anchorCtr="0" compatLnSpc="1">
-            <a:prstTxWarp prst="textNoShape">
-              <a:avLst/>
-            </a:prstTxWarp>
-          </a:bodyPr>
-          <a:lstStyle/>
-          <a:p>
-            <a:pPr marL="0" marR="0" lvl="0" indent="0" algn="ctr" defTabSz="914400" rtl="0" eaLnBrk="0" fontAlgn="base" latinLnBrk="0" hangingPunct="0">
-              <a:lnSpc>
-                <a:spcPct val="100000"/>
-              </a:lnSpc>
-              <a:spcBef>
-                <a:spcPct val="0"/>
-              </a:spcBef>
-              <a:spcAft>
-                <a:spcPct val="0"/>
-              </a:spcAft>
-              <a:buClrTx/>
-              <a:buSzTx/>
-              <a:buFontTx/>
-              <a:buNone/>
-              <a:tabLst/>
-            </a:pPr>
-            <a:r>
-              <a:rPr kumimoji="0" lang="en-US" altLang="en-US" sz="1200" b="0" i="0" u="none" strike="noStrike" cap="none" normalizeH="0" baseline="0" smtClean="0">
-                <a:ln>
-                  <a:noFill/>
-                </a:ln>
-                <a:solidFill>
-                  <a:schemeClr val="tx1"/>
-                </a:solidFill>
-                <a:effectLst/>
-                <a:latin typeface="Times New Roman" panose="02020603050405020304" pitchFamily="18" charset="0"/>
-                <a:ea typeface="Calibri" panose="020F0502020204030204" pitchFamily="34" charset="0"/>
-                <a:cs typeface="Times New Roman" panose="02020603050405020304" pitchFamily="18" charset="0"/>
-              </a:rPr>
-              <a:t>Include in synthesis </a:t>
-            </a:r>
-          </a:p>
-          <a:p>
-            <a:pPr marL="0" marR="0" lvl="0" indent="0" algn="ctr" defTabSz="914400" rtl="0" eaLnBrk="0" fontAlgn="base" latinLnBrk="0" hangingPunct="0">
-              <a:lnSpc>
-                <a:spcPct val="100000"/>
-              </a:lnSpc>
-              <a:spcBef>
-                <a:spcPct val="0"/>
-              </a:spcBef>
-              <a:spcAft>
-                <a:spcPct val="0"/>
-              </a:spcAft>
-              <a:buClrTx/>
-              <a:buSzTx/>
-              <a:buFontTx/>
-              <a:buNone/>
-              <a:tabLst/>
-            </a:pPr>
-            <a:r>
-              <a:rPr kumimoji="0" lang="en-US" altLang="en-US" sz="1200" b="0" i="0" u="none" strike="noStrike" cap="none" normalizeH="0" baseline="0" smtClean="0">
-                <a:ln>
-                  <a:noFill/>
-                </a:ln>
-                <a:solidFill>
-                  <a:schemeClr val="tx1"/>
-                </a:solidFill>
-                <a:effectLst/>
-                <a:latin typeface="Times New Roman" panose="02020603050405020304" pitchFamily="18" charset="0"/>
-                <a:ea typeface="Calibri" panose="020F0502020204030204" pitchFamily="34" charset="0"/>
-                <a:cs typeface="Times New Roman" panose="02020603050405020304" pitchFamily="18" charset="0"/>
-              </a:rPr>
-              <a:t>(n = )</a:t>
-            </a:r>
-            <a:endParaRPr kumimoji="0" lang="en-US" altLang="en-US" sz="1800" b="0" i="0" u="none" strike="noStrike" cap="none" normalizeH="0" baseline="0" smtClean="0">
-              <a:ln>
-                <a:noFill/>
-              </a:ln>
-              <a:solidFill>
-                <a:schemeClr val="tx1"/>
-              </a:solidFill>
-              <a:effectLst/>
-              <a:latin typeface="Arial" panose="020B0604020202020204" pitchFamily="34" charset="0"/>
-            </a:endParaRPr>
-          </a:p>
-        </p:txBody>
-      </p:sp>
-      <p:cxnSp>
-        <p:nvCxnSpPr>
-          <p:cNvPr id="41" name="AutoShape 17"/>
-          <p:cNvCxnSpPr>
-            <a:cxnSpLocks noChangeShapeType="1"/>
-          </p:cNvCxnSpPr>
-          <p:nvPr/>
-        </p:nvCxnSpPr>
-        <p:spPr bwMode="auto">
-          <a:xfrm>
-            <a:off x="4631055" y="1561485"/>
-            <a:ext cx="0" cy="381000"/>
-          </a:xfrm>
-          <a:prstGeom prst="straightConnector1">
-            <a:avLst/>
-          </a:prstGeom>
-          <a:noFill/>
-          <a:ln w="9525">
-            <a:solidFill>
-              <a:srgbClr val="000000"/>
-            </a:solidFill>
-            <a:round/>
-            <a:headEnd/>
-            <a:tailEnd type="triangle" w="med" len="med"/>
-          </a:ln>
-          <a:effectLst/>
-          <a:extLst>
-            <a:ext uri="{909E8E84-426E-40dd-AFC4-6F175D3DCCD1}">
-              <a14:hiddenFill xmlns:wpc="http://schemas.microsoft.com/office/word/2010/wordprocessingCanvas" xmlns:mc="http://schemas.openxmlformats.org/markup-compatibility/2006" xmlns:m="http://schemas.openxmlformats.org/officeDocument/2006/math" xmlns:wp14="http://schemas.microsoft.com/office/word/2010/wordprocessingDrawing" xmlns:wp="http://schemas.openxmlformats.org/drawingml/2006/wordprocessingDrawing" xmlns:w14="http://schemas.microsoft.com/office/word/2010/wordml" xmlns:w15="http://schemas.microsoft.com/office/word/2012/wordml" xmlns:wpg="http://schemas.microsoft.com/office/word/2010/wordprocessingGroup" xmlns:wpi="http://schemas.microsoft.com/office/word/2010/wordprocessingInk" xmlns:wne="http://schemas.microsoft.com/office/word/2006/wordml" xmlns:wps="http://schemas.microsoft.com/office/word/2010/wordprocessingShape" xmlns:a14="http://schemas.microsoft.com/office/drawing/2010/main" xmlns:w="http://schemas.openxmlformats.org/wordprocessingml/2006/main" xmlns:w10="urn:schemas-microsoft-com:office:word" xmlns:v="urn:schemas-microsoft-com:vml" xmlns:o="urn:schemas-microsoft-com:office:office" xmlns:mv="urn:schemas-microsoft-com:mac:vml" xmlns:mo="http://schemas.microsoft.com/office/mac/office/2008/main" xmlns="" xmlns:lc="http://schemas.openxmlformats.org/drawingml/2006/lockedCanvas">
-                <a:noFill/>
-              </a14:hiddenFill>
-            </a:ext>
-            <a:ext uri="{AF507438-7753-43e0-B8FC-AC1667EBCBE1}">
-              <a14:hiddenEffects xmlns:wpc="http://schemas.microsoft.com/office/word/2010/wordprocessingCanvas" xmlns:mc="http://schemas.openxmlformats.org/markup-compatibility/2006" xmlns:m="http://schemas.openxmlformats.org/officeDocument/2006/math" xmlns:wp14="http://schemas.microsoft.com/office/word/2010/wordprocessingDrawing" xmlns:wp="http://schemas.openxmlformats.org/drawingml/2006/wordprocessingDrawing" xmlns:w14="http://schemas.microsoft.com/office/word/2010/wordml" xmlns:w15="http://schemas.microsoft.com/office/word/2012/wordml" xmlns:wpg="http://schemas.microsoft.com/office/word/2010/wordprocessingGroup" xmlns:wpi="http://schemas.microsoft.com/office/word/2010/wordprocessingInk" xmlns:wne="http://schemas.microsoft.com/office/word/2006/wordml" xmlns:wps="http://schemas.microsoft.com/office/word/2010/wordprocessingShape" xmlns:a14="http://schemas.microsoft.com/office/drawing/2010/main" xmlns:w="http://schemas.openxmlformats.org/wordprocessingml/2006/main" xmlns:w10="urn:schemas-microsoft-com:office:word" xmlns:v="urn:schemas-microsoft-com:vml" xmlns:o="urn:schemas-microsoft-com:office:office" xmlns:mv="urn:schemas-microsoft-com:mac:vml" xmlns:mo="http://schemas.microsoft.com/office/mac/office/2008/main" xmlns="" xmlns:lc="http://schemas.openxmlformats.org/drawingml/2006/lockedCanvas">
-                <a:effectLst>
-                  <a:outerShdw dist="35921" dir="2700000" algn="ctr" rotWithShape="0">
-                    <a:srgbClr val="CCCCCC"/>
-                  </a:outerShdw>
-                </a:effectLst>
-              </a14:hiddenEffects>
-            </a:ext>
-          </a:extLst>
-        </p:spPr>
-      </p:cxnSp>
-      <p:cxnSp>
-        <p:nvCxnSpPr>
-          <p:cNvPr id="42" name="AutoShape 18"/>
-          <p:cNvCxnSpPr>
-            <a:cxnSpLocks noChangeShapeType="1"/>
-          </p:cNvCxnSpPr>
-          <p:nvPr/>
-        </p:nvCxnSpPr>
-        <p:spPr bwMode="auto">
-          <a:xfrm>
-            <a:off x="5749290" y="2513985"/>
-            <a:ext cx="0" cy="276225"/>
-          </a:xfrm>
-          <a:prstGeom prst="straightConnector1">
-            <a:avLst/>
-          </a:prstGeom>
-          <a:noFill/>
-          <a:ln w="9525">
-            <a:solidFill>
-              <a:srgbClr val="000000"/>
-            </a:solidFill>
-            <a:round/>
-            <a:headEnd/>
-            <a:tailEnd type="triangle" w="med" len="med"/>
-          </a:ln>
-          <a:effectLst/>
-          <a:extLst>
-            <a:ext uri="{909E8E84-426E-40dd-AFC4-6F175D3DCCD1}">
-              <a14:hiddenFill xmlns:wpc="http://schemas.microsoft.com/office/word/2010/wordprocessingCanvas" xmlns:mc="http://schemas.openxmlformats.org/markup-compatibility/2006" xmlns:m="http://schemas.openxmlformats.org/officeDocument/2006/math" xmlns:wp14="http://schemas.microsoft.com/office/word/2010/wordprocessingDrawing" xmlns:wp="http://schemas.openxmlformats.org/drawingml/2006/wordprocessingDrawing" xmlns:w14="http://schemas.microsoft.com/office/word/2010/wordml" xmlns:w15="http://schemas.microsoft.com/office/word/2012/wordml" xmlns:wpg="http://schemas.microsoft.com/office/word/2010/wordprocessingGroup" xmlns:wpi="http://schemas.microsoft.com/office/word/2010/wordprocessingInk" xmlns:wne="http://schemas.microsoft.com/office/word/2006/wordml" xmlns:wps="http://schemas.microsoft.com/office/word/2010/wordprocessingShape" xmlns:a14="http://schemas.microsoft.com/office/drawing/2010/main" xmlns:w="http://schemas.openxmlformats.org/wordprocessingml/2006/main" xmlns:w10="urn:schemas-microsoft-com:office:word" xmlns:v="urn:schemas-microsoft-com:vml" xmlns:o="urn:schemas-microsoft-com:office:office" xmlns:mv="urn:schemas-microsoft-com:mac:vml" xmlns:mo="http://schemas.microsoft.com/office/mac/office/2008/main" xmlns="" xmlns:lc="http://schemas.openxmlformats.org/drawingml/2006/lockedCanvas">
-                <a:noFill/>
-              </a14:hiddenFill>
-            </a:ext>
-            <a:ext uri="{AF507438-7753-43e0-B8FC-AC1667EBCBE1}">
-              <a14:hiddenEffects xmlns:wpc="http://schemas.microsoft.com/office/word/2010/wordprocessingCanvas" xmlns:mc="http://schemas.openxmlformats.org/markup-compatibility/2006" xmlns:m="http://schemas.openxmlformats.org/officeDocument/2006/math" xmlns:wp14="http://schemas.microsoft.com/office/word/2010/wordprocessingDrawing" xmlns:wp="http://schemas.openxmlformats.org/drawingml/2006/wordprocessingDrawing" xmlns:w14="http://schemas.microsoft.com/office/word/2010/wordml" xmlns:w15="http://schemas.microsoft.com/office/word/2012/wordml" xmlns:wpg="http://schemas.microsoft.com/office/word/2010/wordprocessingGroup" xmlns:wpi="http://schemas.microsoft.com/office/word/2010/wordprocessingInk" xmlns:wne="http://schemas.microsoft.com/office/word/2006/wordml" xmlns:wps="http://schemas.microsoft.com/office/word/2010/wordprocessingShape" xmlns:a14="http://schemas.microsoft.com/office/drawing/2010/main" xmlns:w="http://schemas.openxmlformats.org/wordprocessingml/2006/main" xmlns:w10="urn:schemas-microsoft-com:office:word" xmlns:v="urn:schemas-microsoft-com:vml" xmlns:o="urn:schemas-microsoft-com:office:office" xmlns:mv="urn:schemas-microsoft-com:mac:vml" xmlns:mo="http://schemas.microsoft.com/office/mac/office/2008/main" xmlns="" xmlns:lc="http://schemas.openxmlformats.org/drawingml/2006/lockedCanvas">
-                <a:effectLst>
-                  <a:outerShdw dist="35921" dir="2700000" algn="ctr" rotWithShape="0">
-                    <a:srgbClr val="CCCCCC"/>
-                  </a:outerShdw>
-                </a:effectLst>
-              </a14:hiddenEffects>
-            </a:ext>
-          </a:extLst>
-        </p:spPr>
-      </p:cxnSp>
-      <p:cxnSp>
-        <p:nvCxnSpPr>
-          <p:cNvPr id="43" name="AutoShape 19"/>
-          <p:cNvCxnSpPr>
-            <a:cxnSpLocks noChangeShapeType="1"/>
-          </p:cNvCxnSpPr>
-          <p:nvPr/>
-        </p:nvCxnSpPr>
-        <p:spPr bwMode="auto">
-          <a:xfrm>
-            <a:off x="5749290" y="3530938"/>
-            <a:ext cx="0" cy="342900"/>
-          </a:xfrm>
-          <a:prstGeom prst="straightConnector1">
-            <a:avLst/>
-          </a:prstGeom>
-          <a:noFill/>
-          <a:ln w="9525">
-            <a:solidFill>
-              <a:srgbClr val="000000"/>
-            </a:solidFill>
-            <a:round/>
-            <a:headEnd/>
-            <a:tailEnd type="triangle" w="med" len="med"/>
-          </a:ln>
-          <a:effectLst/>
-          <a:extLst>
-            <a:ext uri="{909E8E84-426E-40dd-AFC4-6F175D3DCCD1}">
-              <a14:hiddenFill xmlns:wpc="http://schemas.microsoft.com/office/word/2010/wordprocessingCanvas" xmlns:mc="http://schemas.openxmlformats.org/markup-compatibility/2006" xmlns:m="http://schemas.openxmlformats.org/officeDocument/2006/math" xmlns:wp14="http://schemas.microsoft.com/office/word/2010/wordprocessingDrawing" xmlns:wp="http://schemas.openxmlformats.org/drawingml/2006/wordprocessingDrawing" xmlns:w14="http://schemas.microsoft.com/office/word/2010/wordml" xmlns:w15="http://schemas.microsoft.com/office/word/2012/wordml" xmlns:wpg="http://schemas.microsoft.com/office/word/2010/wordprocessingGroup" xmlns:wpi="http://schemas.microsoft.com/office/word/2010/wordprocessingInk" xmlns:wne="http://schemas.microsoft.com/office/word/2006/wordml" xmlns:wps="http://schemas.microsoft.com/office/word/2010/wordprocessingShape" xmlns:a14="http://schemas.microsoft.com/office/drawing/2010/main" xmlns:w="http://schemas.openxmlformats.org/wordprocessingml/2006/main" xmlns:w10="urn:schemas-microsoft-com:office:word" xmlns:v="urn:schemas-microsoft-com:vml" xmlns:o="urn:schemas-microsoft-com:office:office" xmlns:mv="urn:schemas-microsoft-com:mac:vml" xmlns:mo="http://schemas.microsoft.com/office/mac/office/2008/main" xmlns="" xmlns:lc="http://schemas.openxmlformats.org/drawingml/2006/lockedCanvas">
-                <a:noFill/>
-              </a14:hiddenFill>
-            </a:ext>
-            <a:ext uri="{AF507438-7753-43e0-B8FC-AC1667EBCBE1}">
-              <a14:hiddenEffects xmlns:wpc="http://schemas.microsoft.com/office/word/2010/wordprocessingCanvas" xmlns:mc="http://schemas.openxmlformats.org/markup-compatibility/2006" xmlns:m="http://schemas.openxmlformats.org/officeDocument/2006/math" xmlns:wp14="http://schemas.microsoft.com/office/word/2010/wordprocessingDrawing" xmlns:wp="http://schemas.openxmlformats.org/drawingml/2006/wordprocessingDrawing" xmlns:w14="http://schemas.microsoft.com/office/word/2010/wordml" xmlns:w15="http://schemas.microsoft.com/office/word/2012/wordml" xmlns:wpg="http://schemas.microsoft.com/office/word/2010/wordprocessingGroup" xmlns:wpi="http://schemas.microsoft.com/office/word/2010/wordprocessingInk" xmlns:wne="http://schemas.microsoft.com/office/word/2006/wordml" xmlns:wps="http://schemas.microsoft.com/office/word/2010/wordprocessingShape" xmlns:a14="http://schemas.microsoft.com/office/drawing/2010/main" xmlns:w="http://schemas.openxmlformats.org/wordprocessingml/2006/main" xmlns:w10="urn:schemas-microsoft-com:office:word" xmlns:v="urn:schemas-microsoft-com:vml" xmlns:o="urn:schemas-microsoft-com:office:office" xmlns:mv="urn:schemas-microsoft-com:mac:vml" xmlns:mo="http://schemas.microsoft.com/office/mac/office/2008/main" xmlns="" xmlns:lc="http://schemas.openxmlformats.org/drawingml/2006/lockedCanvas">
-                <a:effectLst>
-                  <a:outerShdw dist="35921" dir="2700000" algn="ctr" rotWithShape="0">
-                    <a:srgbClr val="CCCCCC"/>
-                  </a:outerShdw>
-                </a:effectLst>
-              </a14:hiddenEffects>
-            </a:ext>
-          </a:extLst>
-        </p:spPr>
-      </p:cxnSp>
-      <p:cxnSp>
-        <p:nvCxnSpPr>
-          <p:cNvPr id="44" name="AutoShape 20"/>
-          <p:cNvCxnSpPr>
-            <a:cxnSpLocks noChangeShapeType="1"/>
-          </p:cNvCxnSpPr>
-          <p:nvPr/>
-        </p:nvCxnSpPr>
-        <p:spPr bwMode="auto">
-          <a:xfrm>
-            <a:off x="6673215" y="6040140"/>
-            <a:ext cx="0" cy="342900"/>
-          </a:xfrm>
-          <a:prstGeom prst="straightConnector1">
-            <a:avLst/>
-          </a:prstGeom>
-          <a:noFill/>
-          <a:ln w="9525">
-            <a:solidFill>
-              <a:srgbClr val="000000"/>
-            </a:solidFill>
-            <a:round/>
-            <a:headEnd/>
-            <a:tailEnd type="triangle" w="med" len="med"/>
-          </a:ln>
-          <a:effectLst/>
-          <a:extLst>
-            <a:ext uri="{909E8E84-426E-40dd-AFC4-6F175D3DCCD1}">
-              <a14:hiddenFill xmlns:wpc="http://schemas.microsoft.com/office/word/2010/wordprocessingCanvas" xmlns:mc="http://schemas.openxmlformats.org/markup-compatibility/2006" xmlns:m="http://schemas.openxmlformats.org/officeDocument/2006/math" xmlns:wp14="http://schemas.microsoft.com/office/word/2010/wordprocessingDrawing" xmlns:wp="http://schemas.openxmlformats.org/drawingml/2006/wordprocessingDrawing" xmlns:w14="http://schemas.microsoft.com/office/word/2010/wordml" xmlns:w15="http://schemas.microsoft.com/office/word/2012/wordml" xmlns:wpg="http://schemas.microsoft.com/office/word/2010/wordprocessingGroup" xmlns:wpi="http://schemas.microsoft.com/office/word/2010/wordprocessingInk" xmlns:wne="http://schemas.microsoft.com/office/word/2006/wordml" xmlns:wps="http://schemas.microsoft.com/office/word/2010/wordprocessingShape" xmlns:a14="http://schemas.microsoft.com/office/drawing/2010/main" xmlns:w="http://schemas.openxmlformats.org/wordprocessingml/2006/main" xmlns:w10="urn:schemas-microsoft-com:office:word" xmlns:v="urn:schemas-microsoft-com:vml" xmlns:o="urn:schemas-microsoft-com:office:office" xmlns:mv="urn:schemas-microsoft-com:mac:vml" xmlns:mo="http://schemas.microsoft.com/office/mac/office/2008/main" xmlns="" xmlns:lc="http://schemas.openxmlformats.org/drawingml/2006/lockedCanvas">
-                <a:noFill/>
-              </a14:hiddenFill>
-            </a:ext>
-            <a:ext uri="{AF507438-7753-43e0-B8FC-AC1667EBCBE1}">
-              <a14:hiddenEffects xmlns:wpc="http://schemas.microsoft.com/office/word/2010/wordprocessingCanvas" xmlns:mc="http://schemas.openxmlformats.org/markup-compatibility/2006" xmlns:m="http://schemas.openxmlformats.org/officeDocument/2006/math" xmlns:wp14="http://schemas.microsoft.com/office/word/2010/wordprocessingDrawing" xmlns:wp="http://schemas.openxmlformats.org/drawingml/2006/wordprocessingDrawing" xmlns:w14="http://schemas.microsoft.com/office/word/2010/wordml" xmlns:w15="http://schemas.microsoft.com/office/word/2012/wordml" xmlns:wpg="http://schemas.microsoft.com/office/word/2010/wordprocessingGroup" xmlns:wpi="http://schemas.microsoft.com/office/word/2010/wordprocessingInk" xmlns:wne="http://schemas.microsoft.com/office/word/2006/wordml" xmlns:wps="http://schemas.microsoft.com/office/word/2010/wordprocessingShape" xmlns:a14="http://schemas.microsoft.com/office/drawing/2010/main" xmlns:w="http://schemas.openxmlformats.org/wordprocessingml/2006/main" xmlns:w10="urn:schemas-microsoft-com:office:word" xmlns:v="urn:schemas-microsoft-com:vml" xmlns:o="urn:schemas-microsoft-com:office:office" xmlns:mv="urn:schemas-microsoft-com:mac:vml" xmlns:mo="http://schemas.microsoft.com/office/mac/office/2008/main" xmlns="" xmlns:lc="http://schemas.openxmlformats.org/drawingml/2006/lockedCanvas">
-                <a:effectLst>
-                  <a:outerShdw dist="35921" dir="2700000" algn="ctr" rotWithShape="0">
-                    <a:srgbClr val="CCCCCC"/>
-                  </a:outerShdw>
-                </a:effectLst>
-              </a14:hiddenEffects>
-            </a:ext>
-          </a:extLst>
-        </p:spPr>
-      </p:cxnSp>
-      <p:cxnSp>
-        <p:nvCxnSpPr>
-          <p:cNvPr id="45" name="AutoShape 21"/>
-          <p:cNvCxnSpPr>
-            <a:cxnSpLocks noChangeShapeType="1"/>
-          </p:cNvCxnSpPr>
-          <p:nvPr/>
-        </p:nvCxnSpPr>
-        <p:spPr bwMode="auto">
-          <a:xfrm>
-            <a:off x="6616700" y="3301385"/>
-            <a:ext cx="660400" cy="0"/>
-          </a:xfrm>
-          <a:prstGeom prst="straightConnector1">
-            <a:avLst/>
-          </a:prstGeom>
-          <a:noFill/>
-          <a:ln w="9525">
-            <a:solidFill>
-              <a:srgbClr val="000000"/>
-            </a:solidFill>
-            <a:round/>
-            <a:headEnd/>
-            <a:tailEnd type="triangle" w="med" len="med"/>
-          </a:ln>
-          <a:effectLst/>
-          <a:extLst>
-            <a:ext uri="{909E8E84-426E-40dd-AFC4-6F175D3DCCD1}">
-              <a14:hiddenFill xmlns:wpc="http://schemas.microsoft.com/office/word/2010/wordprocessingCanvas" xmlns:mc="http://schemas.openxmlformats.org/markup-compatibility/2006" xmlns:m="http://schemas.openxmlformats.org/officeDocument/2006/math" xmlns:wp14="http://schemas.microsoft.com/office/word/2010/wordprocessingDrawing" xmlns:wp="http://schemas.openxmlformats.org/drawingml/2006/wordprocessingDrawing" xmlns:w14="http://schemas.microsoft.com/office/word/2010/wordml" xmlns:w15="http://schemas.microsoft.com/office/word/2012/wordml" xmlns:wpg="http://schemas.microsoft.com/office/word/2010/wordprocessingGroup" xmlns:wpi="http://schemas.microsoft.com/office/word/2010/wordprocessingInk" xmlns:wne="http://schemas.microsoft.com/office/word/2006/wordml" xmlns:wps="http://schemas.microsoft.com/office/word/2010/wordprocessingShape" xmlns:a14="http://schemas.microsoft.com/office/drawing/2010/main" xmlns:w="http://schemas.openxmlformats.org/wordprocessingml/2006/main" xmlns:w10="urn:schemas-microsoft-com:office:word" xmlns:v="urn:schemas-microsoft-com:vml" xmlns:o="urn:schemas-microsoft-com:office:office" xmlns:mv="urn:schemas-microsoft-com:mac:vml" xmlns:mo="http://schemas.microsoft.com/office/mac/office/2008/main" xmlns="" xmlns:lc="http://schemas.openxmlformats.org/drawingml/2006/lockedCanvas">
-                <a:noFill/>
-              </a14:hiddenFill>
-            </a:ext>
-            <a:ext uri="{AF507438-7753-43e0-B8FC-AC1667EBCBE1}">
-              <a14:hiddenEffects xmlns:wpc="http://schemas.microsoft.com/office/word/2010/wordprocessingCanvas" xmlns:mc="http://schemas.openxmlformats.org/markup-compatibility/2006" xmlns:m="http://schemas.openxmlformats.org/officeDocument/2006/math" xmlns:wp14="http://schemas.microsoft.com/office/word/2010/wordprocessingDrawing" xmlns:wp="http://schemas.openxmlformats.org/drawingml/2006/wordprocessingDrawing" xmlns:w14="http://schemas.microsoft.com/office/word/2010/wordml" xmlns:w15="http://schemas.microsoft.com/office/word/2012/wordml" xmlns:wpg="http://schemas.microsoft.com/office/word/2010/wordprocessingGroup" xmlns:wpi="http://schemas.microsoft.com/office/word/2010/wordprocessingInk" xmlns:wne="http://schemas.microsoft.com/office/word/2006/wordml" xmlns:wps="http://schemas.microsoft.com/office/word/2010/wordprocessingShape" xmlns:a14="http://schemas.microsoft.com/office/drawing/2010/main" xmlns:w="http://schemas.openxmlformats.org/wordprocessingml/2006/main" xmlns:w10="urn:schemas-microsoft-com:office:word" xmlns:v="urn:schemas-microsoft-com:vml" xmlns:o="urn:schemas-microsoft-com:office:office" xmlns:mv="urn:schemas-microsoft-com:mac:vml" xmlns:mo="http://schemas.microsoft.com/office/mac/office/2008/main" xmlns="" xmlns:lc="http://schemas.openxmlformats.org/drawingml/2006/lockedCanvas">
-                <a:effectLst>
-                  <a:outerShdw dist="35921" dir="2700000" algn="ctr" rotWithShape="0">
-                    <a:srgbClr val="CCCCCC"/>
-                  </a:outerShdw>
-                </a:effectLst>
-              </a14:hiddenEffects>
-            </a:ext>
-          </a:extLst>
-        </p:spPr>
-      </p:cxnSp>
-      <p:cxnSp>
-        <p:nvCxnSpPr>
-          <p:cNvPr id="46" name="AutoShape 22"/>
-          <p:cNvCxnSpPr>
-            <a:cxnSpLocks noChangeShapeType="1"/>
-          </p:cNvCxnSpPr>
-          <p:nvPr/>
-        </p:nvCxnSpPr>
-        <p:spPr bwMode="auto">
-          <a:xfrm>
-            <a:off x="6616065" y="4336435"/>
-            <a:ext cx="600075" cy="635"/>
-          </a:xfrm>
-          <a:prstGeom prst="straightConnector1">
-            <a:avLst/>
-          </a:prstGeom>
-          <a:noFill/>
-          <a:ln w="9525">
-            <a:solidFill>
-              <a:srgbClr val="000000"/>
-            </a:solidFill>
-            <a:round/>
-            <a:headEnd/>
-            <a:tailEnd type="triangle" w="med" len="med"/>
-          </a:ln>
-          <a:effectLst/>
-          <a:extLst>
-            <a:ext uri="{909E8E84-426E-40dd-AFC4-6F175D3DCCD1}">
-              <a14:hiddenFill xmlns:wpc="http://schemas.microsoft.com/office/word/2010/wordprocessingCanvas" xmlns:mc="http://schemas.openxmlformats.org/markup-compatibility/2006" xmlns:m="http://schemas.openxmlformats.org/officeDocument/2006/math" xmlns:wp14="http://schemas.microsoft.com/office/word/2010/wordprocessingDrawing" xmlns:wp="http://schemas.openxmlformats.org/drawingml/2006/wordprocessingDrawing" xmlns:w14="http://schemas.microsoft.com/office/word/2010/wordml" xmlns:w15="http://schemas.microsoft.com/office/word/2012/wordml" xmlns:wpg="http://schemas.microsoft.com/office/word/2010/wordprocessingGroup" xmlns:wpi="http://schemas.microsoft.com/office/word/2010/wordprocessingInk" xmlns:wne="http://schemas.microsoft.com/office/word/2006/wordml" xmlns:wps="http://schemas.microsoft.com/office/word/2010/wordprocessingShape" xmlns:a14="http://schemas.microsoft.com/office/drawing/2010/main" xmlns:w="http://schemas.openxmlformats.org/wordprocessingml/2006/main" xmlns:w10="urn:schemas-microsoft-com:office:word" xmlns:v="urn:schemas-microsoft-com:vml" xmlns:o="urn:schemas-microsoft-com:office:office" xmlns:mv="urn:schemas-microsoft-com:mac:vml" xmlns:mo="http://schemas.microsoft.com/office/mac/office/2008/main" xmlns="" xmlns:lc="http://schemas.openxmlformats.org/drawingml/2006/lockedCanvas">
-                <a:noFill/>
-              </a14:hiddenFill>
-            </a:ext>
-            <a:ext uri="{AF507438-7753-43e0-B8FC-AC1667EBCBE1}">
-              <a14:hiddenEffects xmlns:wpc="http://schemas.microsoft.com/office/word/2010/wordprocessingCanvas" xmlns:mc="http://schemas.openxmlformats.org/markup-compatibility/2006" xmlns:m="http://schemas.openxmlformats.org/officeDocument/2006/math" xmlns:wp14="http://schemas.microsoft.com/office/word/2010/wordprocessingDrawing" xmlns:wp="http://schemas.openxmlformats.org/drawingml/2006/wordprocessingDrawing" xmlns:w14="http://schemas.microsoft.com/office/word/2010/wordml" xmlns:w15="http://schemas.microsoft.com/office/word/2012/wordml" xmlns:wpg="http://schemas.microsoft.com/office/word/2010/wordprocessingGroup" xmlns:wpi="http://schemas.microsoft.com/office/word/2010/wordprocessingInk" xmlns:wne="http://schemas.microsoft.com/office/word/2006/wordml" xmlns:wps="http://schemas.microsoft.com/office/word/2010/wordprocessingShape" xmlns:a14="http://schemas.microsoft.com/office/drawing/2010/main" xmlns:w="http://schemas.openxmlformats.org/wordprocessingml/2006/main" xmlns:w10="urn:schemas-microsoft-com:office:word" xmlns:v="urn:schemas-microsoft-com:vml" xmlns:o="urn:schemas-microsoft-com:office:office" xmlns:mv="urn:schemas-microsoft-com:mac:vml" xmlns:mo="http://schemas.microsoft.com/office/mac/office/2008/main" xmlns="" xmlns:lc="http://schemas.openxmlformats.org/drawingml/2006/lockedCanvas">
-                <a:effectLst>
-                  <a:outerShdw dist="35921" dir="2700000" algn="ctr" rotWithShape="0">
-                    <a:srgbClr val="CCCCCC"/>
-                  </a:outerShdw>
-                </a:effectLst>
-              </a14:hiddenEffects>
-            </a:ext>
-          </a:extLst>
-        </p:spPr>
-      </p:cxnSp>
-      <p:sp>
-        <p:nvSpPr>
-          <p:cNvPr id="47" name="Rectangle 26"/>
-          <p:cNvSpPr>
-            <a:spLocks noChangeArrowheads="1"/>
-          </p:cNvSpPr>
-          <p:nvPr/>
-        </p:nvSpPr>
-        <p:spPr bwMode="auto">
-          <a:xfrm>
-            <a:off x="3834765" y="5579765"/>
-            <a:ext cx="5105400" cy="1095375"/>
-          </a:xfrm>
-          <a:prstGeom prst="rect">
-            <a:avLst/>
-          </a:prstGeom>
-          <a:solidFill>
-            <a:srgbClr val="FFFFFF"/>
-          </a:solidFill>
-          <a:ln w="9525">
-            <a:solidFill>
-              <a:srgbClr val="000000"/>
-            </a:solidFill>
-            <a:miter lim="800000"/>
-            <a:headEnd/>
-            <a:tailEnd/>
-          </a:ln>
-        </p:spPr>
-        <p:txBody>
-          <a:bodyPr vert="horz" wrap="square" lIns="91440" tIns="91440" rIns="91440" bIns="91440" numCol="1" anchor="t" anchorCtr="0" compatLnSpc="1">
-            <a:prstTxWarp prst="textNoShape">
-              <a:avLst/>
-            </a:prstTxWarp>
-          </a:bodyPr>
-          <a:lstStyle/>
-          <a:p>
-            <a:pPr marL="0" marR="0" lvl="0" indent="0" algn="ctr" defTabSz="914400" rtl="0" eaLnBrk="0" fontAlgn="base" latinLnBrk="0" hangingPunct="0">
-              <a:lnSpc>
-                <a:spcPct val="100000"/>
-              </a:lnSpc>
-              <a:spcBef>
-                <a:spcPct val="0"/>
-              </a:spcBef>
-              <a:spcAft>
-                <a:spcPct val="0"/>
-              </a:spcAft>
-              <a:buClrTx/>
-              <a:buSzTx/>
-              <a:buFontTx/>
-              <a:buNone/>
-              <a:tabLst/>
-            </a:pPr>
-            <a:r>
-              <a:rPr kumimoji="0" lang="en-US" altLang="en-US" sz="1200" b="0" i="0" u="none" strike="noStrike" cap="none" normalizeH="0" baseline="0" smtClean="0">
-                <a:ln>
-                  <a:noFill/>
-                </a:ln>
-                <a:solidFill>
-                  <a:schemeClr val="tx1"/>
-                </a:solidFill>
-                <a:effectLst/>
-                <a:latin typeface="Times New Roman" panose="02020603050405020304" pitchFamily="18" charset="0"/>
-                <a:ea typeface="Calibri" panose="020F0502020204030204" pitchFamily="34" charset="0"/>
-                <a:cs typeface="Times New Roman" panose="02020603050405020304" pitchFamily="18" charset="0"/>
-              </a:rPr>
-              <a:t>Extracted data: </a:t>
-            </a:r>
-          </a:p>
-          <a:p>
-            <a:pPr marL="0" marR="0" lvl="0" indent="0" algn="ctr" defTabSz="914400" rtl="0" eaLnBrk="0" fontAlgn="base" latinLnBrk="0" hangingPunct="0">
-              <a:lnSpc>
-                <a:spcPct val="100000"/>
-              </a:lnSpc>
-              <a:spcBef>
-                <a:spcPct val="0"/>
-              </a:spcBef>
-              <a:spcAft>
-                <a:spcPct val="0"/>
-              </a:spcAft>
-              <a:buClrTx/>
-              <a:buSzTx/>
-              <a:buFontTx/>
-              <a:buNone/>
-              <a:tabLst/>
-            </a:pPr>
-            <a:r>
-              <a:rPr kumimoji="0" lang="en-US" altLang="en-US" sz="1200" b="0" i="0" u="none" strike="noStrike" cap="none" normalizeH="0" baseline="0" smtClean="0">
-                <a:ln>
-                  <a:noFill/>
-                </a:ln>
-                <a:solidFill>
-                  <a:schemeClr val="tx1"/>
-                </a:solidFill>
-                <a:effectLst/>
-                <a:latin typeface="Times New Roman" panose="02020603050405020304" pitchFamily="18" charset="0"/>
-                <a:ea typeface="Calibri" panose="020F0502020204030204" pitchFamily="34" charset="0"/>
-                <a:cs typeface="Times New Roman" panose="02020603050405020304" pitchFamily="18" charset="0"/>
-              </a:rPr>
-              <a:t>Location (lat, long), duration.hours, duration.months, camera trap days, number of records, animal richness, scientific name, year, number of cameras, number of sites, month of study, type of ecosystem, study design, and some measure of temperature for study period </a:t>
-            </a:r>
-          </a:p>
-          <a:p>
-            <a:pPr marL="0" marR="0" lvl="0" indent="0" algn="l" defTabSz="914400" rtl="0" eaLnBrk="0" fontAlgn="base" latinLnBrk="0" hangingPunct="0">
-              <a:lnSpc>
-                <a:spcPct val="100000"/>
-              </a:lnSpc>
-              <a:spcBef>
-                <a:spcPct val="0"/>
-              </a:spcBef>
-              <a:spcAft>
-                <a:spcPct val="0"/>
-              </a:spcAft>
-              <a:buClrTx/>
-              <a:buSzTx/>
-              <a:buFontTx/>
-              <a:buNone/>
-              <a:tabLst/>
-            </a:pPr>
-            <a:endParaRPr kumimoji="0" lang="en-US" altLang="en-US" sz="1800" b="0" i="0" u="none" strike="noStrike" cap="none" normalizeH="0" baseline="0" smtClean="0">
-              <a:ln>
-                <a:noFill/>
-              </a:ln>
-              <a:solidFill>
-                <a:schemeClr val="tx1"/>
-              </a:solidFill>
-              <a:effectLst/>
-              <a:latin typeface="Arial" panose="020B0604020202020204" pitchFamily="34" charset="0"/>
-            </a:endParaRPr>
-          </a:p>
-        </p:txBody>
-      </p:sp>
-      <p:sp>
-        <p:nvSpPr>
-          <p:cNvPr id="48" name="Rectangle 58"/>
-          <p:cNvSpPr>
-            <a:spLocks noChangeArrowheads="1"/>
-          </p:cNvSpPr>
-          <p:nvPr/>
-        </p:nvSpPr>
-        <p:spPr bwMode="auto">
-          <a:xfrm>
-            <a:off x="3063240" y="-260350"/>
-            <a:ext cx="12192000" cy="457200"/>
-          </a:xfrm>
-          <a:prstGeom prst="rect">
-            <a:avLst/>
-          </a:prstGeom>
-          <a:noFill/>
-          <a:ln>
-            <a:noFill/>
-          </a:ln>
-          <a:effectLst/>
-          <a:extLst>
-            <a:ext uri="{909E8E84-426E-40DD-AFC4-6F175D3DCCD1}">
-              <a14:hiddenFill xmlns:a14="http://schemas.microsoft.com/office/drawing/2010/main">
-                <a:solidFill>
-                  <a:schemeClr val="accent1"/>
-                </a:solidFill>
-              </a14:hiddenFill>
-            </a:ext>
-            <a:ext uri="{91240B29-F687-4F45-9708-019B960494DF}">
-              <a14:hiddenLine xmlns:a14="http://schemas.microsoft.com/office/drawing/2010/main" w="9525">
-                <a:solidFill>
-                  <a:schemeClr val="tx1"/>
-                </a:solidFill>
-                <a:miter lim="800000"/>
-                <a:headEnd/>
-                <a:tailEnd/>
-              </a14:hiddenLine>
-            </a:ext>
-            <a:ext uri="{AF507438-7753-43E0-B8FC-AC1667EBCBE1}">
-              <a14:hiddenEffects xmlns:a14="http://schemas.microsoft.com/office/drawing/2010/main">
-                <a:effectLst>
-                  <a:outerShdw dist="35921" dir="2700000" algn="ctr" rotWithShape="0">
-                    <a:schemeClr val="bg2"/>
-                  </a:outerShdw>
-                </a:effectLst>
-              </a14:hiddenEffects>
-            </a:ext>
-          </a:extLst>
-        </p:spPr>
-        <p:txBody>
-          <a:bodyPr vert="horz" wrap="none" lIns="91440" tIns="45720" rIns="91440" bIns="45720" numCol="1" anchor="ctr" anchorCtr="0" compatLnSpc="1">
-            <a:prstTxWarp prst="textNoShape">
-              <a:avLst/>
-            </a:prstTxWarp>
-            <a:spAutoFit/>
-          </a:bodyPr>
-          <a:lstStyle/>
-          <a:p>
-            <a:endParaRPr lang="en-CA"/>
-          </a:p>
-        </p:txBody>
-      </p:sp>
-      <p:sp>
-        <p:nvSpPr>
-          <p:cNvPr id="49" name="Rectangle 72"/>
-          <p:cNvSpPr>
-            <a:spLocks noChangeArrowheads="1"/>
-          </p:cNvSpPr>
-          <p:nvPr/>
-        </p:nvSpPr>
-        <p:spPr bwMode="auto">
-          <a:xfrm>
-            <a:off x="3063240" y="196850"/>
-            <a:ext cx="12192000" cy="457200"/>
-          </a:xfrm>
-          <a:prstGeom prst="rect">
-            <a:avLst/>
-          </a:prstGeom>
-          <a:noFill/>
-          <a:ln>
-            <a:noFill/>
-          </a:ln>
-          <a:effectLst/>
-          <a:extLst>
-            <a:ext uri="{909E8E84-426E-40DD-AFC4-6F175D3DCCD1}">
-              <a14:hiddenFill xmlns:a14="http://schemas.microsoft.com/office/drawing/2010/main">
-                <a:solidFill>
-                  <a:schemeClr val="accent1"/>
-                </a:solidFill>
-              </a14:hiddenFill>
-            </a:ext>
-            <a:ext uri="{91240B29-F687-4F45-9708-019B960494DF}">
-              <a14:hiddenLine xmlns:a14="http://schemas.microsoft.com/office/drawing/2010/main" w="9525">
-                <a:solidFill>
-                  <a:schemeClr val="tx1"/>
-                </a:solidFill>
-                <a:miter lim="800000"/>
-                <a:headEnd/>
-                <a:tailEnd/>
-              </a14:hiddenLine>
-            </a:ext>
-            <a:ext uri="{AF507438-7753-43E0-B8FC-AC1667EBCBE1}">
-              <a14:hiddenEffects xmlns:a14="http://schemas.microsoft.com/office/drawing/2010/main">
-                <a:effectLst>
-                  <a:outerShdw dist="35921" dir="2700000" algn="ctr" rotWithShape="0">
-                    <a:schemeClr val="bg2"/>
-                  </a:outerShdw>
-                </a:effectLst>
-              </a14:hiddenEffects>
-            </a:ext>
-          </a:extLst>
-        </p:spPr>
-        <p:txBody>
-          <a:bodyPr vert="horz" wrap="none" lIns="91440" tIns="45720" rIns="91440" bIns="45720" numCol="1" anchor="ctr" anchorCtr="0" compatLnSpc="1">
-            <a:prstTxWarp prst="textNoShape">
-              <a:avLst/>
-            </a:prstTxWarp>
-            <a:spAutoFit/>
-          </a:bodyPr>
-          <a:lstStyle/>
-          <a:p>
-            <a:endParaRPr lang="en-CA"/>
-          </a:p>
-        </p:txBody>
-      </p:sp>
-      <p:cxnSp>
-        <p:nvCxnSpPr>
-          <p:cNvPr id="50" name="AutoShape 18"/>
-          <p:cNvCxnSpPr>
-            <a:cxnSpLocks noChangeShapeType="1"/>
-          </p:cNvCxnSpPr>
-          <p:nvPr/>
-        </p:nvCxnSpPr>
-        <p:spPr bwMode="auto">
-          <a:xfrm>
-            <a:off x="5749290" y="4583290"/>
-            <a:ext cx="0" cy="276225"/>
-          </a:xfrm>
-          <a:prstGeom prst="straightConnector1">
-            <a:avLst/>
-          </a:prstGeom>
-          <a:noFill/>
-          <a:ln w="9525">
-            <a:solidFill>
-              <a:srgbClr val="000000"/>
-            </a:solidFill>
-            <a:round/>
-            <a:headEnd/>
-            <a:tailEnd type="triangle" w="med" len="med"/>
-          </a:ln>
-          <a:effectLst/>
-          <a:extLst>
-            <a:ext uri="{909E8E84-426E-40dd-AFC4-6F175D3DCCD1}">
-              <a14:hiddenFill xmlns:wpc="http://schemas.microsoft.com/office/word/2010/wordprocessingCanvas" xmlns:mc="http://schemas.openxmlformats.org/markup-compatibility/2006" xmlns:m="http://schemas.openxmlformats.org/officeDocument/2006/math" xmlns:wp14="http://schemas.microsoft.com/office/word/2010/wordprocessingDrawing" xmlns:wp="http://schemas.openxmlformats.org/drawingml/2006/wordprocessingDrawing" xmlns:w14="http://schemas.microsoft.com/office/word/2010/wordml" xmlns:w15="http://schemas.microsoft.com/office/word/2012/wordml" xmlns:wpg="http://schemas.microsoft.com/office/word/2010/wordprocessingGroup" xmlns:wpi="http://schemas.microsoft.com/office/word/2010/wordprocessingInk" xmlns:wne="http://schemas.microsoft.com/office/word/2006/wordml" xmlns:wps="http://schemas.microsoft.com/office/word/2010/wordprocessingShape" xmlns:a14="http://schemas.microsoft.com/office/drawing/2010/main" xmlns:w="http://schemas.openxmlformats.org/wordprocessingml/2006/main" xmlns:w10="urn:schemas-microsoft-com:office:word" xmlns:v="urn:schemas-microsoft-com:vml" xmlns:o="urn:schemas-microsoft-com:office:office" xmlns:mv="urn:schemas-microsoft-com:mac:vml" xmlns:mo="http://schemas.microsoft.com/office/mac/office/2008/main" xmlns="" xmlns:lc="http://schemas.openxmlformats.org/drawingml/2006/lockedCanvas">
-                <a:noFill/>
-              </a14:hiddenFill>
-            </a:ext>
-            <a:ext uri="{AF507438-7753-43e0-B8FC-AC1667EBCBE1}">
-              <a14:hiddenEffects xmlns:wpc="http://schemas.microsoft.com/office/word/2010/wordprocessingCanvas" xmlns:mc="http://schemas.openxmlformats.org/markup-compatibility/2006" xmlns:m="http://schemas.openxmlformats.org/officeDocument/2006/math" xmlns:wp14="http://schemas.microsoft.com/office/word/2010/wordprocessingDrawing" xmlns:wp="http://schemas.openxmlformats.org/drawingml/2006/wordprocessingDrawing" xmlns:w14="http://schemas.microsoft.com/office/word/2010/wordml" xmlns:w15="http://schemas.microsoft.com/office/word/2012/wordml" xmlns:wpg="http://schemas.microsoft.com/office/word/2010/wordprocessingGroup" xmlns:wpi="http://schemas.microsoft.com/office/word/2010/wordprocessingInk" xmlns:wne="http://schemas.microsoft.com/office/word/2006/wordml" xmlns:wps="http://schemas.microsoft.com/office/word/2010/wordprocessingShape" xmlns:a14="http://schemas.microsoft.com/office/drawing/2010/main" xmlns:w="http://schemas.openxmlformats.org/wordprocessingml/2006/main" xmlns:w10="urn:schemas-microsoft-com:office:word" xmlns:v="urn:schemas-microsoft-com:vml" xmlns:o="urn:schemas-microsoft-com:office:office" xmlns:mv="urn:schemas-microsoft-com:mac:vml" xmlns:mo="http://schemas.microsoft.com/office/mac/office/2008/main" xmlns="" xmlns:lc="http://schemas.openxmlformats.org/drawingml/2006/lockedCanvas">
-                <a:effectLst>
-                  <a:outerShdw dist="35921" dir="2700000" algn="ctr" rotWithShape="0">
-                    <a:srgbClr val="CCCCCC"/>
-                  </a:outerShdw>
-                </a:effectLst>
-              </a14:hiddenEffects>
-            </a:ext>
-          </a:extLst>
-        </p:spPr>
-      </p:cxnSp>
       <p:sp>
         <p:nvSpPr>
           <p:cNvPr id="51" name="Rectangle 50"/>
@@ -17028,7 +17025,6 @@
               <a:rPr lang="en-CA" dirty="0"/>
               <a:t>, 2019.</a:t>
             </a:r>
-            <a:endParaRPr lang="en-CA" dirty="0"/>
           </a:p>
         </p:txBody>
       </p:sp>
@@ -17042,6 +17038,13 @@
   <p:clrMapOvr>
     <a:masterClrMapping/>
   </p:clrMapOvr>
+  <p:timing>
+    <p:tnLst>
+      <p:par>
+        <p:cTn id="1" dur="indefinite" restart="never" nodeType="tmRoot"/>
+      </p:par>
+    </p:tnLst>
+  </p:timing>
 </p:sld>
 </file>
 
@@ -17436,267 +17439,6 @@
           <a:chExt cx="0" cy="0"/>
         </a:xfrm>
       </p:grpSpPr>
-      <p:pic>
-        <p:nvPicPr>
-          <p:cNvPr id="3076" name="Picture 4" descr="Image result for carrizo plain national monument map"/>
-          <p:cNvPicPr>
-            <a:picLocks noChangeAspect="1" noChangeArrowheads="1"/>
-          </p:cNvPicPr>
-          <p:nvPr/>
-        </p:nvPicPr>
-        <p:blipFill rotWithShape="1">
-          <a:blip r:embed="rId3">
-            <a:extLst>
-              <a:ext uri="{28A0092B-C50C-407E-A947-70E740481C1C}">
-                <a14:useLocalDpi xmlns:a14="http://schemas.microsoft.com/office/drawing/2010/main" val="0"/>
-              </a:ext>
-            </a:extLst>
-          </a:blip>
-          <a:srcRect l="21357" r="7822"/>
-          <a:stretch/>
-        </p:blipFill>
-        <p:spPr bwMode="auto">
-          <a:xfrm>
-            <a:off x="3118250" y="85530"/>
-            <a:ext cx="7315201" cy="6418802"/>
-          </a:xfrm>
-          <a:prstGeom prst="rect">
-            <a:avLst/>
-          </a:prstGeom>
-          <a:ln>
-            <a:noFill/>
-          </a:ln>
-          <a:effectLst>
-            <a:outerShdw blurRad="292100" dist="139700" dir="2700000" algn="tl" rotWithShape="0">
-              <a:srgbClr val="333333">
-                <a:alpha val="65000"/>
-              </a:srgbClr>
-            </a:outerShdw>
-          </a:effectLst>
-          <a:extLst>
-            <a:ext uri="{909E8E84-426E-40DD-AFC4-6F175D3DCCD1}">
-              <a14:hiddenFill xmlns:a14="http://schemas.microsoft.com/office/drawing/2010/main">
-                <a:solidFill>
-                  <a:srgbClr val="FFFFFF"/>
-                </a:solidFill>
-              </a14:hiddenFill>
-            </a:ext>
-          </a:extLst>
-        </p:spPr>
-      </p:pic>
-      <p:sp>
-        <p:nvSpPr>
-          <p:cNvPr id="3" name="Oval 2"/>
-          <p:cNvSpPr/>
-          <p:nvPr/>
-        </p:nvSpPr>
-        <p:spPr>
-          <a:xfrm>
-            <a:off x="7123890" y="3654633"/>
-            <a:ext cx="309282" cy="295835"/>
-          </a:xfrm>
-          <a:prstGeom prst="ellipse">
-            <a:avLst/>
-          </a:prstGeom>
-          <a:noFill/>
-          <a:ln>
-            <a:solidFill>
-              <a:schemeClr val="tx1"/>
-            </a:solidFill>
-          </a:ln>
-        </p:spPr>
-        <p:style>
-          <a:lnRef idx="2">
-            <a:schemeClr val="accent1">
-              <a:shade val="50000"/>
-            </a:schemeClr>
-          </a:lnRef>
-          <a:fillRef idx="1">
-            <a:schemeClr val="accent1"/>
-          </a:fillRef>
-          <a:effectRef idx="0">
-            <a:schemeClr val="accent1"/>
-          </a:effectRef>
-          <a:fontRef idx="minor">
-            <a:schemeClr val="lt1"/>
-          </a:fontRef>
-        </p:style>
-        <p:txBody>
-          <a:bodyPr rtlCol="0" anchor="ctr"/>
-          <a:lstStyle/>
-          <a:p>
-            <a:pPr algn="ctr"/>
-            <a:endParaRPr lang="en-CA"/>
-          </a:p>
-        </p:txBody>
-      </p:sp>
-      <p:sp>
-        <p:nvSpPr>
-          <p:cNvPr id="7" name="Oval 6"/>
-          <p:cNvSpPr/>
-          <p:nvPr/>
-        </p:nvSpPr>
-        <p:spPr>
-          <a:xfrm>
-            <a:off x="7559229" y="4001973"/>
-            <a:ext cx="309282" cy="295835"/>
-          </a:xfrm>
-          <a:prstGeom prst="ellipse">
-            <a:avLst/>
-          </a:prstGeom>
-          <a:noFill/>
-          <a:ln>
-            <a:solidFill>
-              <a:schemeClr val="tx1"/>
-            </a:solidFill>
-          </a:ln>
-        </p:spPr>
-        <p:style>
-          <a:lnRef idx="2">
-            <a:schemeClr val="accent1">
-              <a:shade val="50000"/>
-            </a:schemeClr>
-          </a:lnRef>
-          <a:fillRef idx="1">
-            <a:schemeClr val="accent1"/>
-          </a:fillRef>
-          <a:effectRef idx="0">
-            <a:schemeClr val="accent1"/>
-          </a:effectRef>
-          <a:fontRef idx="minor">
-            <a:schemeClr val="lt1"/>
-          </a:fontRef>
-        </p:style>
-        <p:txBody>
-          <a:bodyPr rtlCol="0" anchor="ctr"/>
-          <a:lstStyle/>
-          <a:p>
-            <a:pPr algn="ctr"/>
-            <a:endParaRPr lang="en-CA"/>
-          </a:p>
-        </p:txBody>
-      </p:sp>
-      <p:sp>
-        <p:nvSpPr>
-          <p:cNvPr id="4" name="Rectangle 3"/>
-          <p:cNvSpPr/>
-          <p:nvPr/>
-        </p:nvSpPr>
-        <p:spPr>
-          <a:xfrm>
-            <a:off x="7406219" y="3548243"/>
-            <a:ext cx="277640" cy="338554"/>
-          </a:xfrm>
-          <a:prstGeom prst="rect">
-            <a:avLst/>
-          </a:prstGeom>
-        </p:spPr>
-        <p:txBody>
-          <a:bodyPr wrap="none">
-            <a:spAutoFit/>
-          </a:bodyPr>
-          <a:lstStyle/>
-          <a:p>
-            <a:r>
-              <a:rPr lang="en-CA" sz="1600" dirty="0"/>
-              <a:t>3</a:t>
-            </a:r>
-            <a:endParaRPr lang="en-CA" sz="1600" dirty="0"/>
-          </a:p>
-        </p:txBody>
-      </p:sp>
-      <p:sp>
-        <p:nvSpPr>
-          <p:cNvPr id="9" name="Rectangle 8"/>
-          <p:cNvSpPr/>
-          <p:nvPr/>
-        </p:nvSpPr>
-        <p:spPr>
-          <a:xfrm>
-            <a:off x="7868355" y="3887368"/>
-            <a:ext cx="290464" cy="338554"/>
-          </a:xfrm>
-          <a:prstGeom prst="rect">
-            <a:avLst/>
-          </a:prstGeom>
-        </p:spPr>
-        <p:txBody>
-          <a:bodyPr wrap="none">
-            <a:spAutoFit/>
-          </a:bodyPr>
-          <a:lstStyle/>
-          <a:p>
-            <a:r>
-              <a:rPr lang="en-CA" sz="1600" dirty="0" smtClean="0"/>
-              <a:t>4</a:t>
-            </a:r>
-            <a:endParaRPr lang="en-CA" sz="1600" dirty="0"/>
-          </a:p>
-        </p:txBody>
-      </p:sp>
-      <p:sp>
-        <p:nvSpPr>
-          <p:cNvPr id="5" name="Rectangle 4"/>
-          <p:cNvSpPr/>
-          <p:nvPr/>
-        </p:nvSpPr>
-        <p:spPr>
-          <a:xfrm>
-            <a:off x="10433451" y="6319666"/>
-            <a:ext cx="1741759" cy="369332"/>
-          </a:xfrm>
-          <a:prstGeom prst="rect">
-            <a:avLst/>
-          </a:prstGeom>
-        </p:spPr>
-        <p:txBody>
-          <a:bodyPr wrap="none">
-            <a:spAutoFit/>
-          </a:bodyPr>
-          <a:lstStyle/>
-          <a:p>
-            <a:r>
-              <a:rPr lang="en-CA" dirty="0" smtClean="0"/>
-              <a:t>(Google </a:t>
-            </a:r>
-            <a:r>
-              <a:rPr lang="en-CA" dirty="0"/>
-              <a:t>Images)</a:t>
-            </a:r>
-            <a:endParaRPr lang="en-CA" dirty="0"/>
-          </a:p>
-        </p:txBody>
-      </p:sp>
-    </p:spTree>
-    <p:extLst>
-      <p:ext uri="{BB962C8B-B14F-4D97-AF65-F5344CB8AC3E}">
-        <p14:creationId xmlns:p14="http://schemas.microsoft.com/office/powerpoint/2010/main" val="3878187171"/>
-      </p:ext>
-    </p:extLst>
-  </p:cSld>
-  <p:clrMapOvr>
-    <a:masterClrMapping/>
-  </p:clrMapOvr>
-</p:sld>
-</file>
-
-<file path=ppt/slides/slide9.xml><?xml version="1.0" encoding="utf-8"?>
-<p:sld xmlns:a="http://schemas.openxmlformats.org/drawingml/2006/main" xmlns:r="http://schemas.openxmlformats.org/officeDocument/2006/relationships" xmlns:p="http://schemas.openxmlformats.org/presentationml/2006/main">
-  <p:cSld>
-    <p:spTree>
-      <p:nvGrpSpPr>
-        <p:cNvPr id="1" name=""/>
-        <p:cNvGrpSpPr/>
-        <p:nvPr/>
-      </p:nvGrpSpPr>
-      <p:grpSpPr>
-        <a:xfrm>
-          <a:off x="0" y="0"/>
-          <a:ext cx="0" cy="0"/>
-          <a:chOff x="0" y="0"/>
-          <a:chExt cx="0" cy="0"/>
-        </a:xfrm>
-      </p:grpSpPr>
       <p:sp>
         <p:nvSpPr>
           <p:cNvPr id="2" name="Rectangle 1"/>
@@ -18044,6 +17786,279 @@
   <p:clrMapOvr>
     <a:masterClrMapping/>
   </p:clrMapOvr>
+  <p:timing>
+    <p:tnLst>
+      <p:par>
+        <p:cTn id="1" dur="indefinite" restart="never" nodeType="tmRoot"/>
+      </p:par>
+    </p:tnLst>
+  </p:timing>
+</p:sld>
+</file>
+
+<file path=ppt/slides/slide9.xml><?xml version="1.0" encoding="utf-8"?>
+<p:sld xmlns:a="http://schemas.openxmlformats.org/drawingml/2006/main" xmlns:r="http://schemas.openxmlformats.org/officeDocument/2006/relationships" xmlns:p="http://schemas.openxmlformats.org/presentationml/2006/main">
+  <p:cSld>
+    <p:spTree>
+      <p:nvGrpSpPr>
+        <p:cNvPr id="1" name=""/>
+        <p:cNvGrpSpPr/>
+        <p:nvPr/>
+      </p:nvGrpSpPr>
+      <p:grpSpPr>
+        <a:xfrm>
+          <a:off x="0" y="0"/>
+          <a:ext cx="0" cy="0"/>
+          <a:chOff x="0" y="0"/>
+          <a:chExt cx="0" cy="0"/>
+        </a:xfrm>
+      </p:grpSpPr>
+      <p:pic>
+        <p:nvPicPr>
+          <p:cNvPr id="3076" name="Picture 4" descr="Image result for carrizo plain national monument map"/>
+          <p:cNvPicPr>
+            <a:picLocks noChangeAspect="1" noChangeArrowheads="1"/>
+          </p:cNvPicPr>
+          <p:nvPr/>
+        </p:nvPicPr>
+        <p:blipFill rotWithShape="1">
+          <a:blip r:embed="rId3">
+            <a:extLst>
+              <a:ext uri="{28A0092B-C50C-407E-A947-70E740481C1C}">
+                <a14:useLocalDpi xmlns:a14="http://schemas.microsoft.com/office/drawing/2010/main" val="0"/>
+              </a:ext>
+            </a:extLst>
+          </a:blip>
+          <a:srcRect l="21357" r="7822"/>
+          <a:stretch/>
+        </p:blipFill>
+        <p:spPr bwMode="auto">
+          <a:xfrm>
+            <a:off x="3118250" y="85530"/>
+            <a:ext cx="7315201" cy="6418802"/>
+          </a:xfrm>
+          <a:prstGeom prst="rect">
+            <a:avLst/>
+          </a:prstGeom>
+          <a:ln>
+            <a:noFill/>
+          </a:ln>
+          <a:effectLst>
+            <a:outerShdw blurRad="292100" dist="139700" dir="2700000" algn="tl" rotWithShape="0">
+              <a:srgbClr val="333333">
+                <a:alpha val="65000"/>
+              </a:srgbClr>
+            </a:outerShdw>
+          </a:effectLst>
+          <a:extLst>
+            <a:ext uri="{909E8E84-426E-40DD-AFC4-6F175D3DCCD1}">
+              <a14:hiddenFill xmlns:a14="http://schemas.microsoft.com/office/drawing/2010/main">
+                <a:solidFill>
+                  <a:srgbClr val="FFFFFF"/>
+                </a:solidFill>
+              </a14:hiddenFill>
+            </a:ext>
+          </a:extLst>
+        </p:spPr>
+      </p:pic>
+      <p:sp>
+        <p:nvSpPr>
+          <p:cNvPr id="3" name="Oval 2"/>
+          <p:cNvSpPr/>
+          <p:nvPr/>
+        </p:nvSpPr>
+        <p:spPr>
+          <a:xfrm>
+            <a:off x="7123890" y="3654633"/>
+            <a:ext cx="309282" cy="295835"/>
+          </a:xfrm>
+          <a:prstGeom prst="ellipse">
+            <a:avLst/>
+          </a:prstGeom>
+          <a:noFill/>
+          <a:ln>
+            <a:solidFill>
+              <a:schemeClr val="tx1"/>
+            </a:solidFill>
+          </a:ln>
+        </p:spPr>
+        <p:style>
+          <a:lnRef idx="2">
+            <a:schemeClr val="accent1">
+              <a:shade val="50000"/>
+            </a:schemeClr>
+          </a:lnRef>
+          <a:fillRef idx="1">
+            <a:schemeClr val="accent1"/>
+          </a:fillRef>
+          <a:effectRef idx="0">
+            <a:schemeClr val="accent1"/>
+          </a:effectRef>
+          <a:fontRef idx="minor">
+            <a:schemeClr val="lt1"/>
+          </a:fontRef>
+        </p:style>
+        <p:txBody>
+          <a:bodyPr rtlCol="0" anchor="ctr"/>
+          <a:lstStyle/>
+          <a:p>
+            <a:pPr algn="ctr"/>
+            <a:endParaRPr lang="en-CA"/>
+          </a:p>
+        </p:txBody>
+      </p:sp>
+      <p:sp>
+        <p:nvSpPr>
+          <p:cNvPr id="7" name="Oval 6"/>
+          <p:cNvSpPr/>
+          <p:nvPr/>
+        </p:nvSpPr>
+        <p:spPr>
+          <a:xfrm>
+            <a:off x="7559229" y="4001973"/>
+            <a:ext cx="309282" cy="295835"/>
+          </a:xfrm>
+          <a:prstGeom prst="ellipse">
+            <a:avLst/>
+          </a:prstGeom>
+          <a:noFill/>
+          <a:ln>
+            <a:solidFill>
+              <a:schemeClr val="tx1"/>
+            </a:solidFill>
+          </a:ln>
+        </p:spPr>
+        <p:style>
+          <a:lnRef idx="2">
+            <a:schemeClr val="accent1">
+              <a:shade val="50000"/>
+            </a:schemeClr>
+          </a:lnRef>
+          <a:fillRef idx="1">
+            <a:schemeClr val="accent1"/>
+          </a:fillRef>
+          <a:effectRef idx="0">
+            <a:schemeClr val="accent1"/>
+          </a:effectRef>
+          <a:fontRef idx="minor">
+            <a:schemeClr val="lt1"/>
+          </a:fontRef>
+        </p:style>
+        <p:txBody>
+          <a:bodyPr rtlCol="0" anchor="ctr"/>
+          <a:lstStyle/>
+          <a:p>
+            <a:pPr algn="ctr"/>
+            <a:endParaRPr lang="en-CA"/>
+          </a:p>
+        </p:txBody>
+      </p:sp>
+      <p:sp>
+        <p:nvSpPr>
+          <p:cNvPr id="4" name="Rectangle 3"/>
+          <p:cNvSpPr/>
+          <p:nvPr/>
+        </p:nvSpPr>
+        <p:spPr>
+          <a:xfrm>
+            <a:off x="7406219" y="3548243"/>
+            <a:ext cx="277640" cy="338554"/>
+          </a:xfrm>
+          <a:prstGeom prst="rect">
+            <a:avLst/>
+          </a:prstGeom>
+        </p:spPr>
+        <p:txBody>
+          <a:bodyPr wrap="none">
+            <a:spAutoFit/>
+          </a:bodyPr>
+          <a:lstStyle/>
+          <a:p>
+            <a:r>
+              <a:rPr lang="en-CA" sz="1600" dirty="0"/>
+              <a:t>3</a:t>
+            </a:r>
+          </a:p>
+        </p:txBody>
+      </p:sp>
+      <p:sp>
+        <p:nvSpPr>
+          <p:cNvPr id="9" name="Rectangle 8"/>
+          <p:cNvSpPr/>
+          <p:nvPr/>
+        </p:nvSpPr>
+        <p:spPr>
+          <a:xfrm>
+            <a:off x="7868355" y="3887368"/>
+            <a:ext cx="290464" cy="338554"/>
+          </a:xfrm>
+          <a:prstGeom prst="rect">
+            <a:avLst/>
+          </a:prstGeom>
+        </p:spPr>
+        <p:txBody>
+          <a:bodyPr wrap="none">
+            <a:spAutoFit/>
+          </a:bodyPr>
+          <a:lstStyle/>
+          <a:p>
+            <a:r>
+              <a:rPr lang="en-CA" sz="1600" dirty="0" smtClean="0"/>
+              <a:t>4</a:t>
+            </a:r>
+            <a:endParaRPr lang="en-CA" sz="1600" dirty="0"/>
+          </a:p>
+        </p:txBody>
+      </p:sp>
+      <p:sp>
+        <p:nvSpPr>
+          <p:cNvPr id="5" name="Rectangle 4"/>
+          <p:cNvSpPr/>
+          <p:nvPr/>
+        </p:nvSpPr>
+        <p:spPr>
+          <a:xfrm>
+            <a:off x="10433451" y="6319666"/>
+            <a:ext cx="1741759" cy="369332"/>
+          </a:xfrm>
+          <a:prstGeom prst="rect">
+            <a:avLst/>
+          </a:prstGeom>
+        </p:spPr>
+        <p:txBody>
+          <a:bodyPr wrap="none">
+            <a:spAutoFit/>
+          </a:bodyPr>
+          <a:lstStyle/>
+          <a:p>
+            <a:r>
+              <a:rPr lang="en-CA" dirty="0" smtClean="0"/>
+              <a:t>(Google </a:t>
+            </a:r>
+            <a:r>
+              <a:rPr lang="en-CA" dirty="0"/>
+              <a:t>Images)</a:t>
+            </a:r>
+          </a:p>
+        </p:txBody>
+      </p:sp>
+    </p:spTree>
+    <p:extLst>
+      <p:ext uri="{BB962C8B-B14F-4D97-AF65-F5344CB8AC3E}">
+        <p14:creationId xmlns:p14="http://schemas.microsoft.com/office/powerpoint/2010/main" val="3878187171"/>
+      </p:ext>
+    </p:extLst>
+  </p:cSld>
+  <p:clrMapOvr>
+    <a:masterClrMapping/>
+  </p:clrMapOvr>
+  <p:timing>
+    <p:tnLst>
+      <p:par>
+        <p:cTn id="1" dur="indefinite" restart="never" nodeType="tmRoot"/>
+      </p:par>
+    </p:tnLst>
+  </p:timing>
 </p:sld>
 </file>
 
